--- a/docs/presentations/Apresentação final - 20211209.pptx
+++ b/docs/presentations/Apresentação final - 20211209.pptx
@@ -11,13 +11,13 @@
     <p:sldId id="256" r:id="rId2"/>
     <p:sldId id="257" r:id="rId3"/>
     <p:sldId id="258" r:id="rId4"/>
-    <p:sldId id="296" r:id="rId5"/>
+    <p:sldId id="285" r:id="rId5"/>
     <p:sldId id="291" r:id="rId6"/>
     <p:sldId id="292" r:id="rId7"/>
     <p:sldId id="293" r:id="rId8"/>
-    <p:sldId id="294" r:id="rId9"/>
-    <p:sldId id="295" r:id="rId10"/>
-    <p:sldId id="285" r:id="rId11"/>
+    <p:sldId id="296" r:id="rId9"/>
+    <p:sldId id="294" r:id="rId10"/>
+    <p:sldId id="295" r:id="rId11"/>
     <p:sldId id="297" r:id="rId12"/>
     <p:sldId id="298" r:id="rId13"/>
     <p:sldId id="299" r:id="rId14"/>
@@ -848,7 +848,7 @@
   <p:cSld>
     <p:spTree>
       <p:nvGrpSpPr>
-        <p:cNvPr id="1" name="Shape 80"/>
+        <p:cNvPr id="1" name="Shape 62"/>
         <p:cNvGrpSpPr/>
         <p:nvPr/>
       </p:nvGrpSpPr>
@@ -862,7 +862,7 @@
       </p:grpSpPr>
       <p:sp>
         <p:nvSpPr>
-          <p:cNvPr id="81" name="Google Shape;81;gf6254c5e42_0_30:notes"/>
+          <p:cNvPr id="63" name="Google Shape;63;gf6254c5e42_0_5:notes"/>
           <p:cNvSpPr>
             <a:spLocks noGrp="1" noRot="1" noChangeAspect="1"/>
           </p:cNvSpPr>
@@ -903,7 +903,7 @@
       </p:sp>
       <p:sp>
         <p:nvSpPr>
-          <p:cNvPr id="82" name="Google Shape;82;gf6254c5e42_0_30:notes"/>
+          <p:cNvPr id="64" name="Google Shape;64;gf6254c5e42_0_5:notes"/>
           <p:cNvSpPr txBox="1">
             <a:spLocks noGrp="1"/>
           </p:cNvSpPr>
@@ -926,7 +926,7 @@
           </a:bodyPr>
           <a:lstStyle/>
           <a:p>
-            <a:pPr marL="457200" lvl="0" indent="0" algn="l" rtl="0">
+            <a:pPr marL="0" lvl="0" indent="0" algn="l" rtl="0">
               <a:lnSpc>
                 <a:spcPct val="115000"/>
               </a:lnSpc>
@@ -936,32 +936,29 @@
               <a:spcAft>
                 <a:spcPts val="1200"/>
               </a:spcAft>
+              <a:buClr>
+                <a:schemeClr val="dk1"/>
+              </a:buClr>
+              <a:buSzPts val="1100"/>
+              <a:buFont typeface="Arial"/>
               <a:buNone/>
             </a:pPr>
             <a:r>
-              <a:rPr lang="pt-BR" sz="1800" dirty="0">
+              <a:rPr lang="pt-BR" sz="1800">
                 <a:solidFill>
                   <a:srgbClr val="595959"/>
                 </a:solidFill>
               </a:rPr>
-              <a:t>Link para o </a:t>
-            </a:r>
-            <a:r>
-              <a:rPr lang="pt-BR" sz="1800" dirty="0" err="1">
-                <a:solidFill>
-                  <a:srgbClr val="595959"/>
-                </a:solidFill>
-              </a:rPr>
-              <a:t>github</a:t>
-            </a:r>
-            <a:endParaRPr dirty="0"/>
+              <a:t>Como resolver o problema ou confirmar/refutar a hipótese?</a:t>
+            </a:r>
+            <a:endParaRPr/>
           </a:p>
         </p:txBody>
       </p:sp>
     </p:spTree>
     <p:extLst>
       <p:ext uri="{BB962C8B-B14F-4D97-AF65-F5344CB8AC3E}">
-        <p14:creationId xmlns:p14="http://schemas.microsoft.com/office/powerpoint/2010/main" val="1212036858"/>
+        <p14:creationId xmlns:p14="http://schemas.microsoft.com/office/powerpoint/2010/main" val="1773405921"/>
       </p:ext>
     </p:extLst>
   </p:cSld>
@@ -1712,7 +1709,7 @@
     </p:spTree>
     <p:extLst>
       <p:ext uri="{BB962C8B-B14F-4D97-AF65-F5344CB8AC3E}">
-        <p14:creationId xmlns:p14="http://schemas.microsoft.com/office/powerpoint/2010/main" val="3534913263"/>
+        <p14:creationId xmlns:p14="http://schemas.microsoft.com/office/powerpoint/2010/main" val="1212036858"/>
       </p:ext>
     </p:extLst>
   </p:cSld>
@@ -2097,7 +2094,7 @@
   <p:cSld>
     <p:spTree>
       <p:nvGrpSpPr>
-        <p:cNvPr id="1" name="Shape 62"/>
+        <p:cNvPr id="1" name="Shape 80"/>
         <p:cNvGrpSpPr/>
         <p:nvPr/>
       </p:nvGrpSpPr>
@@ -2111,7 +2108,7 @@
       </p:grpSpPr>
       <p:sp>
         <p:nvSpPr>
-          <p:cNvPr id="63" name="Google Shape;63;gf6254c5e42_0_5:notes"/>
+          <p:cNvPr id="81" name="Google Shape;81;gf6254c5e42_0_30:notes"/>
           <p:cNvSpPr>
             <a:spLocks noGrp="1" noRot="1" noChangeAspect="1"/>
           </p:cNvSpPr>
@@ -2152,7 +2149,7 @@
       </p:sp>
       <p:sp>
         <p:nvSpPr>
-          <p:cNvPr id="64" name="Google Shape;64;gf6254c5e42_0_5:notes"/>
+          <p:cNvPr id="82" name="Google Shape;82;gf6254c5e42_0_30:notes"/>
           <p:cNvSpPr txBox="1">
             <a:spLocks noGrp="1"/>
           </p:cNvSpPr>
@@ -2175,7 +2172,7 @@
           </a:bodyPr>
           <a:lstStyle/>
           <a:p>
-            <a:pPr marL="0" lvl="0" indent="0" algn="l" rtl="0">
+            <a:pPr marL="457200" lvl="0" indent="0" algn="l" rtl="0">
               <a:lnSpc>
                 <a:spcPct val="115000"/>
               </a:lnSpc>
@@ -2185,29 +2182,32 @@
               <a:spcAft>
                 <a:spcPts val="1200"/>
               </a:spcAft>
-              <a:buClr>
-                <a:schemeClr val="dk1"/>
-              </a:buClr>
-              <a:buSzPts val="1100"/>
-              <a:buFont typeface="Arial"/>
               <a:buNone/>
             </a:pPr>
             <a:r>
-              <a:rPr lang="pt-BR" sz="1800">
+              <a:rPr lang="pt-BR" sz="1800" dirty="0">
                 <a:solidFill>
                   <a:srgbClr val="595959"/>
                 </a:solidFill>
               </a:rPr>
-              <a:t>Como resolver o problema ou confirmar/refutar a hipótese?</a:t>
-            </a:r>
-            <a:endParaRPr/>
+              <a:t>Link para o </a:t>
+            </a:r>
+            <a:r>
+              <a:rPr lang="pt-BR" sz="1800" dirty="0" err="1">
+                <a:solidFill>
+                  <a:srgbClr val="595959"/>
+                </a:solidFill>
+              </a:rPr>
+              <a:t>github</a:t>
+            </a:r>
+            <a:endParaRPr dirty="0"/>
           </a:p>
         </p:txBody>
       </p:sp>
     </p:spTree>
     <p:extLst>
       <p:ext uri="{BB962C8B-B14F-4D97-AF65-F5344CB8AC3E}">
-        <p14:creationId xmlns:p14="http://schemas.microsoft.com/office/powerpoint/2010/main" val="1233714802"/>
+        <p14:creationId xmlns:p14="http://schemas.microsoft.com/office/powerpoint/2010/main" val="3534913263"/>
       </p:ext>
     </p:extLst>
   </p:cSld>
@@ -2332,7 +2332,7 @@
     </p:spTree>
     <p:extLst>
       <p:ext uri="{BB962C8B-B14F-4D97-AF65-F5344CB8AC3E}">
-        <p14:creationId xmlns:p14="http://schemas.microsoft.com/office/powerpoint/2010/main" val="1773405921"/>
+        <p14:creationId xmlns:p14="http://schemas.microsoft.com/office/powerpoint/2010/main" val="1233714802"/>
       </p:ext>
     </p:extLst>
   </p:cSld>
@@ -7291,7 +7291,7 @@
   <p:cSld>
     <p:spTree>
       <p:nvGrpSpPr>
-        <p:cNvPr id="1" name="Shape 83"/>
+        <p:cNvPr id="1" name="Shape 65"/>
         <p:cNvGrpSpPr/>
         <p:nvPr/>
       </p:nvGrpSpPr>
@@ -7303,42 +7303,12 @@
           <a:chExt cx="0" cy="0"/>
         </a:xfrm>
       </p:grpSpPr>
-      <p:pic>
-        <p:nvPicPr>
-          <p:cNvPr id="3" name="Imagem 2">
+      <p:sp>
+        <p:nvSpPr>
+          <p:cNvPr id="10" name="CaixaDeTexto 9">
             <a:extLst>
               <a:ext uri="{FF2B5EF4-FFF2-40B4-BE49-F238E27FC236}">
-                <a16:creationId xmlns:a16="http://schemas.microsoft.com/office/drawing/2014/main" id="{93E7FB1E-2B9E-439F-B957-4E3DBB129AFC}"/>
-              </a:ext>
-            </a:extLst>
-          </p:cNvPr>
-          <p:cNvPicPr>
-            <a:picLocks noChangeAspect="1"/>
-          </p:cNvPicPr>
-          <p:nvPr/>
-        </p:nvPicPr>
-        <p:blipFill>
-          <a:blip r:embed="rId3"/>
-          <a:stretch>
-            <a:fillRect/>
-          </a:stretch>
-        </p:blipFill>
-        <p:spPr>
-          <a:xfrm>
-            <a:off x="623400" y="55456"/>
-            <a:ext cx="7645250" cy="5032587"/>
-          </a:xfrm>
-          <a:prstGeom prst="rect">
-            <a:avLst/>
-          </a:prstGeom>
-        </p:spPr>
-      </p:pic>
-      <p:sp>
-        <p:nvSpPr>
-          <p:cNvPr id="8" name="CaixaDeTexto 7">
-            <a:extLst>
-              <a:ext uri="{FF2B5EF4-FFF2-40B4-BE49-F238E27FC236}">
-                <a16:creationId xmlns:a16="http://schemas.microsoft.com/office/drawing/2014/main" id="{5DC8DAA4-86BC-4CE5-9CE1-E2BD60C8804D}"/>
+                <a16:creationId xmlns:a16="http://schemas.microsoft.com/office/drawing/2014/main" id="{036912C7-4207-42EA-A8D1-740352B81A98}"/>
               </a:ext>
             </a:extLst>
           </p:cNvPr>
@@ -7347,8 +7317,8 @@
         </p:nvSpPr>
         <p:spPr>
           <a:xfrm>
-            <a:off x="2083571" y="4841822"/>
-            <a:ext cx="6663267" cy="246221"/>
+            <a:off x="1591734" y="4839939"/>
+            <a:ext cx="5628640" cy="246221"/>
           </a:xfrm>
           <a:prstGeom prst="rect">
             <a:avLst/>
@@ -7369,328 +7339,62 @@
                 <a:effectLst/>
                 <a:latin typeface="Arial" panose="020B0604020202020204" pitchFamily="34" charset="0"/>
               </a:rPr>
-              <a:t>Gráfico 4 - Valores obtidos de DG:nDCG@10, </a:t>
-            </a:r>
-            <a:r>
-              <a:rPr lang="pt-BR" sz="1000" b="0" i="0" u="none" strike="noStrike" dirty="0" err="1">
-                <a:solidFill>
-                  <a:srgbClr val="000000"/>
-                </a:solidFill>
-                <a:effectLst/>
-                <a:latin typeface="Arial" panose="020B0604020202020204" pitchFamily="34" charset="0"/>
-              </a:rPr>
-              <a:t>quey</a:t>
-            </a:r>
-            <a:r>
-              <a:rPr lang="pt-BR" sz="1000" b="0" i="0" u="none" strike="noStrike" dirty="0">
-                <a:solidFill>
-                  <a:srgbClr val="000000"/>
-                </a:solidFill>
-                <a:effectLst/>
-                <a:latin typeface="Arial" panose="020B0604020202020204" pitchFamily="34" charset="0"/>
-              </a:rPr>
-              <a:t> por query (parcial)</a:t>
-            </a:r>
-            <a:endParaRPr lang="pt-BR" sz="1000" dirty="0"/>
+              <a:t>Gráfico 3 - Distribuições de DG:nDCG@10 por tipo de ruído para vários mecanismos de busca</a:t>
+            </a:r>
           </a:p>
         </p:txBody>
       </p:sp>
-      <p:sp>
-        <p:nvSpPr>
-          <p:cNvPr id="9" name="Google Shape;66;p15">
+      <p:pic>
+        <p:nvPicPr>
+          <p:cNvPr id="4098" name="Picture 2">
             <a:extLst>
               <a:ext uri="{FF2B5EF4-FFF2-40B4-BE49-F238E27FC236}">
-                <a16:creationId xmlns:a16="http://schemas.microsoft.com/office/drawing/2014/main" id="{4AC50F63-7F9B-4DCB-AC7A-349D904D7AC7}"/>
+                <a16:creationId xmlns:a16="http://schemas.microsoft.com/office/drawing/2014/main" id="{B6E073B0-1E15-4B36-BA12-1AC2F314AFBD}"/>
               </a:ext>
             </a:extLst>
           </p:cNvPr>
-          <p:cNvSpPr txBox="1">
-            <a:spLocks/>
-          </p:cNvSpPr>
+          <p:cNvPicPr>
+            <a:picLocks noChangeAspect="1" noChangeArrowheads="1"/>
+          </p:cNvPicPr>
           <p:nvPr/>
-        </p:nvSpPr>
-        <p:spPr>
+        </p:nvPicPr>
+        <p:blipFill>
+          <a:blip r:embed="rId3">
+            <a:extLst>
+              <a:ext uri="{28A0092B-C50C-407E-A947-70E740481C1C}">
+                <a14:useLocalDpi xmlns:a14="http://schemas.microsoft.com/office/drawing/2010/main" val="0"/>
+              </a:ext>
+            </a:extLst>
+          </a:blip>
+          <a:srcRect/>
+          <a:stretch>
+            <a:fillRect/>
+          </a:stretch>
+        </p:blipFill>
+        <p:spPr bwMode="auto">
           <a:xfrm>
-            <a:off x="0" y="0"/>
-            <a:ext cx="8520600" cy="572700"/>
+            <a:off x="155786" y="0"/>
+            <a:ext cx="8680027" cy="4734560"/>
           </a:xfrm>
           <a:prstGeom prst="rect">
             <a:avLst/>
           </a:prstGeom>
           <a:noFill/>
-          <a:ln>
-            <a:noFill/>
-          </a:ln>
+          <a:extLst>
+            <a:ext uri="{909E8E84-426E-40DD-AFC4-6F175D3DCCD1}">
+              <a14:hiddenFill xmlns:a14="http://schemas.microsoft.com/office/drawing/2010/main">
+                <a:solidFill>
+                  <a:srgbClr val="FFFFFF"/>
+                </a:solidFill>
+              </a14:hiddenFill>
+            </a:ext>
+          </a:extLst>
         </p:spPr>
-        <p:txBody>
-          <a:bodyPr spcFirstLastPara="1" wrap="square" lIns="91425" tIns="91425" rIns="91425" bIns="91425" anchor="t" anchorCtr="0">
-            <a:normAutofit/>
-          </a:bodyPr>
-          <a:lstStyle>
-            <a:defPPr marR="0" lvl="0" algn="l" rtl="0">
-              <a:lnSpc>
-                <a:spcPct val="100000"/>
-              </a:lnSpc>
-              <a:spcBef>
-                <a:spcPts val="0"/>
-              </a:spcBef>
-              <a:spcAft>
-                <a:spcPts val="0"/>
-              </a:spcAft>
-            </a:defPPr>
-            <a:lvl1pPr marR="0" lvl="0" algn="l" rtl="0">
-              <a:lnSpc>
-                <a:spcPct val="100000"/>
-              </a:lnSpc>
-              <a:spcBef>
-                <a:spcPts val="0"/>
-              </a:spcBef>
-              <a:spcAft>
-                <a:spcPts val="0"/>
-              </a:spcAft>
-              <a:buClr>
-                <a:schemeClr val="dk1"/>
-              </a:buClr>
-              <a:buSzPts val="2800"/>
-              <a:buFont typeface="Arial"/>
-              <a:buNone/>
-              <a:defRPr sz="2800" b="0" i="0" u="none" strike="noStrike" cap="none">
-                <a:solidFill>
-                  <a:schemeClr val="dk1"/>
-                </a:solidFill>
-                <a:latin typeface="Arial"/>
-                <a:ea typeface="Arial"/>
-                <a:cs typeface="Arial"/>
-                <a:sym typeface="Arial"/>
-              </a:defRPr>
-            </a:lvl1pPr>
-            <a:lvl2pPr marR="0" lvl="1" algn="l" rtl="0">
-              <a:lnSpc>
-                <a:spcPct val="100000"/>
-              </a:lnSpc>
-              <a:spcBef>
-                <a:spcPts val="0"/>
-              </a:spcBef>
-              <a:spcAft>
-                <a:spcPts val="0"/>
-              </a:spcAft>
-              <a:buClr>
-                <a:schemeClr val="dk1"/>
-              </a:buClr>
-              <a:buSzPts val="2800"/>
-              <a:buFont typeface="Arial"/>
-              <a:buNone/>
-              <a:defRPr sz="2800" b="0" i="0" u="none" strike="noStrike" cap="none">
-                <a:solidFill>
-                  <a:schemeClr val="dk1"/>
-                </a:solidFill>
-                <a:latin typeface="Arial"/>
-                <a:ea typeface="Arial"/>
-                <a:cs typeface="Arial"/>
-                <a:sym typeface="Arial"/>
-              </a:defRPr>
-            </a:lvl2pPr>
-            <a:lvl3pPr marR="0" lvl="2" algn="l" rtl="0">
-              <a:lnSpc>
-                <a:spcPct val="100000"/>
-              </a:lnSpc>
-              <a:spcBef>
-                <a:spcPts val="0"/>
-              </a:spcBef>
-              <a:spcAft>
-                <a:spcPts val="0"/>
-              </a:spcAft>
-              <a:buClr>
-                <a:schemeClr val="dk1"/>
-              </a:buClr>
-              <a:buSzPts val="2800"/>
-              <a:buFont typeface="Arial"/>
-              <a:buNone/>
-              <a:defRPr sz="2800" b="0" i="0" u="none" strike="noStrike" cap="none">
-                <a:solidFill>
-                  <a:schemeClr val="dk1"/>
-                </a:solidFill>
-                <a:latin typeface="Arial"/>
-                <a:ea typeface="Arial"/>
-                <a:cs typeface="Arial"/>
-                <a:sym typeface="Arial"/>
-              </a:defRPr>
-            </a:lvl3pPr>
-            <a:lvl4pPr marR="0" lvl="3" algn="l" rtl="0">
-              <a:lnSpc>
-                <a:spcPct val="100000"/>
-              </a:lnSpc>
-              <a:spcBef>
-                <a:spcPts val="0"/>
-              </a:spcBef>
-              <a:spcAft>
-                <a:spcPts val="0"/>
-              </a:spcAft>
-              <a:buClr>
-                <a:schemeClr val="dk1"/>
-              </a:buClr>
-              <a:buSzPts val="2800"/>
-              <a:buFont typeface="Arial"/>
-              <a:buNone/>
-              <a:defRPr sz="2800" b="0" i="0" u="none" strike="noStrike" cap="none">
-                <a:solidFill>
-                  <a:schemeClr val="dk1"/>
-                </a:solidFill>
-                <a:latin typeface="Arial"/>
-                <a:ea typeface="Arial"/>
-                <a:cs typeface="Arial"/>
-                <a:sym typeface="Arial"/>
-              </a:defRPr>
-            </a:lvl4pPr>
-            <a:lvl5pPr marR="0" lvl="4" algn="l" rtl="0">
-              <a:lnSpc>
-                <a:spcPct val="100000"/>
-              </a:lnSpc>
-              <a:spcBef>
-                <a:spcPts val="0"/>
-              </a:spcBef>
-              <a:spcAft>
-                <a:spcPts val="0"/>
-              </a:spcAft>
-              <a:buClr>
-                <a:schemeClr val="dk1"/>
-              </a:buClr>
-              <a:buSzPts val="2800"/>
-              <a:buFont typeface="Arial"/>
-              <a:buNone/>
-              <a:defRPr sz="2800" b="0" i="0" u="none" strike="noStrike" cap="none">
-                <a:solidFill>
-                  <a:schemeClr val="dk1"/>
-                </a:solidFill>
-                <a:latin typeface="Arial"/>
-                <a:ea typeface="Arial"/>
-                <a:cs typeface="Arial"/>
-                <a:sym typeface="Arial"/>
-              </a:defRPr>
-            </a:lvl5pPr>
-            <a:lvl6pPr marR="0" lvl="5" algn="l" rtl="0">
-              <a:lnSpc>
-                <a:spcPct val="100000"/>
-              </a:lnSpc>
-              <a:spcBef>
-                <a:spcPts val="0"/>
-              </a:spcBef>
-              <a:spcAft>
-                <a:spcPts val="0"/>
-              </a:spcAft>
-              <a:buClr>
-                <a:schemeClr val="dk1"/>
-              </a:buClr>
-              <a:buSzPts val="2800"/>
-              <a:buFont typeface="Arial"/>
-              <a:buNone/>
-              <a:defRPr sz="2800" b="0" i="0" u="none" strike="noStrike" cap="none">
-                <a:solidFill>
-                  <a:schemeClr val="dk1"/>
-                </a:solidFill>
-                <a:latin typeface="Arial"/>
-                <a:ea typeface="Arial"/>
-                <a:cs typeface="Arial"/>
-                <a:sym typeface="Arial"/>
-              </a:defRPr>
-            </a:lvl6pPr>
-            <a:lvl7pPr marR="0" lvl="6" algn="l" rtl="0">
-              <a:lnSpc>
-                <a:spcPct val="100000"/>
-              </a:lnSpc>
-              <a:spcBef>
-                <a:spcPts val="0"/>
-              </a:spcBef>
-              <a:spcAft>
-                <a:spcPts val="0"/>
-              </a:spcAft>
-              <a:buClr>
-                <a:schemeClr val="dk1"/>
-              </a:buClr>
-              <a:buSzPts val="2800"/>
-              <a:buFont typeface="Arial"/>
-              <a:buNone/>
-              <a:defRPr sz="2800" b="0" i="0" u="none" strike="noStrike" cap="none">
-                <a:solidFill>
-                  <a:schemeClr val="dk1"/>
-                </a:solidFill>
-                <a:latin typeface="Arial"/>
-                <a:ea typeface="Arial"/>
-                <a:cs typeface="Arial"/>
-                <a:sym typeface="Arial"/>
-              </a:defRPr>
-            </a:lvl7pPr>
-            <a:lvl8pPr marR="0" lvl="7" algn="l" rtl="0">
-              <a:lnSpc>
-                <a:spcPct val="100000"/>
-              </a:lnSpc>
-              <a:spcBef>
-                <a:spcPts val="0"/>
-              </a:spcBef>
-              <a:spcAft>
-                <a:spcPts val="0"/>
-              </a:spcAft>
-              <a:buClr>
-                <a:schemeClr val="dk1"/>
-              </a:buClr>
-              <a:buSzPts val="2800"/>
-              <a:buFont typeface="Arial"/>
-              <a:buNone/>
-              <a:defRPr sz="2800" b="0" i="0" u="none" strike="noStrike" cap="none">
-                <a:solidFill>
-                  <a:schemeClr val="dk1"/>
-                </a:solidFill>
-                <a:latin typeface="Arial"/>
-                <a:ea typeface="Arial"/>
-                <a:cs typeface="Arial"/>
-                <a:sym typeface="Arial"/>
-              </a:defRPr>
-            </a:lvl8pPr>
-            <a:lvl9pPr marR="0" lvl="8" algn="l" rtl="0">
-              <a:lnSpc>
-                <a:spcPct val="100000"/>
-              </a:lnSpc>
-              <a:spcBef>
-                <a:spcPts val="0"/>
-              </a:spcBef>
-              <a:spcAft>
-                <a:spcPts val="0"/>
-              </a:spcAft>
-              <a:buClr>
-                <a:schemeClr val="dk1"/>
-              </a:buClr>
-              <a:buSzPts val="2800"/>
-              <a:buFont typeface="Arial"/>
-              <a:buNone/>
-              <a:defRPr sz="2800" b="0" i="0" u="none" strike="noStrike" cap="none">
-                <a:solidFill>
-                  <a:schemeClr val="dk1"/>
-                </a:solidFill>
-                <a:latin typeface="Arial"/>
-                <a:ea typeface="Arial"/>
-                <a:cs typeface="Arial"/>
-                <a:sym typeface="Arial"/>
-              </a:defRPr>
-            </a:lvl9pPr>
-          </a:lstStyle>
-          <a:p>
-            <a:r>
-              <a:rPr lang="pt-BR" sz="1800" dirty="0">
-                <a:solidFill>
-                  <a:srgbClr val="000000"/>
-                </a:solidFill>
-                <a:latin typeface="Arial" panose="020B0604020202020204" pitchFamily="34" charset="0"/>
-              </a:rPr>
-              <a:t>Resultados – detalhes</a:t>
-            </a:r>
-            <a:endParaRPr lang="pt-BR" dirty="0"/>
-          </a:p>
-        </p:txBody>
-      </p:sp>
+      </p:pic>
     </p:spTree>
     <p:extLst>
       <p:ext uri="{BB962C8B-B14F-4D97-AF65-F5344CB8AC3E}">
-        <p14:creationId xmlns:p14="http://schemas.microsoft.com/office/powerpoint/2010/main" val="577401951"/>
+        <p14:creationId xmlns:p14="http://schemas.microsoft.com/office/powerpoint/2010/main" val="3446537649"/>
       </p:ext>
     </p:extLst>
   </p:cSld>
@@ -7753,7 +7457,7 @@
             </a:pPr>
             <a:r>
               <a:rPr lang="pt-BR" sz="1800" dirty="0"/>
-              <a:t>Algumas conclusões</a:t>
+              <a:t>Principais conclusões</a:t>
             </a:r>
           </a:p>
         </p:txBody>
@@ -7773,7 +7477,7 @@
         <p:spPr>
           <a:xfrm>
             <a:off x="391887" y="905138"/>
-            <a:ext cx="8205106" cy="3577903"/>
+            <a:ext cx="8205106" cy="3393237"/>
           </a:xfrm>
           <a:prstGeom prst="rect">
             <a:avLst/>
@@ -7786,13 +7490,10 @@
           </a:bodyPr>
           <a:lstStyle/>
           <a:p>
-            <a:pPr marL="171945" indent="-171450" algn="just" rtl="0">
+            <a:pPr marL="171945" indent="-171450" algn="just">
               <a:spcBef>
                 <a:spcPts val="946"/>
               </a:spcBef>
-              <a:spcAft>
-                <a:spcPts val="0"/>
-              </a:spcAft>
               <a:buFont typeface="Arial" panose="020B0604020202020204" pitchFamily="34" charset="0"/>
               <a:buChar char="•"/>
             </a:pPr>
@@ -7804,38 +7505,65 @@
                 <a:effectLst/>
                 <a:latin typeface="Arial" panose="020B0604020202020204" pitchFamily="34" charset="0"/>
               </a:rPr>
-              <a:t>Em relação a permutações de palavras, o BM25, por sua forma de cálculo, é plenamente robusto. Para outros tipos de ruídos, porém, as buscas densas e buscas com </a:t>
-            </a:r>
-            <a:r>
-              <a:rPr lang="pt-BR" sz="1200" b="0" i="0" u="none" strike="noStrike" dirty="0" err="1">
-                <a:solidFill>
-                  <a:srgbClr val="000000"/>
+              <a:t>A robustez das funções de ranqueamento </a:t>
+            </a:r>
+            <a:r>
+              <a:rPr lang="pt-BR" sz="1200" b="0" i="0" u="none" strike="noStrike" dirty="0">
+                <a:solidFill>
+                  <a:schemeClr val="accent1">
+                    <a:lumMod val="75000"/>
+                  </a:schemeClr>
                 </a:solidFill>
                 <a:effectLst/>
                 <a:latin typeface="Arial" panose="020B0604020202020204" pitchFamily="34" charset="0"/>
               </a:rPr>
-              <a:t>Rerank</a:t>
+              <a:t>variou </a:t>
+            </a:r>
+            <a:r>
+              <a:rPr lang="pt-BR" sz="1200" dirty="0">
+                <a:solidFill>
+                  <a:schemeClr val="accent1">
+                    <a:lumMod val="75000"/>
+                  </a:schemeClr>
+                </a:solidFill>
+                <a:latin typeface="Arial" panose="020B0604020202020204" pitchFamily="34" charset="0"/>
+              </a:rPr>
+              <a:t>com os diversos </a:t>
             </a:r>
             <a:r>
               <a:rPr lang="pt-BR" sz="1200" b="0" i="0" u="none" strike="noStrike" dirty="0">
                 <a:solidFill>
-                  <a:srgbClr val="000000"/>
+                  <a:schemeClr val="accent1">
+                    <a:lumMod val="75000"/>
+                  </a:schemeClr>
                 </a:solidFill>
                 <a:effectLst/>
                 <a:latin typeface="Arial" panose="020B0604020202020204" pitchFamily="34" charset="0"/>
               </a:rPr>
-              <a:t> apresentaram-se mais robustas na média e com menores desvios-padrão em relação a buscas empregando </a:t>
-            </a:r>
-            <a:r>
-              <a:rPr lang="pt-BR" sz="1200" b="0" i="0" u="none" strike="noStrike" dirty="0" err="1">
+              <a:t>contextos</a:t>
+            </a:r>
+            <a:r>
+              <a:rPr lang="pt-BR" sz="1200" b="0" i="0" u="none" strike="noStrike" dirty="0">
                 <a:solidFill>
                   <a:srgbClr val="000000"/>
                 </a:solidFill>
                 <a:effectLst/>
                 <a:latin typeface="Arial" panose="020B0604020202020204" pitchFamily="34" charset="0"/>
               </a:rPr>
-              <a:t>rankeamento</a:t>
-            </a:r>
+              <a:t>: linguagem e base utilizada. Exceção a permutações de palavras em que o BM25, por sua forma de cálculo, é plenamente robusto. </a:t>
+            </a:r>
+          </a:p>
+          <a:p>
+            <a:pPr marL="171945" indent="-171450" algn="just" rtl="0">
+              <a:spcBef>
+                <a:spcPts val="946"/>
+              </a:spcBef>
+              <a:spcAft>
+                <a:spcPts val="0"/>
+              </a:spcAft>
+              <a:buFont typeface="Arial" panose="020B0604020202020204" pitchFamily="34" charset="0"/>
+              <a:buChar char="•"/>
+            </a:pPr>
             <a:r>
               <a:rPr lang="pt-BR" sz="1200" b="0" i="0" u="none" strike="noStrike" dirty="0">
                 <a:solidFill>
@@ -7844,7 +7572,94 @@
                 <a:effectLst/>
                 <a:latin typeface="Arial" panose="020B0604020202020204" pitchFamily="34" charset="0"/>
               </a:rPr>
-              <a:t> BM25. </a:t>
+              <a:t>Espera-se que funções de ranqueamento baseadas em </a:t>
+            </a:r>
+            <a:r>
+              <a:rPr lang="pt-BR" sz="1200" b="0" i="0" u="none" strike="noStrike" dirty="0" err="1">
+                <a:solidFill>
+                  <a:srgbClr val="000000"/>
+                </a:solidFill>
+                <a:effectLst/>
+                <a:latin typeface="Arial" panose="020B0604020202020204" pitchFamily="34" charset="0"/>
+              </a:rPr>
+              <a:t>transformers</a:t>
+            </a:r>
+            <a:r>
+              <a:rPr lang="pt-BR" sz="1200" b="0" i="0" u="none" strike="noStrike" dirty="0">
+                <a:solidFill>
+                  <a:srgbClr val="000000"/>
+                </a:solidFill>
+                <a:effectLst/>
+                <a:latin typeface="Arial" panose="020B0604020202020204" pitchFamily="34" charset="0"/>
+              </a:rPr>
+              <a:t>, por capturar significado das palavras e relação com o contexto, fosse mais robustas em no caso de </a:t>
+            </a:r>
+            <a:r>
+              <a:rPr lang="pt-BR" sz="1200" b="0" i="1" u="none" strike="noStrike" dirty="0" err="1">
+                <a:solidFill>
+                  <a:srgbClr val="000000"/>
+                </a:solidFill>
+                <a:effectLst/>
+                <a:latin typeface="Arial" panose="020B0604020202020204" pitchFamily="34" charset="0"/>
+              </a:rPr>
+              <a:t>back-translation</a:t>
+            </a:r>
+            <a:r>
+              <a:rPr lang="pt-BR" sz="1200" b="0" i="0" u="none" strike="noStrike" dirty="0">
+                <a:solidFill>
+                  <a:srgbClr val="000000"/>
+                </a:solidFill>
+                <a:effectLst/>
+                <a:latin typeface="Arial" panose="020B0604020202020204" pitchFamily="34" charset="0"/>
+              </a:rPr>
+              <a:t>, já que elas não seriam muito impactados quando uma palavra se transforma em um sinônimo, o que prejudicaria buscas em mecanismos estatísticos tradicionais como o BM25. Mas isso não foi constatado nos dados na base em português. Uma possível explicação seri</a:t>
+            </a:r>
+            <a:r>
+              <a:rPr lang="pt-BR" sz="1200" dirty="0">
+                <a:latin typeface="Arial" panose="020B0604020202020204" pitchFamily="34" charset="0"/>
+              </a:rPr>
+              <a:t>a um </a:t>
+            </a:r>
+            <a:r>
+              <a:rPr lang="pt-BR" sz="1200" dirty="0">
+                <a:solidFill>
+                  <a:schemeClr val="accent1">
+                    <a:lumMod val="75000"/>
+                  </a:schemeClr>
+                </a:solidFill>
+                <a:latin typeface="Arial" panose="020B0604020202020204" pitchFamily="34" charset="0"/>
+              </a:rPr>
+              <a:t>possível afunilamento de termos nas traduções</a:t>
+            </a:r>
+            <a:r>
+              <a:rPr lang="pt-BR" sz="1200" dirty="0">
+                <a:latin typeface="Arial" panose="020B0604020202020204" pitchFamily="34" charset="0"/>
+              </a:rPr>
+              <a:t>. Mais de uma palavra em uma língua é traduzida para uma única palavra. E tanto as consultas e as passagens foram traduzidas pelo mesmo método (</a:t>
+            </a:r>
+            <a:r>
+              <a:rPr lang="pt-BR" sz="1200" dirty="0" err="1">
+                <a:latin typeface="Arial" panose="020B0604020202020204" pitchFamily="34" charset="0"/>
+              </a:rPr>
+              <a:t>python</a:t>
+            </a:r>
+            <a:r>
+              <a:rPr lang="pt-BR" sz="1200" dirty="0">
+                <a:latin typeface="Arial" panose="020B0604020202020204" pitchFamily="34" charset="0"/>
+              </a:rPr>
+              <a:t>/</a:t>
+            </a:r>
+            <a:r>
+              <a:rPr lang="pt-BR" sz="1200" dirty="0" err="1">
+                <a:latin typeface="Arial" panose="020B0604020202020204" pitchFamily="34" charset="0"/>
+              </a:rPr>
+              <a:t>googletrans</a:t>
+            </a:r>
+            <a:r>
+              <a:rPr lang="pt-BR" sz="1200" dirty="0">
+                <a:latin typeface="Arial" panose="020B0604020202020204" pitchFamily="34" charset="0"/>
+              </a:rPr>
+              <a:t>).</a:t>
             </a:r>
             <a:endParaRPr lang="pt-BR" sz="1200" b="0" dirty="0">
               <a:effectLst/>
@@ -7864,56 +7679,98 @@
             <a:r>
               <a:rPr lang="pt-BR" sz="1200" b="0" i="0" u="none" strike="noStrike" dirty="0">
                 <a:solidFill>
-                  <a:srgbClr val="000000"/>
+                  <a:schemeClr val="accent1">
+                    <a:lumMod val="75000"/>
+                  </a:schemeClr>
                 </a:solidFill>
                 <a:effectLst/>
                 <a:latin typeface="Arial" panose="020B0604020202020204" pitchFamily="34" charset="0"/>
               </a:rPr>
-              <a:t>Modelos de busca baseados em </a:t>
-            </a:r>
-            <a:r>
-              <a:rPr lang="pt-BR" sz="1200" b="0" i="0" u="none" strike="noStrike" dirty="0" err="1">
+              <a:t>O ruído de erro tipográfico </a:t>
+            </a:r>
+            <a:r>
+              <a:rPr lang="pt-BR" sz="1200" dirty="0">
+                <a:solidFill>
+                  <a:schemeClr val="accent1">
+                    <a:lumMod val="75000"/>
+                  </a:schemeClr>
+                </a:solidFill>
+                <a:latin typeface="Arial" panose="020B0604020202020204" pitchFamily="34" charset="0"/>
+              </a:rPr>
+              <a:t>(um por frase) não gerou muito impacto</a:t>
+            </a:r>
+            <a:r>
+              <a:rPr lang="pt-BR" sz="1200" dirty="0">
+                <a:latin typeface="Arial" panose="020B0604020202020204" pitchFamily="34" charset="0"/>
+              </a:rPr>
+              <a:t> nos contextos de pesquisa. </a:t>
+            </a:r>
+            <a:r>
+              <a:rPr lang="pt-BR" sz="1200" b="0" i="0" u="none" strike="noStrike" dirty="0">
                 <a:solidFill>
                   <a:srgbClr val="000000"/>
                 </a:solidFill>
                 <a:effectLst/>
                 <a:latin typeface="Arial" panose="020B0604020202020204" pitchFamily="34" charset="0"/>
               </a:rPr>
-              <a:t>transformers</a:t>
-            </a:r>
-            <a:r>
-              <a:rPr lang="pt-BR" sz="1200" b="0" i="0" u="none" strike="noStrike" dirty="0">
+              <a:t>Uma possível explicação seria o fato de </a:t>
+            </a:r>
+            <a:r>
+              <a:rPr lang="pt-BR" sz="1200" b="0" i="0" u="none" strike="noStrike" dirty="0" err="1">
                 <a:solidFill>
                   <a:srgbClr val="000000"/>
                 </a:solidFill>
                 <a:effectLst/>
                 <a:latin typeface="Arial" panose="020B0604020202020204" pitchFamily="34" charset="0"/>
               </a:rPr>
-              <a:t>, por capturar significado das palavras e relação com o contexto, parecem ser mais robustos em relação à maioria dos tipos de ruído experimentados. Por exemplo, no caso de </a:t>
-            </a:r>
-            <a:r>
-              <a:rPr lang="pt-BR" sz="1200" b="0" i="1" u="none" strike="noStrike" dirty="0" err="1">
+              <a:t>transformers</a:t>
+            </a:r>
+            <a:r>
+              <a:rPr lang="pt-BR" sz="1200" b="0" i="0" u="none" strike="noStrike" dirty="0">
                 <a:solidFill>
                   <a:srgbClr val="000000"/>
                 </a:solidFill>
                 <a:effectLst/>
                 <a:latin typeface="Arial" panose="020B0604020202020204" pitchFamily="34" charset="0"/>
               </a:rPr>
-              <a:t>back-translation</a:t>
-            </a:r>
-            <a:r>
-              <a:rPr lang="pt-BR" sz="1200" b="0" i="0" u="none" strike="noStrike" dirty="0">
+              <a:t> tratarem melhor partes de palavras (pelo </a:t>
+            </a:r>
+            <a:r>
+              <a:rPr lang="pt-BR" sz="1200" b="0" i="0" u="none" strike="noStrike" dirty="0" err="1">
                 <a:solidFill>
                   <a:srgbClr val="000000"/>
                 </a:solidFill>
                 <a:effectLst/>
                 <a:latin typeface="Arial" panose="020B0604020202020204" pitchFamily="34" charset="0"/>
               </a:rPr>
-              <a:t>, eles não são muito impactados quando uma palavra se transforma em um sinônimo, o que prejudicaria buscas em mecanismos estatísticos tradicionais como o BM25. </a:t>
-            </a:r>
-            <a:endParaRPr lang="pt-BR" sz="1200" b="0" dirty="0">
-              <a:effectLst/>
-            </a:endParaRPr>
+              <a:t>tokenizador</a:t>
+            </a:r>
+            <a:r>
+              <a:rPr lang="pt-BR" sz="1200" b="0" i="0" u="none" strike="noStrike" dirty="0">
+                <a:solidFill>
+                  <a:srgbClr val="000000"/>
+                </a:solidFill>
+                <a:effectLst/>
+                <a:latin typeface="Arial" panose="020B0604020202020204" pitchFamily="34" charset="0"/>
+              </a:rPr>
+              <a:t>) ou por serem treinados com dados com ruídos. Ou até </a:t>
+            </a:r>
+            <a:r>
+              <a:rPr lang="pt-BR" sz="1200" dirty="0">
+                <a:latin typeface="Arial" panose="020B0604020202020204" pitchFamily="34" charset="0"/>
+              </a:rPr>
+              <a:t>pela </a:t>
+            </a:r>
+            <a:r>
+              <a:rPr lang="pt-BR" sz="1200" b="0" i="0" u="none" strike="noStrike" dirty="0">
+                <a:solidFill>
+                  <a:srgbClr val="000000"/>
+                </a:solidFill>
+                <a:effectLst/>
+                <a:latin typeface="Arial" panose="020B0604020202020204" pitchFamily="34" charset="0"/>
+              </a:rPr>
+              <a:t>existência do próprio ruído nos documentos pesquisados. </a:t>
+            </a:r>
           </a:p>
           <a:p>
             <a:pPr marL="171945" indent="-171450" algn="just" rtl="0">
@@ -7934,17 +7791,19 @@
                 <a:effectLst/>
                 <a:latin typeface="Arial" panose="020B0604020202020204" pitchFamily="34" charset="0"/>
               </a:rPr>
-              <a:t>A performance dos mecanismos de pesquisa não foi muito impactada pela introdução de erro tipográfico. Uma possível explicação pode ser a existência do próprio ruído nos documentos pesquisados. Ou também o fato de </a:t>
-            </a:r>
-            <a:r>
-              <a:rPr lang="pt-BR" sz="1200" b="0" i="0" u="none" strike="noStrike" dirty="0" err="1">
-                <a:solidFill>
-                  <a:srgbClr val="000000"/>
+              <a:t>Observou-se que consultas com </a:t>
+            </a:r>
+            <a:r>
+              <a:rPr lang="pt-BR" sz="1200" b="0" i="0" u="none" strike="noStrike" dirty="0">
+                <a:solidFill>
+                  <a:schemeClr val="accent1">
+                    <a:lumMod val="75000"/>
+                  </a:schemeClr>
                 </a:solidFill>
                 <a:effectLst/>
                 <a:latin typeface="Arial" panose="020B0604020202020204" pitchFamily="34" charset="0"/>
               </a:rPr>
-              <a:t>transformers</a:t>
+              <a:t>textos maiores são mais robustas aos ruídos</a:t>
             </a:r>
             <a:r>
               <a:rPr lang="pt-BR" sz="1200" b="0" i="0" u="none" strike="noStrike" dirty="0">
@@ -7954,32 +7813,7 @@
                 <a:effectLst/>
                 <a:latin typeface="Arial" panose="020B0604020202020204" pitchFamily="34" charset="0"/>
               </a:rPr>
-              <a:t> tratarem melhor partes de palavras. Além disso, nos procedimentos de treinamento, podem ser empregados ruídos como forma de regularização, o que pode contribuir para a robustez de mecanismos que usam esses modelos.</a:t>
-            </a:r>
-            <a:endParaRPr lang="pt-BR" sz="1200" b="0" dirty="0">
-              <a:effectLst/>
-            </a:endParaRPr>
-          </a:p>
-          <a:p>
-            <a:pPr marL="171945" indent="-171450" algn="just" rtl="0">
-              <a:spcBef>
-                <a:spcPts val="946"/>
-              </a:spcBef>
-              <a:spcAft>
-                <a:spcPts val="0"/>
-              </a:spcAft>
-              <a:buFont typeface="Arial" panose="020B0604020202020204" pitchFamily="34" charset="0"/>
-              <a:buChar char="•"/>
-            </a:pPr>
-            <a:r>
-              <a:rPr lang="pt-BR" sz="1200" b="0" i="0" u="none" strike="noStrike" dirty="0">
-                <a:solidFill>
-                  <a:srgbClr val="000000"/>
-                </a:solidFill>
-                <a:effectLst/>
-                <a:latin typeface="Arial" panose="020B0604020202020204" pitchFamily="34" charset="0"/>
-              </a:rPr>
-              <a:t>Comparando a robustez obtida entre consultas diferentes, observou-se que textos maiores têm menores variações de DG, sendo mais robustos nos ruídos experimentados, enquanto textos mais curtos apresentam resultados mais variados. A possível explicação para isso é que em textos maiores há uma menor chance de se perder palavras mais relevantes.</a:t>
+              <a:t> experimentados, com menores variações de DG. Enquanto textos mais curtos apresentam resultados mais variados. A possível explicação para isso é que em textos maiores há uma menor chance de se perder palavras mais relevantes.</a:t>
             </a:r>
             <a:endParaRPr lang="pt-BR" sz="1200" b="0" dirty="0">
               <a:effectLst/>
@@ -8076,7 +7910,7 @@
         <p:spPr>
           <a:xfrm>
             <a:off x="326571" y="782674"/>
-            <a:ext cx="8727622" cy="3624069"/>
+            <a:ext cx="8727622" cy="4039567"/>
           </a:xfrm>
           <a:prstGeom prst="rect">
             <a:avLst/>
@@ -8089,25 +7923,67 @@
           </a:bodyPr>
           <a:lstStyle/>
           <a:p>
-            <a:pPr marL="171945" indent="-171450" algn="just" rtl="0">
+            <a:pPr marL="171945" indent="-171450" algn="just">
               <a:spcBef>
                 <a:spcPts val="946"/>
               </a:spcBef>
-              <a:spcAft>
-                <a:spcPts val="0"/>
-              </a:spcAft>
               <a:buFont typeface="Wingdings" panose="05000000000000000000" pitchFamily="2" charset="2"/>
               <a:buChar char="§"/>
             </a:pPr>
             <a:r>
               <a:rPr lang="pt-BR" sz="1200" b="0" i="0" u="none" strike="noStrike" dirty="0">
                 <a:solidFill>
-                  <a:srgbClr val="000000"/>
+                  <a:schemeClr val="accent1">
+                    <a:lumMod val="75000"/>
+                  </a:schemeClr>
                 </a:solidFill>
                 <a:effectLst/>
                 <a:latin typeface="Arial" panose="020B0604020202020204" pitchFamily="34" charset="0"/>
               </a:rPr>
-              <a:t>Pode-se também avaliar o uso de ruídos como mecanismo de enriquecimento de dados no treinamento de modelos e avaliar como isso impacta a robustez de pesquisas.</a:t>
+              <a:t>Quanto à análise</a:t>
+            </a:r>
+            <a:r>
+              <a:rPr lang="pt-BR" sz="1200" b="0" i="0" u="none" strike="noStrike" dirty="0">
+                <a:solidFill>
+                  <a:srgbClr val="000000"/>
+                </a:solidFill>
+                <a:effectLst/>
+                <a:latin typeface="Arial" panose="020B0604020202020204" pitchFamily="34" charset="0"/>
+              </a:rPr>
+              <a:t>, podem ser realizadas análises mais detalhadas por tipo de função de ranqueamento, por modelo usado, por base de texto pesquisada ou por linguagem, podendo-se ampliar o escopo desses. E serem investigadas hipóteses levantadas na conclusão.</a:t>
+            </a:r>
+          </a:p>
+          <a:p>
+            <a:pPr marL="171945" indent="-171450" algn="just" rtl="0">
+              <a:spcBef>
+                <a:spcPts val="946"/>
+              </a:spcBef>
+              <a:spcAft>
+                <a:spcPts val="0"/>
+              </a:spcAft>
+              <a:buFont typeface="Wingdings" panose="05000000000000000000" pitchFamily="2" charset="2"/>
+              <a:buChar char="§"/>
+            </a:pPr>
+            <a:r>
+              <a:rPr lang="pt-BR" sz="1200" dirty="0">
+                <a:solidFill>
+                  <a:schemeClr val="accent1">
+                    <a:lumMod val="75000"/>
+                  </a:schemeClr>
+                </a:solidFill>
+                <a:latin typeface="Arial" panose="020B0604020202020204" pitchFamily="34" charset="0"/>
+              </a:rPr>
+              <a:t>Quanto às técnicas envolvidas na busca</a:t>
+            </a:r>
+            <a:r>
+              <a:rPr lang="pt-BR" sz="1200" b="0" i="0" u="none" strike="noStrike" dirty="0">
+                <a:solidFill>
+                  <a:srgbClr val="000000"/>
+                </a:solidFill>
+                <a:effectLst/>
+                <a:latin typeface="Arial" panose="020B0604020202020204" pitchFamily="34" charset="0"/>
+              </a:rPr>
+              <a:t>, poderia ser ampliado o leque de técnicas avaliadas, incluindo doc2query, serem usados outros tipos de busca densa, entre outros. </a:t>
             </a:r>
             <a:endParaRPr lang="pt-BR" sz="1200" b="0" dirty="0">
               <a:effectLst/>
@@ -8125,6 +8001,17 @@
               <a:buChar char="§"/>
             </a:pPr>
             <a:r>
+              <a:rPr lang="pt-BR" sz="1200" dirty="0">
+                <a:solidFill>
+                  <a:schemeClr val="accent1">
+                    <a:lumMod val="75000"/>
+                  </a:schemeClr>
+                </a:solidFill>
+                <a:latin typeface="Arial" panose="020B0604020202020204" pitchFamily="34" charset="0"/>
+              </a:rPr>
+              <a:t>Quanto aos tipos de ruídos</a:t>
+            </a:r>
+            <a:r>
               <a:rPr lang="pt-BR" sz="1200" b="0" i="0" u="none" strike="noStrike" dirty="0">
                 <a:solidFill>
                   <a:srgbClr val="000000"/>
@@ -8132,7 +8019,7 @@
                 <a:effectLst/>
                 <a:latin typeface="Arial" panose="020B0604020202020204" pitchFamily="34" charset="0"/>
               </a:rPr>
-              <a:t>Quanto aos mecanismos de busca, poderia ser ampliado o leque de técnicas avaliadas, incluindo doc2query, outros tipos de busca densa, entre outros. </a:t>
+              <a:t>, sugere-se aumentar o número de ruídos, por variação dos sugeridos ou por junção dos mesmos. Ou mesmo com uso de novos tipos. </a:t>
             </a:r>
             <a:endParaRPr lang="pt-BR" sz="1200" b="0" dirty="0">
               <a:effectLst/>
@@ -8150,6 +8037,17 @@
               <a:buChar char="§"/>
             </a:pPr>
             <a:r>
+              <a:rPr lang="pt-BR" sz="1200" dirty="0">
+                <a:solidFill>
+                  <a:schemeClr val="accent1">
+                    <a:lumMod val="75000"/>
+                  </a:schemeClr>
+                </a:solidFill>
+                <a:latin typeface="Arial" panose="020B0604020202020204" pitchFamily="34" charset="0"/>
+              </a:rPr>
+              <a:t>Quanto às bases de documentos</a:t>
+            </a:r>
+            <a:r>
               <a:rPr lang="pt-BR" sz="1200" b="0" i="0" u="none" strike="noStrike" dirty="0">
                 <a:solidFill>
                   <a:srgbClr val="000000"/>
@@ -8157,7 +8055,47 @@
                 <a:effectLst/>
                 <a:latin typeface="Arial" panose="020B0604020202020204" pitchFamily="34" charset="0"/>
               </a:rPr>
-              <a:t>Quanto aos tipos de ruídos, sugere-se aumentar o número de ruídos, por variação dos sugeridos ou por junção dos mesmos. Ou mesmo com uso de novos tipos. </a:t>
+              <a:t>, havia uma restrição de uso de GPU o que levou ao uso de uma base menor na maioria dos contextos de pesquisa. Sugere-se repetir os experimentos com os modelos na base completa TREC 2020 </a:t>
+            </a:r>
+            <a:r>
+              <a:rPr lang="pt-BR" sz="1200" b="0" i="0" u="none" strike="noStrike" dirty="0" err="1">
+                <a:solidFill>
+                  <a:srgbClr val="000000"/>
+                </a:solidFill>
+                <a:effectLst/>
+                <a:latin typeface="Arial" panose="020B0604020202020204" pitchFamily="34" charset="0"/>
+              </a:rPr>
+              <a:t>MsMarco</a:t>
+            </a:r>
+            <a:r>
+              <a:rPr lang="pt-BR" sz="1200" b="0" i="0" u="none" strike="noStrike" dirty="0">
+                <a:solidFill>
+                  <a:srgbClr val="000000"/>
+                </a:solidFill>
+                <a:effectLst/>
+                <a:latin typeface="Arial" panose="020B0604020202020204" pitchFamily="34" charset="0"/>
+              </a:rPr>
+              <a:t> </a:t>
+            </a:r>
+            <a:r>
+              <a:rPr lang="pt-BR" sz="1200" b="0" i="0" u="none" strike="noStrike" dirty="0" err="1">
+                <a:solidFill>
+                  <a:srgbClr val="000000"/>
+                </a:solidFill>
+                <a:effectLst/>
+                <a:latin typeface="Arial" panose="020B0604020202020204" pitchFamily="34" charset="0"/>
+              </a:rPr>
+              <a:t>Passage</a:t>
+            </a:r>
+            <a:r>
+              <a:rPr lang="pt-BR" sz="1200" b="0" i="0" u="none" strike="noStrike" dirty="0">
+                <a:solidFill>
+                  <a:srgbClr val="000000"/>
+                </a:solidFill>
+                <a:effectLst/>
+                <a:latin typeface="Arial" panose="020B0604020202020204" pitchFamily="34" charset="0"/>
+              </a:rPr>
+              <a:t>.</a:t>
             </a:r>
             <a:endParaRPr lang="pt-BR" sz="1200" b="0" dirty="0">
               <a:effectLst/>
@@ -8175,6 +8113,17 @@
               <a:buChar char="§"/>
             </a:pPr>
             <a:r>
+              <a:rPr lang="pt-BR" sz="1200" dirty="0">
+                <a:solidFill>
+                  <a:schemeClr val="accent1">
+                    <a:lumMod val="75000"/>
+                  </a:schemeClr>
+                </a:solidFill>
+                <a:latin typeface="Arial" panose="020B0604020202020204" pitchFamily="34" charset="0"/>
+              </a:rPr>
+              <a:t>Quanto à métrica</a:t>
+            </a:r>
+            <a:r>
               <a:rPr lang="pt-BR" sz="1200" b="0" i="0" u="none" strike="noStrike" dirty="0">
                 <a:solidFill>
                   <a:srgbClr val="000000"/>
@@ -8182,20 +8131,20 @@
                 <a:effectLst/>
                 <a:latin typeface="Arial" panose="020B0604020202020204" pitchFamily="34" charset="0"/>
               </a:rPr>
-              <a:t>Quanto às bases de documentos, havia uma restrição de uso de GPU o que levou ao uso de uma base menor na maioria dos contextos de pesquisa. Sugere-se repetir os experimentos com os modelos na base completa TREC 2020 </a:t>
-            </a:r>
-            <a:r>
-              <a:rPr lang="pt-BR" sz="1200" b="0" i="0" u="none" strike="noStrike" dirty="0" err="1">
+              <a:t> base de avaliação, sugere-se avaliar o comportamento da métrica proposta DG sobre outras métricas. Por exemplo: DG:MRR (</a:t>
+            </a:r>
+            <a:r>
+              <a:rPr lang="pt-BR" sz="1200" b="0" i="1" u="none" strike="noStrike" dirty="0" err="1">
                 <a:solidFill>
                   <a:srgbClr val="000000"/>
                 </a:solidFill>
                 <a:effectLst/>
                 <a:latin typeface="Arial" panose="020B0604020202020204" pitchFamily="34" charset="0"/>
               </a:rPr>
-              <a:t>MsMarco</a:t>
-            </a:r>
-            <a:r>
-              <a:rPr lang="pt-BR" sz="1200" b="0" i="0" u="none" strike="noStrike" dirty="0">
+              <a:t>Mean</a:t>
+            </a:r>
+            <a:r>
+              <a:rPr lang="pt-BR" sz="1200" b="0" i="1" u="none" strike="noStrike" dirty="0">
                 <a:solidFill>
                   <a:srgbClr val="000000"/>
                 </a:solidFill>
@@ -8205,181 +8154,170 @@
               <a:t> </a:t>
             </a:r>
             <a:r>
-              <a:rPr lang="pt-BR" sz="1200" b="0" i="0" u="none" strike="noStrike" dirty="0" err="1">
+              <a:rPr lang="pt-BR" sz="1200" b="0" i="1" u="none" strike="noStrike" dirty="0" err="1">
                 <a:solidFill>
                   <a:srgbClr val="000000"/>
                 </a:solidFill>
                 <a:effectLst/>
                 <a:latin typeface="Arial" panose="020B0604020202020204" pitchFamily="34" charset="0"/>
               </a:rPr>
-              <a:t>Passage</a:t>
-            </a:r>
-            <a:r>
-              <a:rPr lang="pt-BR" sz="1200" b="0" i="0" u="none" strike="noStrike" dirty="0">
+              <a:t>Reciprocal</a:t>
+            </a:r>
+            <a:r>
+              <a:rPr lang="pt-BR" sz="1200" b="0" i="1" u="none" strike="noStrike" dirty="0">
                 <a:solidFill>
                   <a:srgbClr val="000000"/>
                 </a:solidFill>
                 <a:effectLst/>
                 <a:latin typeface="Arial" panose="020B0604020202020204" pitchFamily="34" charset="0"/>
               </a:rPr>
-              <a:t>.</a:t>
+              <a:t> Rank</a:t>
+            </a:r>
+            <a:r>
+              <a:rPr lang="pt-BR" sz="1200" b="0" i="0" u="none" strike="noStrike" dirty="0">
+                <a:solidFill>
+                  <a:srgbClr val="000000"/>
+                </a:solidFill>
+                <a:effectLst/>
+                <a:latin typeface="Arial" panose="020B0604020202020204" pitchFamily="34" charset="0"/>
+              </a:rPr>
+              <a:t>) e DG:MAP (</a:t>
+            </a:r>
+            <a:r>
+              <a:rPr lang="pt-BR" sz="1200" b="0" i="1" u="none" strike="noStrike" dirty="0" err="1">
+                <a:solidFill>
+                  <a:srgbClr val="000000"/>
+                </a:solidFill>
+                <a:effectLst/>
+                <a:latin typeface="Arial" panose="020B0604020202020204" pitchFamily="34" charset="0"/>
+              </a:rPr>
+              <a:t>Mean</a:t>
+            </a:r>
+            <a:r>
+              <a:rPr lang="pt-BR" sz="1200" b="0" i="1" u="none" strike="noStrike" dirty="0">
+                <a:solidFill>
+                  <a:srgbClr val="000000"/>
+                </a:solidFill>
+                <a:effectLst/>
+                <a:latin typeface="Arial" panose="020B0604020202020204" pitchFamily="34" charset="0"/>
+              </a:rPr>
+              <a:t> </a:t>
+            </a:r>
+            <a:r>
+              <a:rPr lang="pt-BR" sz="1200" b="0" i="1" u="none" strike="noStrike" dirty="0" err="1">
+                <a:solidFill>
+                  <a:srgbClr val="000000"/>
+                </a:solidFill>
+                <a:effectLst/>
+                <a:latin typeface="Arial" panose="020B0604020202020204" pitchFamily="34" charset="0"/>
+              </a:rPr>
+              <a:t>Average</a:t>
+            </a:r>
+            <a:r>
+              <a:rPr lang="pt-BR" sz="1200" b="0" i="1" u="none" strike="noStrike" dirty="0">
+                <a:solidFill>
+                  <a:srgbClr val="000000"/>
+                </a:solidFill>
+                <a:effectLst/>
+                <a:latin typeface="Arial" panose="020B0604020202020204" pitchFamily="34" charset="0"/>
+              </a:rPr>
+              <a:t> </a:t>
+            </a:r>
+            <a:r>
+              <a:rPr lang="pt-BR" sz="1200" b="0" i="1" u="none" strike="noStrike" dirty="0" err="1">
+                <a:solidFill>
+                  <a:srgbClr val="000000"/>
+                </a:solidFill>
+                <a:effectLst/>
+                <a:latin typeface="Arial" panose="020B0604020202020204" pitchFamily="34" charset="0"/>
+              </a:rPr>
+              <a:t>Precision</a:t>
+            </a:r>
+            <a:r>
+              <a:rPr lang="pt-BR" sz="1200" b="0" i="0" u="none" strike="noStrike" dirty="0">
+                <a:solidFill>
+                  <a:srgbClr val="000000"/>
+                </a:solidFill>
+                <a:effectLst/>
+                <a:latin typeface="Arial" panose="020B0604020202020204" pitchFamily="34" charset="0"/>
+              </a:rPr>
+              <a:t>).</a:t>
+            </a:r>
+          </a:p>
+          <a:p>
+            <a:pPr marL="171945" indent="-171450" algn="just">
+              <a:spcBef>
+                <a:spcPts val="946"/>
+              </a:spcBef>
+              <a:buFont typeface="Wingdings" panose="05000000000000000000" pitchFamily="2" charset="2"/>
+              <a:buChar char="§"/>
+            </a:pPr>
+            <a:r>
+              <a:rPr lang="pt-BR" sz="1200" dirty="0">
+                <a:solidFill>
+                  <a:schemeClr val="accent1">
+                    <a:lumMod val="75000"/>
+                  </a:schemeClr>
+                </a:solidFill>
+                <a:latin typeface="Arial" panose="020B0604020202020204" pitchFamily="34" charset="0"/>
+              </a:rPr>
+              <a:t>Pode-se também avaliar:</a:t>
+            </a:r>
+          </a:p>
+          <a:p>
+            <a:pPr marL="495" lvl="3" algn="just">
+              <a:spcBef>
+                <a:spcPts val="946"/>
+              </a:spcBef>
+            </a:pPr>
+            <a:r>
+              <a:rPr lang="pt-BR" sz="1200" dirty="0">
+                <a:solidFill>
+                  <a:schemeClr val="accent1">
+                    <a:lumMod val="75000"/>
+                  </a:schemeClr>
+                </a:solidFill>
+                <a:latin typeface="Arial" panose="020B0604020202020204" pitchFamily="34" charset="0"/>
+              </a:rPr>
+              <a:t>      . </a:t>
+            </a:r>
+            <a:r>
+              <a:rPr lang="pt-BR" sz="1200" b="0" i="0" u="none" strike="noStrike" dirty="0">
+                <a:solidFill>
+                  <a:srgbClr val="000000"/>
+                </a:solidFill>
+                <a:effectLst/>
+                <a:latin typeface="Arial" panose="020B0604020202020204" pitchFamily="34" charset="0"/>
+              </a:rPr>
+              <a:t>o uso de ruídos como mecanismo de enriquecimento de dados no treinamento de modelos e avaliar como isso impacta a robustez de pesquisas.</a:t>
+            </a:r>
+            <a:endParaRPr lang="pt-BR" sz="1200" dirty="0"/>
+          </a:p>
+          <a:p>
+            <a:pPr marL="495" algn="just">
+              <a:spcBef>
+                <a:spcPts val="946"/>
+              </a:spcBef>
+            </a:pPr>
+            <a:r>
+              <a:rPr lang="pt-BR" sz="1200" dirty="0">
+                <a:latin typeface="Arial" panose="020B0604020202020204" pitchFamily="34" charset="0"/>
+              </a:rPr>
+              <a:t>    </a:t>
+            </a:r>
+            <a:r>
+              <a:rPr lang="pt-BR" sz="1200" b="0" i="0" u="none" strike="noStrike" dirty="0">
+                <a:solidFill>
+                  <a:srgbClr val="000000"/>
+                </a:solidFill>
+                <a:effectLst/>
+                <a:latin typeface="Arial" panose="020B0604020202020204" pitchFamily="34" charset="0"/>
+              </a:rPr>
+              <a:t>  . os casos de ruídos que levaram a ganhos inesperados. Talvez floresçam novas técnicas de aprimoramento para consultas com a aplicação desses ruídos. </a:t>
             </a:r>
             <a:endParaRPr lang="pt-BR" sz="1200" b="0" dirty="0">
               <a:effectLst/>
             </a:endParaRPr>
-          </a:p>
-          <a:p>
-            <a:pPr marL="171945" indent="-171450" algn="just" rtl="0">
-              <a:spcBef>
-                <a:spcPts val="946"/>
-              </a:spcBef>
-              <a:spcAft>
-                <a:spcPts val="0"/>
-              </a:spcAft>
-              <a:buFont typeface="Wingdings" panose="05000000000000000000" pitchFamily="2" charset="2"/>
-              <a:buChar char="§"/>
-            </a:pPr>
-            <a:r>
-              <a:rPr lang="pt-BR" sz="1200" b="0" i="0" u="none" strike="noStrike" dirty="0">
-                <a:solidFill>
-                  <a:srgbClr val="000000"/>
-                </a:solidFill>
-                <a:effectLst/>
-                <a:latin typeface="Arial" panose="020B0604020202020204" pitchFamily="34" charset="0"/>
-              </a:rPr>
-              <a:t>Quanto à métrica considerada na performance, sugere-se avaliar o comportamento da métrica proposta DG sobre outras métricas. Por exemplo: DG:MRR (</a:t>
-            </a:r>
-            <a:r>
-              <a:rPr lang="pt-BR" sz="1200" b="0" i="0" u="none" strike="noStrike" dirty="0" err="1">
-                <a:solidFill>
-                  <a:srgbClr val="000000"/>
-                </a:solidFill>
-                <a:effectLst/>
-                <a:latin typeface="Arial" panose="020B0604020202020204" pitchFamily="34" charset="0"/>
-              </a:rPr>
-              <a:t>Mean</a:t>
-            </a:r>
-            <a:r>
-              <a:rPr lang="pt-BR" sz="1200" b="0" i="0" u="none" strike="noStrike" dirty="0">
-                <a:solidFill>
-                  <a:srgbClr val="000000"/>
-                </a:solidFill>
-                <a:effectLst/>
-                <a:latin typeface="Arial" panose="020B0604020202020204" pitchFamily="34" charset="0"/>
-              </a:rPr>
-              <a:t> </a:t>
-            </a:r>
-            <a:r>
-              <a:rPr lang="pt-BR" sz="1200" b="0" i="0" u="none" strike="noStrike" dirty="0" err="1">
-                <a:solidFill>
-                  <a:srgbClr val="000000"/>
-                </a:solidFill>
-                <a:effectLst/>
-                <a:latin typeface="Arial" panose="020B0604020202020204" pitchFamily="34" charset="0"/>
-              </a:rPr>
-              <a:t>Reciprocal</a:t>
-            </a:r>
-            <a:r>
-              <a:rPr lang="pt-BR" sz="1200" b="0" i="0" u="none" strike="noStrike" dirty="0">
-                <a:solidFill>
-                  <a:srgbClr val="000000"/>
-                </a:solidFill>
-                <a:effectLst/>
-                <a:latin typeface="Arial" panose="020B0604020202020204" pitchFamily="34" charset="0"/>
-              </a:rPr>
-              <a:t> Rank) e DG:MAP (</a:t>
-            </a:r>
-            <a:r>
-              <a:rPr lang="pt-BR" sz="1200" b="0" i="0" u="none" strike="noStrike" dirty="0" err="1">
-                <a:solidFill>
-                  <a:srgbClr val="000000"/>
-                </a:solidFill>
-                <a:effectLst/>
-                <a:latin typeface="Arial" panose="020B0604020202020204" pitchFamily="34" charset="0"/>
-              </a:rPr>
-              <a:t>Mean</a:t>
-            </a:r>
-            <a:r>
-              <a:rPr lang="pt-BR" sz="1200" b="0" i="0" u="none" strike="noStrike" dirty="0">
-                <a:solidFill>
-                  <a:srgbClr val="000000"/>
-                </a:solidFill>
-                <a:effectLst/>
-                <a:latin typeface="Arial" panose="020B0604020202020204" pitchFamily="34" charset="0"/>
-              </a:rPr>
-              <a:t> </a:t>
-            </a:r>
-            <a:r>
-              <a:rPr lang="pt-BR" sz="1200" b="0" i="0" u="none" strike="noStrike" dirty="0" err="1">
-                <a:solidFill>
-                  <a:srgbClr val="000000"/>
-                </a:solidFill>
-                <a:effectLst/>
-                <a:latin typeface="Arial" panose="020B0604020202020204" pitchFamily="34" charset="0"/>
-              </a:rPr>
-              <a:t>Average</a:t>
-            </a:r>
-            <a:r>
-              <a:rPr lang="pt-BR" sz="1200" b="0" i="0" u="none" strike="noStrike" dirty="0">
-                <a:solidFill>
-                  <a:srgbClr val="000000"/>
-                </a:solidFill>
-                <a:effectLst/>
-                <a:latin typeface="Arial" panose="020B0604020202020204" pitchFamily="34" charset="0"/>
-              </a:rPr>
-              <a:t> </a:t>
-            </a:r>
-            <a:r>
-              <a:rPr lang="pt-BR" sz="1200" b="0" i="0" u="none" strike="noStrike" dirty="0" err="1">
-                <a:solidFill>
-                  <a:srgbClr val="000000"/>
-                </a:solidFill>
-                <a:effectLst/>
-                <a:latin typeface="Arial" panose="020B0604020202020204" pitchFamily="34" charset="0"/>
-              </a:rPr>
-              <a:t>Precision</a:t>
-            </a:r>
-            <a:r>
-              <a:rPr lang="pt-BR" sz="1200" b="0" i="0" u="none" strike="noStrike" dirty="0">
-                <a:solidFill>
-                  <a:srgbClr val="000000"/>
-                </a:solidFill>
-                <a:effectLst/>
-                <a:latin typeface="Arial" panose="020B0604020202020204" pitchFamily="34" charset="0"/>
-              </a:rPr>
-              <a:t>).</a:t>
-            </a:r>
-            <a:endParaRPr lang="pt-BR" sz="1200" b="0" dirty="0">
-              <a:effectLst/>
-            </a:endParaRPr>
-          </a:p>
-          <a:p>
-            <a:pPr marL="171945" indent="-171450" algn="just" rtl="0">
-              <a:spcBef>
-                <a:spcPts val="946"/>
-              </a:spcBef>
-              <a:spcAft>
-                <a:spcPts val="0"/>
-              </a:spcAft>
-              <a:buFont typeface="Wingdings" panose="05000000000000000000" pitchFamily="2" charset="2"/>
-              <a:buChar char="§"/>
-            </a:pPr>
-            <a:r>
-              <a:rPr lang="pt-BR" sz="1200" b="0" i="0" u="none" strike="noStrike" dirty="0">
-                <a:solidFill>
-                  <a:srgbClr val="000000"/>
-                </a:solidFill>
-                <a:effectLst/>
-                <a:latin typeface="Arial" panose="020B0604020202020204" pitchFamily="34" charset="0"/>
-              </a:rPr>
-              <a:t>Quanto à análise, podem ser realizadas análises mais detalhadas por tipo de função de ranqueamento, por modelo usado, por base de texto pesquisada ou por linguagem, podendo-se ampliar o escopo desses. Também cabe uma avaliação mais detalhada nos casos de ruídos que levaram a ganhos inesperados. Talvez floresçam novas técnicas de enriquecimento de índices para consultas com a aplicação desses ruídos. </a:t>
-            </a:r>
-            <a:endParaRPr lang="pt-BR" sz="1200" b="0" dirty="0">
-              <a:effectLst/>
-            </a:endParaRPr>
-          </a:p>
-          <a:p>
-            <a:endParaRPr lang="pt-BR" sz="1200" dirty="0"/>
           </a:p>
         </p:txBody>
       </p:sp>
@@ -8427,8 +8365,8 @@
         </p:nvSpPr>
         <p:spPr>
           <a:xfrm>
-            <a:off x="663788" y="1300480"/>
-            <a:ext cx="7450666" cy="3142827"/>
+            <a:off x="663788" y="734296"/>
+            <a:ext cx="7450666" cy="3709012"/>
           </a:xfrm>
           <a:prstGeom prst="flowChartMagneticTape">
             <a:avLst/>
@@ -8543,8 +8481,8 @@
         </p:nvSpPr>
         <p:spPr>
           <a:xfrm>
-            <a:off x="1595120" y="1700107"/>
-            <a:ext cx="5953760" cy="1843518"/>
+            <a:off x="1798322" y="1107793"/>
+            <a:ext cx="6167120" cy="2459071"/>
           </a:xfrm>
           <a:prstGeom prst="rect">
             <a:avLst/>
@@ -8570,7 +8508,112 @@
                 <a:effectLst/>
                 <a:latin typeface="Arial" panose="020B0604020202020204" pitchFamily="34" charset="0"/>
               </a:rPr>
-              <a:t> Espera-se que cada vez mais maiores ganhos sejam alcançados em detrimento de menores descontos na área de recuperação da informação</a:t>
+              <a:t> Espera-se que cada vez mais </a:t>
+            </a:r>
+            <a:r>
+              <a:rPr lang="pt-BR" sz="2000" b="0" i="0" u="none" strike="noStrike" dirty="0">
+                <a:solidFill>
+                  <a:schemeClr val="accent1">
+                    <a:lumMod val="75000"/>
+                  </a:schemeClr>
+                </a:solidFill>
+                <a:effectLst/>
+                <a:latin typeface="Arial" panose="020B0604020202020204" pitchFamily="34" charset="0"/>
+              </a:rPr>
+              <a:t>maiores ganhos </a:t>
+            </a:r>
+            <a:r>
+              <a:rPr lang="pt-BR" sz="2000" b="0" i="0" u="none" strike="noStrike" dirty="0">
+                <a:solidFill>
+                  <a:srgbClr val="000000"/>
+                </a:solidFill>
+                <a:effectLst/>
+                <a:latin typeface="Arial" panose="020B0604020202020204" pitchFamily="34" charset="0"/>
+              </a:rPr>
+              <a:t>sejam alcançados em detrimento de </a:t>
+            </a:r>
+            <a:r>
+              <a:rPr lang="pt-BR" sz="2000" b="0" i="0" u="none" strike="noStrike" dirty="0">
+                <a:solidFill>
+                  <a:schemeClr val="accent1">
+                    <a:lumMod val="75000"/>
+                  </a:schemeClr>
+                </a:solidFill>
+                <a:effectLst/>
+                <a:latin typeface="Arial" panose="020B0604020202020204" pitchFamily="34" charset="0"/>
+              </a:rPr>
+              <a:t>menores descontos</a:t>
+            </a:r>
+            <a:r>
+              <a:rPr lang="pt-BR" sz="2000" b="0" i="0" u="none" strike="noStrike" dirty="0">
+                <a:solidFill>
+                  <a:srgbClr val="000000"/>
+                </a:solidFill>
+                <a:effectLst/>
+                <a:latin typeface="Arial" panose="020B0604020202020204" pitchFamily="34" charset="0"/>
+              </a:rPr>
+              <a:t> na área de recuperação da informação, </a:t>
+            </a:r>
+          </a:p>
+          <a:p>
+            <a:pPr>
+              <a:lnSpc>
+                <a:spcPct val="200000"/>
+              </a:lnSpc>
+            </a:pPr>
+            <a:r>
+              <a:rPr lang="pt-BR" sz="2000" b="0" i="0" u="none" strike="noStrike" dirty="0">
+                <a:solidFill>
+                  <a:srgbClr val="000000"/>
+                </a:solidFill>
+                <a:effectLst/>
+                <a:latin typeface="Arial" panose="020B0604020202020204" pitchFamily="34" charset="0"/>
+              </a:rPr>
+              <a:t>sendo ainda mais </a:t>
+            </a:r>
+            <a:r>
+              <a:rPr lang="pt-BR" sz="2000" b="0" i="0" u="none" strike="noStrike" dirty="0">
+                <a:solidFill>
+                  <a:schemeClr val="accent1">
+                    <a:lumMod val="75000"/>
+                  </a:schemeClr>
+                </a:solidFill>
+                <a:effectLst/>
+                <a:latin typeface="Arial" panose="020B0604020202020204" pitchFamily="34" charset="0"/>
+              </a:rPr>
+              <a:t>robusta</a:t>
+            </a:r>
+            <a:r>
+              <a:rPr lang="pt-BR" sz="2000" b="0" i="0" u="none" strike="noStrike" dirty="0">
+                <a:solidFill>
+                  <a:srgbClr val="000000"/>
+                </a:solidFill>
+                <a:effectLst/>
+                <a:latin typeface="Arial" panose="020B0604020202020204" pitchFamily="34" charset="0"/>
+              </a:rPr>
+              <a:t> mesmo com os </a:t>
+            </a:r>
+            <a:r>
+              <a:rPr lang="pt-BR" sz="2000" b="0" i="0" u="none" strike="noStrike" dirty="0">
+                <a:solidFill>
+                  <a:schemeClr val="accent1">
+                    <a:lumMod val="75000"/>
+                  </a:schemeClr>
+                </a:solidFill>
+                <a:effectLst/>
+                <a:latin typeface="Arial" panose="020B0604020202020204" pitchFamily="34" charset="0"/>
+              </a:rPr>
+              <a:t>ruídos</a:t>
+            </a:r>
+            <a:r>
+              <a:rPr lang="pt-BR" sz="2000" b="0" i="0" u="none" strike="noStrike" dirty="0">
+                <a:solidFill>
+                  <a:srgbClr val="000000"/>
+                </a:solidFill>
+                <a:effectLst/>
+                <a:latin typeface="Arial" panose="020B0604020202020204" pitchFamily="34" charset="0"/>
+              </a:rPr>
+              <a:t>!</a:t>
             </a:r>
             <a:endParaRPr lang="pt-BR" sz="2000" dirty="0"/>
           </a:p>
@@ -9217,7 +9260,25 @@
                 </a:solidFill>
                 <a:latin typeface="Arial" panose="020B0604020202020204" pitchFamily="34" charset="0"/>
               </a:rPr>
-              <a:t>/em), modelo usado, base de documentos</a:t>
+              <a:t>/</a:t>
+            </a:r>
+            <a:r>
+              <a:rPr lang="pt-BR" dirty="0" err="1">
+                <a:solidFill>
+                  <a:srgbClr val="000000"/>
+                </a:solidFill>
+                <a:latin typeface="Arial" panose="020B0604020202020204" pitchFamily="34" charset="0"/>
+              </a:rPr>
+              <a:t>en</a:t>
+            </a:r>
+            <a:r>
+              <a:rPr lang="pt-BR" dirty="0">
+                <a:solidFill>
+                  <a:srgbClr val="000000"/>
+                </a:solidFill>
+                <a:latin typeface="Arial" panose="020B0604020202020204" pitchFamily="34" charset="0"/>
+              </a:rPr>
+              <a:t>), modelo usado, base de documentos</a:t>
             </a:r>
           </a:p>
           <a:p>
@@ -9250,48 +9311,36 @@
           <a:chExt cx="0" cy="0"/>
         </a:xfrm>
       </p:grpSpPr>
-      <p:sp>
-        <p:nvSpPr>
-          <p:cNvPr id="84" name="Google Shape;84;p18"/>
-          <p:cNvSpPr txBox="1">
-            <a:spLocks noGrp="1"/>
-          </p:cNvSpPr>
-          <p:nvPr>
-            <p:ph type="title"/>
-          </p:nvPr>
-        </p:nvSpPr>
+      <p:pic>
+        <p:nvPicPr>
+          <p:cNvPr id="3" name="Imagem 2">
+            <a:extLst>
+              <a:ext uri="{FF2B5EF4-FFF2-40B4-BE49-F238E27FC236}">
+                <a16:creationId xmlns:a16="http://schemas.microsoft.com/office/drawing/2014/main" id="{93E7FB1E-2B9E-439F-B957-4E3DBB129AFC}"/>
+              </a:ext>
+            </a:extLst>
+          </p:cNvPr>
+          <p:cNvPicPr>
+            <a:picLocks noChangeAspect="1"/>
+          </p:cNvPicPr>
+          <p:nvPr/>
+        </p:nvPicPr>
+        <p:blipFill>
+          <a:blip r:embed="rId3"/>
+          <a:stretch>
+            <a:fillRect/>
+          </a:stretch>
+        </p:blipFill>
         <p:spPr>
           <a:xfrm>
-            <a:off x="0" y="0"/>
-            <a:ext cx="8520600" cy="572700"/>
+            <a:off x="623400" y="55456"/>
+            <a:ext cx="7645250" cy="5032587"/>
           </a:xfrm>
           <a:prstGeom prst="rect">
             <a:avLst/>
           </a:prstGeom>
         </p:spPr>
-        <p:txBody>
-          <a:bodyPr spcFirstLastPara="1" wrap="square" lIns="91425" tIns="91425" rIns="91425" bIns="91425" anchor="t" anchorCtr="0">
-            <a:normAutofit/>
-          </a:bodyPr>
-          <a:lstStyle/>
-          <a:p>
-            <a:pPr marL="0" lvl="0" indent="0" algn="l" rtl="0">
-              <a:spcBef>
-                <a:spcPts val="0"/>
-              </a:spcBef>
-              <a:spcAft>
-                <a:spcPts val="0"/>
-              </a:spcAft>
-              <a:buNone/>
-            </a:pPr>
-            <a:r>
-              <a:rPr lang="pt-BR" sz="1800" dirty="0"/>
-              <a:t>Resultados</a:t>
-            </a:r>
-            <a:endParaRPr lang="pt-BR" sz="1400" dirty="0"/>
-          </a:p>
-        </p:txBody>
-      </p:sp>
+      </p:pic>
       <p:sp>
         <p:nvSpPr>
           <p:cNvPr id="8" name="CaixaDeTexto 7">
@@ -9306,7 +9355,7 @@
         </p:nvSpPr>
         <p:spPr>
           <a:xfrm>
-            <a:off x="986291" y="4805758"/>
+            <a:off x="2083571" y="4841822"/>
             <a:ext cx="6663267" cy="246221"/>
           </a:xfrm>
           <a:prstGeom prst="rect">
@@ -9328,7 +9377,7 @@
                 <a:effectLst/>
                 <a:latin typeface="Arial" panose="020B0604020202020204" pitchFamily="34" charset="0"/>
               </a:rPr>
-              <a:t>Gráfico 5 - Correlação = 0.166  entre quantidade de tokens e DG para contexto </a:t>
+              <a:t>Gráfico 4 - Valores obtidos de DG:nDCG@10, </a:t>
             </a:r>
             <a:r>
               <a:rPr lang="pt-BR" sz="1000" b="0" i="0" u="none" strike="noStrike" dirty="0" err="1">
@@ -9338,63 +9387,318 @@
                 <a:effectLst/>
                 <a:latin typeface="Arial" panose="020B0604020202020204" pitchFamily="34" charset="0"/>
               </a:rPr>
-              <a:t>en-judment-DPR:facebook-nq-base</a:t>
+              <a:t>quey</a:t>
+            </a:r>
+            <a:r>
+              <a:rPr lang="pt-BR" sz="1000" b="0" i="0" u="none" strike="noStrike" dirty="0">
+                <a:solidFill>
+                  <a:srgbClr val="000000"/>
+                </a:solidFill>
+                <a:effectLst/>
+                <a:latin typeface="Arial" panose="020B0604020202020204" pitchFamily="34" charset="0"/>
+              </a:rPr>
+              <a:t> por query (parcial)</a:t>
             </a:r>
             <a:endParaRPr lang="pt-BR" sz="1000" dirty="0"/>
           </a:p>
         </p:txBody>
       </p:sp>
-      <p:pic>
-        <p:nvPicPr>
-          <p:cNvPr id="6146" name="Picture 2">
+      <p:sp>
+        <p:nvSpPr>
+          <p:cNvPr id="9" name="Google Shape;66;p15">
             <a:extLst>
               <a:ext uri="{FF2B5EF4-FFF2-40B4-BE49-F238E27FC236}">
-                <a16:creationId xmlns:a16="http://schemas.microsoft.com/office/drawing/2014/main" id="{4C81C5B7-C487-4793-AB9F-F12F9891A020}"/>
+                <a16:creationId xmlns:a16="http://schemas.microsoft.com/office/drawing/2014/main" id="{4AC50F63-7F9B-4DCB-AC7A-349D904D7AC7}"/>
               </a:ext>
             </a:extLst>
           </p:cNvPr>
-          <p:cNvPicPr>
-            <a:picLocks noChangeAspect="1" noChangeArrowheads="1"/>
-          </p:cNvPicPr>
+          <p:cNvSpPr txBox="1">
+            <a:spLocks/>
+          </p:cNvSpPr>
           <p:nvPr/>
-        </p:nvPicPr>
-        <p:blipFill>
-          <a:blip r:embed="rId3">
-            <a:extLst>
-              <a:ext uri="{28A0092B-C50C-407E-A947-70E740481C1C}">
-                <a14:useLocalDpi xmlns:a14="http://schemas.microsoft.com/office/drawing/2010/main" val="0"/>
-              </a:ext>
-            </a:extLst>
-          </a:blip>
-          <a:srcRect/>
-          <a:stretch>
-            <a:fillRect/>
-          </a:stretch>
-        </p:blipFill>
-        <p:spPr bwMode="auto">
+        </p:nvSpPr>
+        <p:spPr>
           <a:xfrm>
-            <a:off x="1761067" y="214631"/>
-            <a:ext cx="4524586" cy="4524586"/>
+            <a:off x="0" y="0"/>
+            <a:ext cx="8520600" cy="572700"/>
           </a:xfrm>
           <a:prstGeom prst="rect">
             <a:avLst/>
           </a:prstGeom>
           <a:noFill/>
-          <a:extLst>
-            <a:ext uri="{909E8E84-426E-40DD-AFC4-6F175D3DCCD1}">
-              <a14:hiddenFill xmlns:a14="http://schemas.microsoft.com/office/drawing/2010/main">
-                <a:solidFill>
-                  <a:srgbClr val="FFFFFF"/>
-                </a:solidFill>
-              </a14:hiddenFill>
-            </a:ext>
-          </a:extLst>
+          <a:ln>
+            <a:noFill/>
+          </a:ln>
         </p:spPr>
-      </p:pic>
+        <p:txBody>
+          <a:bodyPr spcFirstLastPara="1" wrap="square" lIns="91425" tIns="91425" rIns="91425" bIns="91425" anchor="t" anchorCtr="0">
+            <a:normAutofit/>
+          </a:bodyPr>
+          <a:lstStyle>
+            <a:defPPr marR="0" lvl="0" algn="l" rtl="0">
+              <a:lnSpc>
+                <a:spcPct val="100000"/>
+              </a:lnSpc>
+              <a:spcBef>
+                <a:spcPts val="0"/>
+              </a:spcBef>
+              <a:spcAft>
+                <a:spcPts val="0"/>
+              </a:spcAft>
+            </a:defPPr>
+            <a:lvl1pPr marR="0" lvl="0" algn="l" rtl="0">
+              <a:lnSpc>
+                <a:spcPct val="100000"/>
+              </a:lnSpc>
+              <a:spcBef>
+                <a:spcPts val="0"/>
+              </a:spcBef>
+              <a:spcAft>
+                <a:spcPts val="0"/>
+              </a:spcAft>
+              <a:buClr>
+                <a:schemeClr val="dk1"/>
+              </a:buClr>
+              <a:buSzPts val="2800"/>
+              <a:buFont typeface="Arial"/>
+              <a:buNone/>
+              <a:defRPr sz="2800" b="0" i="0" u="none" strike="noStrike" cap="none">
+                <a:solidFill>
+                  <a:schemeClr val="dk1"/>
+                </a:solidFill>
+                <a:latin typeface="Arial"/>
+                <a:ea typeface="Arial"/>
+                <a:cs typeface="Arial"/>
+                <a:sym typeface="Arial"/>
+              </a:defRPr>
+            </a:lvl1pPr>
+            <a:lvl2pPr marR="0" lvl="1" algn="l" rtl="0">
+              <a:lnSpc>
+                <a:spcPct val="100000"/>
+              </a:lnSpc>
+              <a:spcBef>
+                <a:spcPts val="0"/>
+              </a:spcBef>
+              <a:spcAft>
+                <a:spcPts val="0"/>
+              </a:spcAft>
+              <a:buClr>
+                <a:schemeClr val="dk1"/>
+              </a:buClr>
+              <a:buSzPts val="2800"/>
+              <a:buFont typeface="Arial"/>
+              <a:buNone/>
+              <a:defRPr sz="2800" b="0" i="0" u="none" strike="noStrike" cap="none">
+                <a:solidFill>
+                  <a:schemeClr val="dk1"/>
+                </a:solidFill>
+                <a:latin typeface="Arial"/>
+                <a:ea typeface="Arial"/>
+                <a:cs typeface="Arial"/>
+                <a:sym typeface="Arial"/>
+              </a:defRPr>
+            </a:lvl2pPr>
+            <a:lvl3pPr marR="0" lvl="2" algn="l" rtl="0">
+              <a:lnSpc>
+                <a:spcPct val="100000"/>
+              </a:lnSpc>
+              <a:spcBef>
+                <a:spcPts val="0"/>
+              </a:spcBef>
+              <a:spcAft>
+                <a:spcPts val="0"/>
+              </a:spcAft>
+              <a:buClr>
+                <a:schemeClr val="dk1"/>
+              </a:buClr>
+              <a:buSzPts val="2800"/>
+              <a:buFont typeface="Arial"/>
+              <a:buNone/>
+              <a:defRPr sz="2800" b="0" i="0" u="none" strike="noStrike" cap="none">
+                <a:solidFill>
+                  <a:schemeClr val="dk1"/>
+                </a:solidFill>
+                <a:latin typeface="Arial"/>
+                <a:ea typeface="Arial"/>
+                <a:cs typeface="Arial"/>
+                <a:sym typeface="Arial"/>
+              </a:defRPr>
+            </a:lvl3pPr>
+            <a:lvl4pPr marR="0" lvl="3" algn="l" rtl="0">
+              <a:lnSpc>
+                <a:spcPct val="100000"/>
+              </a:lnSpc>
+              <a:spcBef>
+                <a:spcPts val="0"/>
+              </a:spcBef>
+              <a:spcAft>
+                <a:spcPts val="0"/>
+              </a:spcAft>
+              <a:buClr>
+                <a:schemeClr val="dk1"/>
+              </a:buClr>
+              <a:buSzPts val="2800"/>
+              <a:buFont typeface="Arial"/>
+              <a:buNone/>
+              <a:defRPr sz="2800" b="0" i="0" u="none" strike="noStrike" cap="none">
+                <a:solidFill>
+                  <a:schemeClr val="dk1"/>
+                </a:solidFill>
+                <a:latin typeface="Arial"/>
+                <a:ea typeface="Arial"/>
+                <a:cs typeface="Arial"/>
+                <a:sym typeface="Arial"/>
+              </a:defRPr>
+            </a:lvl4pPr>
+            <a:lvl5pPr marR="0" lvl="4" algn="l" rtl="0">
+              <a:lnSpc>
+                <a:spcPct val="100000"/>
+              </a:lnSpc>
+              <a:spcBef>
+                <a:spcPts val="0"/>
+              </a:spcBef>
+              <a:spcAft>
+                <a:spcPts val="0"/>
+              </a:spcAft>
+              <a:buClr>
+                <a:schemeClr val="dk1"/>
+              </a:buClr>
+              <a:buSzPts val="2800"/>
+              <a:buFont typeface="Arial"/>
+              <a:buNone/>
+              <a:defRPr sz="2800" b="0" i="0" u="none" strike="noStrike" cap="none">
+                <a:solidFill>
+                  <a:schemeClr val="dk1"/>
+                </a:solidFill>
+                <a:latin typeface="Arial"/>
+                <a:ea typeface="Arial"/>
+                <a:cs typeface="Arial"/>
+                <a:sym typeface="Arial"/>
+              </a:defRPr>
+            </a:lvl5pPr>
+            <a:lvl6pPr marR="0" lvl="5" algn="l" rtl="0">
+              <a:lnSpc>
+                <a:spcPct val="100000"/>
+              </a:lnSpc>
+              <a:spcBef>
+                <a:spcPts val="0"/>
+              </a:spcBef>
+              <a:spcAft>
+                <a:spcPts val="0"/>
+              </a:spcAft>
+              <a:buClr>
+                <a:schemeClr val="dk1"/>
+              </a:buClr>
+              <a:buSzPts val="2800"/>
+              <a:buFont typeface="Arial"/>
+              <a:buNone/>
+              <a:defRPr sz="2800" b="0" i="0" u="none" strike="noStrike" cap="none">
+                <a:solidFill>
+                  <a:schemeClr val="dk1"/>
+                </a:solidFill>
+                <a:latin typeface="Arial"/>
+                <a:ea typeface="Arial"/>
+                <a:cs typeface="Arial"/>
+                <a:sym typeface="Arial"/>
+              </a:defRPr>
+            </a:lvl6pPr>
+            <a:lvl7pPr marR="0" lvl="6" algn="l" rtl="0">
+              <a:lnSpc>
+                <a:spcPct val="100000"/>
+              </a:lnSpc>
+              <a:spcBef>
+                <a:spcPts val="0"/>
+              </a:spcBef>
+              <a:spcAft>
+                <a:spcPts val="0"/>
+              </a:spcAft>
+              <a:buClr>
+                <a:schemeClr val="dk1"/>
+              </a:buClr>
+              <a:buSzPts val="2800"/>
+              <a:buFont typeface="Arial"/>
+              <a:buNone/>
+              <a:defRPr sz="2800" b="0" i="0" u="none" strike="noStrike" cap="none">
+                <a:solidFill>
+                  <a:schemeClr val="dk1"/>
+                </a:solidFill>
+                <a:latin typeface="Arial"/>
+                <a:ea typeface="Arial"/>
+                <a:cs typeface="Arial"/>
+                <a:sym typeface="Arial"/>
+              </a:defRPr>
+            </a:lvl7pPr>
+            <a:lvl8pPr marR="0" lvl="7" algn="l" rtl="0">
+              <a:lnSpc>
+                <a:spcPct val="100000"/>
+              </a:lnSpc>
+              <a:spcBef>
+                <a:spcPts val="0"/>
+              </a:spcBef>
+              <a:spcAft>
+                <a:spcPts val="0"/>
+              </a:spcAft>
+              <a:buClr>
+                <a:schemeClr val="dk1"/>
+              </a:buClr>
+              <a:buSzPts val="2800"/>
+              <a:buFont typeface="Arial"/>
+              <a:buNone/>
+              <a:defRPr sz="2800" b="0" i="0" u="none" strike="noStrike" cap="none">
+                <a:solidFill>
+                  <a:schemeClr val="dk1"/>
+                </a:solidFill>
+                <a:latin typeface="Arial"/>
+                <a:ea typeface="Arial"/>
+                <a:cs typeface="Arial"/>
+                <a:sym typeface="Arial"/>
+              </a:defRPr>
+            </a:lvl8pPr>
+            <a:lvl9pPr marR="0" lvl="8" algn="l" rtl="0">
+              <a:lnSpc>
+                <a:spcPct val="100000"/>
+              </a:lnSpc>
+              <a:spcBef>
+                <a:spcPts val="0"/>
+              </a:spcBef>
+              <a:spcAft>
+                <a:spcPts val="0"/>
+              </a:spcAft>
+              <a:buClr>
+                <a:schemeClr val="dk1"/>
+              </a:buClr>
+              <a:buSzPts val="2800"/>
+              <a:buFont typeface="Arial"/>
+              <a:buNone/>
+              <a:defRPr sz="2800" b="0" i="0" u="none" strike="noStrike" cap="none">
+                <a:solidFill>
+                  <a:schemeClr val="dk1"/>
+                </a:solidFill>
+                <a:latin typeface="Arial"/>
+                <a:ea typeface="Arial"/>
+                <a:cs typeface="Arial"/>
+                <a:sym typeface="Arial"/>
+              </a:defRPr>
+            </a:lvl9pPr>
+          </a:lstStyle>
+          <a:p>
+            <a:r>
+              <a:rPr lang="pt-BR" sz="1800" dirty="0">
+                <a:solidFill>
+                  <a:srgbClr val="000000"/>
+                </a:solidFill>
+                <a:latin typeface="Arial" panose="020B0604020202020204" pitchFamily="34" charset="0"/>
+              </a:rPr>
+              <a:t>Resultados – detalhes</a:t>
+            </a:r>
+            <a:endParaRPr lang="pt-BR" dirty="0"/>
+          </a:p>
+        </p:txBody>
+      </p:sp>
     </p:spTree>
     <p:extLst>
       <p:ext uri="{BB962C8B-B14F-4D97-AF65-F5344CB8AC3E}">
-        <p14:creationId xmlns:p14="http://schemas.microsoft.com/office/powerpoint/2010/main" val="1118959259"/>
+        <p14:creationId xmlns:p14="http://schemas.microsoft.com/office/powerpoint/2010/main" val="577401951"/>
       </p:ext>
     </p:extLst>
   </p:cSld>
@@ -9421,53 +9725,6 @@
           <a:chExt cx="0" cy="0"/>
         </a:xfrm>
       </p:grpSpPr>
-      <p:pic>
-        <p:nvPicPr>
-          <p:cNvPr id="7170" name="Picture 2">
-            <a:extLst>
-              <a:ext uri="{FF2B5EF4-FFF2-40B4-BE49-F238E27FC236}">
-                <a16:creationId xmlns:a16="http://schemas.microsoft.com/office/drawing/2014/main" id="{553064DD-8783-44AD-8CAF-46BDE648B701}"/>
-              </a:ext>
-            </a:extLst>
-          </p:cNvPr>
-          <p:cNvPicPr>
-            <a:picLocks noChangeAspect="1" noChangeArrowheads="1"/>
-          </p:cNvPicPr>
-          <p:nvPr/>
-        </p:nvPicPr>
-        <p:blipFill>
-          <a:blip r:embed="rId3">
-            <a:extLst>
-              <a:ext uri="{28A0092B-C50C-407E-A947-70E740481C1C}">
-                <a14:useLocalDpi xmlns:a14="http://schemas.microsoft.com/office/drawing/2010/main" val="0"/>
-              </a:ext>
-            </a:extLst>
-          </a:blip>
-          <a:srcRect/>
-          <a:stretch>
-            <a:fillRect/>
-          </a:stretch>
-        </p:blipFill>
-        <p:spPr bwMode="auto">
-          <a:xfrm>
-            <a:off x="0" y="399627"/>
-            <a:ext cx="9144000" cy="4681166"/>
-          </a:xfrm>
-          <a:prstGeom prst="rect">
-            <a:avLst/>
-          </a:prstGeom>
-          <a:noFill/>
-          <a:extLst>
-            <a:ext uri="{909E8E84-426E-40DD-AFC4-6F175D3DCCD1}">
-              <a14:hiddenFill xmlns:a14="http://schemas.microsoft.com/office/drawing/2010/main">
-                <a:solidFill>
-                  <a:srgbClr val="FFFFFF"/>
-                </a:solidFill>
-              </a14:hiddenFill>
-            </a:ext>
-          </a:extLst>
-        </p:spPr>
-      </p:pic>
       <p:sp>
         <p:nvSpPr>
           <p:cNvPr id="7" name="Google Shape;66;p15">
@@ -9522,6 +9779,53 @@
           </a:p>
         </p:txBody>
       </p:sp>
+      <p:pic>
+        <p:nvPicPr>
+          <p:cNvPr id="1026" name="Picture 2">
+            <a:extLst>
+              <a:ext uri="{FF2B5EF4-FFF2-40B4-BE49-F238E27FC236}">
+                <a16:creationId xmlns:a16="http://schemas.microsoft.com/office/drawing/2014/main" id="{53E56302-0C30-49A3-9351-F231EB51CFEE}"/>
+              </a:ext>
+            </a:extLst>
+          </p:cNvPr>
+          <p:cNvPicPr>
+            <a:picLocks noChangeAspect="1" noChangeArrowheads="1"/>
+          </p:cNvPicPr>
+          <p:nvPr/>
+        </p:nvPicPr>
+        <p:blipFill>
+          <a:blip r:embed="rId3">
+            <a:extLst>
+              <a:ext uri="{28A0092B-C50C-407E-A947-70E740481C1C}">
+                <a14:useLocalDpi xmlns:a14="http://schemas.microsoft.com/office/drawing/2010/main" val="0"/>
+              </a:ext>
+            </a:extLst>
+          </a:blip>
+          <a:srcRect/>
+          <a:stretch>
+            <a:fillRect/>
+          </a:stretch>
+        </p:blipFill>
+        <p:spPr bwMode="auto">
+          <a:xfrm>
+            <a:off x="0" y="365760"/>
+            <a:ext cx="8913707" cy="4777740"/>
+          </a:xfrm>
+          <a:prstGeom prst="rect">
+            <a:avLst/>
+          </a:prstGeom>
+          <a:noFill/>
+          <a:extLst>
+            <a:ext uri="{909E8E84-426E-40DD-AFC4-6F175D3DCCD1}">
+              <a14:hiddenFill xmlns:a14="http://schemas.microsoft.com/office/drawing/2010/main">
+                <a:solidFill>
+                  <a:srgbClr val="FFFFFF"/>
+                </a:solidFill>
+              </a14:hiddenFill>
+            </a:ext>
+          </a:extLst>
+        </p:spPr>
+      </p:pic>
     </p:spTree>
     <p:extLst>
       <p:ext uri="{BB962C8B-B14F-4D97-AF65-F5344CB8AC3E}">
@@ -9873,6 +10177,177 @@
   <p:cSld>
     <p:spTree>
       <p:nvGrpSpPr>
+        <p:cNvPr id="1" name="Shape 83"/>
+        <p:cNvGrpSpPr/>
+        <p:nvPr/>
+      </p:nvGrpSpPr>
+      <p:grpSpPr>
+        <a:xfrm>
+          <a:off x="0" y="0"/>
+          <a:ext cx="0" cy="0"/>
+          <a:chOff x="0" y="0"/>
+          <a:chExt cx="0" cy="0"/>
+        </a:xfrm>
+      </p:grpSpPr>
+      <p:sp>
+        <p:nvSpPr>
+          <p:cNvPr id="84" name="Google Shape;84;p18"/>
+          <p:cNvSpPr txBox="1">
+            <a:spLocks noGrp="1"/>
+          </p:cNvSpPr>
+          <p:nvPr>
+            <p:ph type="title"/>
+          </p:nvPr>
+        </p:nvSpPr>
+        <p:spPr>
+          <a:xfrm>
+            <a:off x="0" y="0"/>
+            <a:ext cx="8520600" cy="572700"/>
+          </a:xfrm>
+          <a:prstGeom prst="rect">
+            <a:avLst/>
+          </a:prstGeom>
+        </p:spPr>
+        <p:txBody>
+          <a:bodyPr spcFirstLastPara="1" wrap="square" lIns="91425" tIns="91425" rIns="91425" bIns="91425" anchor="t" anchorCtr="0">
+            <a:normAutofit/>
+          </a:bodyPr>
+          <a:lstStyle/>
+          <a:p>
+            <a:pPr marL="0" lvl="0" indent="0" algn="l" rtl="0">
+              <a:spcBef>
+                <a:spcPts val="0"/>
+              </a:spcBef>
+              <a:spcAft>
+                <a:spcPts val="0"/>
+              </a:spcAft>
+              <a:buNone/>
+            </a:pPr>
+            <a:r>
+              <a:rPr lang="pt-BR" sz="1800" dirty="0"/>
+              <a:t>Resultados</a:t>
+            </a:r>
+            <a:endParaRPr lang="pt-BR" sz="1400" dirty="0"/>
+          </a:p>
+        </p:txBody>
+      </p:sp>
+      <p:sp>
+        <p:nvSpPr>
+          <p:cNvPr id="8" name="CaixaDeTexto 7">
+            <a:extLst>
+              <a:ext uri="{FF2B5EF4-FFF2-40B4-BE49-F238E27FC236}">
+                <a16:creationId xmlns:a16="http://schemas.microsoft.com/office/drawing/2014/main" id="{5DC8DAA4-86BC-4CE5-9CE1-E2BD60C8804D}"/>
+              </a:ext>
+            </a:extLst>
+          </p:cNvPr>
+          <p:cNvSpPr txBox="1"/>
+          <p:nvPr/>
+        </p:nvSpPr>
+        <p:spPr>
+          <a:xfrm>
+            <a:off x="986291" y="4805758"/>
+            <a:ext cx="6663267" cy="246221"/>
+          </a:xfrm>
+          <a:prstGeom prst="rect">
+            <a:avLst/>
+          </a:prstGeom>
+          <a:noFill/>
+        </p:spPr>
+        <p:txBody>
+          <a:bodyPr wrap="square">
+            <a:spAutoFit/>
+          </a:bodyPr>
+          <a:lstStyle/>
+          <a:p>
+            <a:r>
+              <a:rPr lang="pt-BR" sz="1000" b="0" i="0" u="none" strike="noStrike" dirty="0">
+                <a:solidFill>
+                  <a:srgbClr val="000000"/>
+                </a:solidFill>
+                <a:effectLst/>
+                <a:latin typeface="Arial" panose="020B0604020202020204" pitchFamily="34" charset="0"/>
+              </a:rPr>
+              <a:t>Gráfico 5 - Correlação = 0.166  entre quantidade de tokens e DG para contexto </a:t>
+            </a:r>
+            <a:r>
+              <a:rPr lang="pt-BR" sz="1000" b="0" i="0" u="none" strike="noStrike" dirty="0" err="1">
+                <a:solidFill>
+                  <a:srgbClr val="000000"/>
+                </a:solidFill>
+                <a:effectLst/>
+                <a:latin typeface="Arial" panose="020B0604020202020204" pitchFamily="34" charset="0"/>
+              </a:rPr>
+              <a:t>en-judment-DPR:facebook-nq-base</a:t>
+            </a:r>
+            <a:endParaRPr lang="pt-BR" sz="1000" dirty="0"/>
+          </a:p>
+        </p:txBody>
+      </p:sp>
+      <p:pic>
+        <p:nvPicPr>
+          <p:cNvPr id="6146" name="Picture 2">
+            <a:extLst>
+              <a:ext uri="{FF2B5EF4-FFF2-40B4-BE49-F238E27FC236}">
+                <a16:creationId xmlns:a16="http://schemas.microsoft.com/office/drawing/2014/main" id="{4C81C5B7-C487-4793-AB9F-F12F9891A020}"/>
+              </a:ext>
+            </a:extLst>
+          </p:cNvPr>
+          <p:cNvPicPr>
+            <a:picLocks noChangeAspect="1" noChangeArrowheads="1"/>
+          </p:cNvPicPr>
+          <p:nvPr/>
+        </p:nvPicPr>
+        <p:blipFill>
+          <a:blip r:embed="rId3">
+            <a:extLst>
+              <a:ext uri="{28A0092B-C50C-407E-A947-70E740481C1C}">
+                <a14:useLocalDpi xmlns:a14="http://schemas.microsoft.com/office/drawing/2010/main" val="0"/>
+              </a:ext>
+            </a:extLst>
+          </a:blip>
+          <a:srcRect/>
+          <a:stretch>
+            <a:fillRect/>
+          </a:stretch>
+        </p:blipFill>
+        <p:spPr bwMode="auto">
+          <a:xfrm>
+            <a:off x="1761067" y="214631"/>
+            <a:ext cx="4524586" cy="4524586"/>
+          </a:xfrm>
+          <a:prstGeom prst="rect">
+            <a:avLst/>
+          </a:prstGeom>
+          <a:noFill/>
+          <a:extLst>
+            <a:ext uri="{909E8E84-426E-40DD-AFC4-6F175D3DCCD1}">
+              <a14:hiddenFill xmlns:a14="http://schemas.microsoft.com/office/drawing/2010/main">
+                <a:solidFill>
+                  <a:srgbClr val="FFFFFF"/>
+                </a:solidFill>
+              </a14:hiddenFill>
+            </a:ext>
+          </a:extLst>
+        </p:spPr>
+      </p:pic>
+    </p:spTree>
+    <p:extLst>
+      <p:ext uri="{BB962C8B-B14F-4D97-AF65-F5344CB8AC3E}">
+        <p14:creationId xmlns:p14="http://schemas.microsoft.com/office/powerpoint/2010/main" val="1118959259"/>
+      </p:ext>
+    </p:extLst>
+  </p:cSld>
+  <p:clrMapOvr>
+    <a:masterClrMapping/>
+  </p:clrMapOvr>
+</p:sld>
+</file>
+
+<file path=ppt/slides/slide9.xml><?xml version="1.0" encoding="utf-8"?>
+<p:sld xmlns:a="http://schemas.openxmlformats.org/drawingml/2006/main" xmlns:r="http://schemas.openxmlformats.org/officeDocument/2006/relationships" xmlns:p="http://schemas.openxmlformats.org/presentationml/2006/main">
+  <p:cSld>
+    <p:spTree>
+      <p:nvGrpSpPr>
         <p:cNvPr id="1" name="Shape 65"/>
         <p:cNvGrpSpPr/>
         <p:nvPr/>
@@ -10025,124 +10500,6 @@
     <p:extLst>
       <p:ext uri="{BB962C8B-B14F-4D97-AF65-F5344CB8AC3E}">
         <p14:creationId xmlns:p14="http://schemas.microsoft.com/office/powerpoint/2010/main" val="4196837090"/>
-      </p:ext>
-    </p:extLst>
-  </p:cSld>
-  <p:clrMapOvr>
-    <a:masterClrMapping/>
-  </p:clrMapOvr>
-</p:sld>
-</file>
-
-<file path=ppt/slides/slide9.xml><?xml version="1.0" encoding="utf-8"?>
-<p:sld xmlns:a="http://schemas.openxmlformats.org/drawingml/2006/main" xmlns:r="http://schemas.openxmlformats.org/officeDocument/2006/relationships" xmlns:p="http://schemas.openxmlformats.org/presentationml/2006/main">
-  <p:cSld>
-    <p:spTree>
-      <p:nvGrpSpPr>
-        <p:cNvPr id="1" name="Shape 65"/>
-        <p:cNvGrpSpPr/>
-        <p:nvPr/>
-      </p:nvGrpSpPr>
-      <p:grpSpPr>
-        <a:xfrm>
-          <a:off x="0" y="0"/>
-          <a:ext cx="0" cy="0"/>
-          <a:chOff x="0" y="0"/>
-          <a:chExt cx="0" cy="0"/>
-        </a:xfrm>
-      </p:grpSpPr>
-      <p:sp>
-        <p:nvSpPr>
-          <p:cNvPr id="10" name="CaixaDeTexto 9">
-            <a:extLst>
-              <a:ext uri="{FF2B5EF4-FFF2-40B4-BE49-F238E27FC236}">
-                <a16:creationId xmlns:a16="http://schemas.microsoft.com/office/drawing/2014/main" id="{036912C7-4207-42EA-A8D1-740352B81A98}"/>
-              </a:ext>
-            </a:extLst>
-          </p:cNvPr>
-          <p:cNvSpPr txBox="1"/>
-          <p:nvPr/>
-        </p:nvSpPr>
-        <p:spPr>
-          <a:xfrm>
-            <a:off x="1591734" y="4839939"/>
-            <a:ext cx="5628640" cy="246221"/>
-          </a:xfrm>
-          <a:prstGeom prst="rect">
-            <a:avLst/>
-          </a:prstGeom>
-          <a:noFill/>
-        </p:spPr>
-        <p:txBody>
-          <a:bodyPr wrap="square">
-            <a:spAutoFit/>
-          </a:bodyPr>
-          <a:lstStyle/>
-          <a:p>
-            <a:r>
-              <a:rPr lang="pt-BR" sz="1000" b="0" i="0" u="none" strike="noStrike" dirty="0">
-                <a:solidFill>
-                  <a:srgbClr val="000000"/>
-                </a:solidFill>
-                <a:effectLst/>
-                <a:latin typeface="Arial" panose="020B0604020202020204" pitchFamily="34" charset="0"/>
-              </a:rPr>
-              <a:t>Gráfico 3 - Distribuições de DG:nDCG@10 por tipo de ruído para vários mecanismos de busca</a:t>
-            </a:r>
-          </a:p>
-        </p:txBody>
-      </p:sp>
-      <p:pic>
-        <p:nvPicPr>
-          <p:cNvPr id="4098" name="Picture 2">
-            <a:extLst>
-              <a:ext uri="{FF2B5EF4-FFF2-40B4-BE49-F238E27FC236}">
-                <a16:creationId xmlns:a16="http://schemas.microsoft.com/office/drawing/2014/main" id="{B6E073B0-1E15-4B36-BA12-1AC2F314AFBD}"/>
-              </a:ext>
-            </a:extLst>
-          </p:cNvPr>
-          <p:cNvPicPr>
-            <a:picLocks noChangeAspect="1" noChangeArrowheads="1"/>
-          </p:cNvPicPr>
-          <p:nvPr/>
-        </p:nvPicPr>
-        <p:blipFill>
-          <a:blip r:embed="rId3">
-            <a:extLst>
-              <a:ext uri="{28A0092B-C50C-407E-A947-70E740481C1C}">
-                <a14:useLocalDpi xmlns:a14="http://schemas.microsoft.com/office/drawing/2010/main" val="0"/>
-              </a:ext>
-            </a:extLst>
-          </a:blip>
-          <a:srcRect/>
-          <a:stretch>
-            <a:fillRect/>
-          </a:stretch>
-        </p:blipFill>
-        <p:spPr bwMode="auto">
-          <a:xfrm>
-            <a:off x="155786" y="0"/>
-            <a:ext cx="8680027" cy="4734560"/>
-          </a:xfrm>
-          <a:prstGeom prst="rect">
-            <a:avLst/>
-          </a:prstGeom>
-          <a:noFill/>
-          <a:extLst>
-            <a:ext uri="{909E8E84-426E-40DD-AFC4-6F175D3DCCD1}">
-              <a14:hiddenFill xmlns:a14="http://schemas.microsoft.com/office/drawing/2010/main">
-                <a:solidFill>
-                  <a:srgbClr val="FFFFFF"/>
-                </a:solidFill>
-              </a14:hiddenFill>
-            </a:ext>
-          </a:extLst>
-        </p:spPr>
-      </p:pic>
-    </p:spTree>
-    <p:extLst>
-      <p:ext uri="{BB962C8B-B14F-4D97-AF65-F5344CB8AC3E}">
-        <p14:creationId xmlns:p14="http://schemas.microsoft.com/office/powerpoint/2010/main" val="3446537649"/>
       </p:ext>
     </p:extLst>
   </p:cSld>

--- a/docs/presentations/Apresentação final - 20211209.pptx
+++ b/docs/presentations/Apresentação final - 20211209.pptx
@@ -5,7 +5,7 @@
     <p:sldMasterId id="2147483659" r:id="rId1"/>
   </p:sldMasterIdLst>
   <p:notesMasterIdLst>
-    <p:notesMasterId r:id="rId15"/>
+    <p:notesMasterId r:id="rId18"/>
   </p:notesMasterIdLst>
   <p:sldIdLst>
     <p:sldId id="256" r:id="rId2"/>
@@ -13,14 +13,17 @@
     <p:sldId id="258" r:id="rId4"/>
     <p:sldId id="285" r:id="rId5"/>
     <p:sldId id="291" r:id="rId6"/>
-    <p:sldId id="292" r:id="rId7"/>
-    <p:sldId id="293" r:id="rId8"/>
-    <p:sldId id="296" r:id="rId9"/>
-    <p:sldId id="294" r:id="rId10"/>
-    <p:sldId id="295" r:id="rId11"/>
-    <p:sldId id="297" r:id="rId12"/>
-    <p:sldId id="298" r:id="rId13"/>
-    <p:sldId id="299" r:id="rId14"/>
+    <p:sldId id="300" r:id="rId7"/>
+    <p:sldId id="301" r:id="rId8"/>
+    <p:sldId id="292" r:id="rId9"/>
+    <p:sldId id="293" r:id="rId10"/>
+    <p:sldId id="302" r:id="rId11"/>
+    <p:sldId id="296" r:id="rId12"/>
+    <p:sldId id="294" r:id="rId13"/>
+    <p:sldId id="295" r:id="rId14"/>
+    <p:sldId id="297" r:id="rId15"/>
+    <p:sldId id="298" r:id="rId16"/>
+    <p:sldId id="299" r:id="rId17"/>
   </p:sldIdLst>
   <p:sldSz cx="9144000" cy="5143500" type="screen16x9"/>
   <p:notesSz cx="6858000" cy="9144000"/>
@@ -958,7 +961,7 @@
     </p:spTree>
     <p:extLst>
       <p:ext uri="{BB962C8B-B14F-4D97-AF65-F5344CB8AC3E}">
-        <p14:creationId xmlns:p14="http://schemas.microsoft.com/office/powerpoint/2010/main" val="1773405921"/>
+        <p14:creationId xmlns:p14="http://schemas.microsoft.com/office/powerpoint/2010/main" val="3546574142"/>
       </p:ext>
     </p:extLst>
   </p:cSld>
@@ -1086,7 +1089,7 @@
     </p:spTree>
     <p:extLst>
       <p:ext uri="{BB962C8B-B14F-4D97-AF65-F5344CB8AC3E}">
-        <p14:creationId xmlns:p14="http://schemas.microsoft.com/office/powerpoint/2010/main" val="2741226580"/>
+        <p14:creationId xmlns:p14="http://schemas.microsoft.com/office/powerpoint/2010/main" val="3534913263"/>
       </p:ext>
     </p:extLst>
   </p:cSld>
@@ -1097,6 +1100,256 @@
 </file>
 
 <file path=ppt/notesSlides/notesSlide12.xml><?xml version="1.0" encoding="utf-8"?>
+<p:notes xmlns:a="http://schemas.openxmlformats.org/drawingml/2006/main" xmlns:r="http://schemas.openxmlformats.org/officeDocument/2006/relationships" xmlns:p="http://schemas.openxmlformats.org/presentationml/2006/main" showMasterSp="0" showMasterPhAnim="0">
+  <p:cSld>
+    <p:spTree>
+      <p:nvGrpSpPr>
+        <p:cNvPr id="1" name="Shape 62"/>
+        <p:cNvGrpSpPr/>
+        <p:nvPr/>
+      </p:nvGrpSpPr>
+      <p:grpSpPr>
+        <a:xfrm>
+          <a:off x="0" y="0"/>
+          <a:ext cx="0" cy="0"/>
+          <a:chOff x="0" y="0"/>
+          <a:chExt cx="0" cy="0"/>
+        </a:xfrm>
+      </p:grpSpPr>
+      <p:sp>
+        <p:nvSpPr>
+          <p:cNvPr id="63" name="Google Shape;63;gf6254c5e42_0_5:notes"/>
+          <p:cNvSpPr>
+            <a:spLocks noGrp="1" noRot="1" noChangeAspect="1"/>
+          </p:cNvSpPr>
+          <p:nvPr>
+            <p:ph type="sldImg" idx="2"/>
+          </p:nvPr>
+        </p:nvSpPr>
+        <p:spPr>
+          <a:xfrm>
+            <a:off x="381000" y="685800"/>
+            <a:ext cx="6096000" cy="3429000"/>
+          </a:xfrm>
+          <a:custGeom>
+            <a:avLst/>
+            <a:gdLst/>
+            <a:ahLst/>
+            <a:cxnLst/>
+            <a:rect l="l" t="t" r="r" b="b"/>
+            <a:pathLst>
+              <a:path w="120000" h="120000" extrusionOk="0">
+                <a:moveTo>
+                  <a:pt x="0" y="0"/>
+                </a:moveTo>
+                <a:lnTo>
+                  <a:pt x="120000" y="0"/>
+                </a:lnTo>
+                <a:lnTo>
+                  <a:pt x="120000" y="120000"/>
+                </a:lnTo>
+                <a:lnTo>
+                  <a:pt x="0" y="120000"/>
+                </a:lnTo>
+                <a:close/>
+              </a:path>
+            </a:pathLst>
+          </a:custGeom>
+        </p:spPr>
+      </p:sp>
+      <p:sp>
+        <p:nvSpPr>
+          <p:cNvPr id="64" name="Google Shape;64;gf6254c5e42_0_5:notes"/>
+          <p:cNvSpPr txBox="1">
+            <a:spLocks noGrp="1"/>
+          </p:cNvSpPr>
+          <p:nvPr>
+            <p:ph type="body" idx="1"/>
+          </p:nvPr>
+        </p:nvSpPr>
+        <p:spPr>
+          <a:xfrm>
+            <a:off x="685800" y="4343400"/>
+            <a:ext cx="5486400" cy="4114800"/>
+          </a:xfrm>
+          <a:prstGeom prst="rect">
+            <a:avLst/>
+          </a:prstGeom>
+        </p:spPr>
+        <p:txBody>
+          <a:bodyPr spcFirstLastPara="1" wrap="square" lIns="91425" tIns="91425" rIns="91425" bIns="91425" anchor="t" anchorCtr="0">
+            <a:noAutofit/>
+          </a:bodyPr>
+          <a:lstStyle/>
+          <a:p>
+            <a:pPr marL="0" lvl="0" indent="0" algn="l" rtl="0">
+              <a:lnSpc>
+                <a:spcPct val="115000"/>
+              </a:lnSpc>
+              <a:spcBef>
+                <a:spcPts val="0"/>
+              </a:spcBef>
+              <a:spcAft>
+                <a:spcPts val="1200"/>
+              </a:spcAft>
+              <a:buClr>
+                <a:schemeClr val="dk1"/>
+              </a:buClr>
+              <a:buSzPts val="1100"/>
+              <a:buFont typeface="Arial"/>
+              <a:buNone/>
+            </a:pPr>
+            <a:r>
+              <a:rPr lang="pt-BR" sz="1800">
+                <a:solidFill>
+                  <a:srgbClr val="595959"/>
+                </a:solidFill>
+              </a:rPr>
+              <a:t>Como resolver o problema ou confirmar/refutar a hipótese?</a:t>
+            </a:r>
+            <a:endParaRPr/>
+          </a:p>
+        </p:txBody>
+      </p:sp>
+    </p:spTree>
+    <p:extLst>
+      <p:ext uri="{BB962C8B-B14F-4D97-AF65-F5344CB8AC3E}">
+        <p14:creationId xmlns:p14="http://schemas.microsoft.com/office/powerpoint/2010/main" val="1233714802"/>
+      </p:ext>
+    </p:extLst>
+  </p:cSld>
+  <p:clrMapOvr>
+    <a:masterClrMapping/>
+  </p:clrMapOvr>
+</p:notes>
+</file>
+
+<file path=ppt/notesSlides/notesSlide13.xml><?xml version="1.0" encoding="utf-8"?>
+<p:notes xmlns:a="http://schemas.openxmlformats.org/drawingml/2006/main" xmlns:r="http://schemas.openxmlformats.org/officeDocument/2006/relationships" xmlns:p="http://schemas.openxmlformats.org/presentationml/2006/main" showMasterSp="0" showMasterPhAnim="0">
+  <p:cSld>
+    <p:spTree>
+      <p:nvGrpSpPr>
+        <p:cNvPr id="1" name="Shape 62"/>
+        <p:cNvGrpSpPr/>
+        <p:nvPr/>
+      </p:nvGrpSpPr>
+      <p:grpSpPr>
+        <a:xfrm>
+          <a:off x="0" y="0"/>
+          <a:ext cx="0" cy="0"/>
+          <a:chOff x="0" y="0"/>
+          <a:chExt cx="0" cy="0"/>
+        </a:xfrm>
+      </p:grpSpPr>
+      <p:sp>
+        <p:nvSpPr>
+          <p:cNvPr id="63" name="Google Shape;63;gf6254c5e42_0_5:notes"/>
+          <p:cNvSpPr>
+            <a:spLocks noGrp="1" noRot="1" noChangeAspect="1"/>
+          </p:cNvSpPr>
+          <p:nvPr>
+            <p:ph type="sldImg" idx="2"/>
+          </p:nvPr>
+        </p:nvSpPr>
+        <p:spPr>
+          <a:xfrm>
+            <a:off x="381000" y="685800"/>
+            <a:ext cx="6096000" cy="3429000"/>
+          </a:xfrm>
+          <a:custGeom>
+            <a:avLst/>
+            <a:gdLst/>
+            <a:ahLst/>
+            <a:cxnLst/>
+            <a:rect l="l" t="t" r="r" b="b"/>
+            <a:pathLst>
+              <a:path w="120000" h="120000" extrusionOk="0">
+                <a:moveTo>
+                  <a:pt x="0" y="0"/>
+                </a:moveTo>
+                <a:lnTo>
+                  <a:pt x="120000" y="0"/>
+                </a:lnTo>
+                <a:lnTo>
+                  <a:pt x="120000" y="120000"/>
+                </a:lnTo>
+                <a:lnTo>
+                  <a:pt x="0" y="120000"/>
+                </a:lnTo>
+                <a:close/>
+              </a:path>
+            </a:pathLst>
+          </a:custGeom>
+        </p:spPr>
+      </p:sp>
+      <p:sp>
+        <p:nvSpPr>
+          <p:cNvPr id="64" name="Google Shape;64;gf6254c5e42_0_5:notes"/>
+          <p:cNvSpPr txBox="1">
+            <a:spLocks noGrp="1"/>
+          </p:cNvSpPr>
+          <p:nvPr>
+            <p:ph type="body" idx="1"/>
+          </p:nvPr>
+        </p:nvSpPr>
+        <p:spPr>
+          <a:xfrm>
+            <a:off x="685800" y="4343400"/>
+            <a:ext cx="5486400" cy="4114800"/>
+          </a:xfrm>
+          <a:prstGeom prst="rect">
+            <a:avLst/>
+          </a:prstGeom>
+        </p:spPr>
+        <p:txBody>
+          <a:bodyPr spcFirstLastPara="1" wrap="square" lIns="91425" tIns="91425" rIns="91425" bIns="91425" anchor="t" anchorCtr="0">
+            <a:noAutofit/>
+          </a:bodyPr>
+          <a:lstStyle/>
+          <a:p>
+            <a:pPr marL="0" lvl="0" indent="0" algn="l" rtl="0">
+              <a:lnSpc>
+                <a:spcPct val="115000"/>
+              </a:lnSpc>
+              <a:spcBef>
+                <a:spcPts val="0"/>
+              </a:spcBef>
+              <a:spcAft>
+                <a:spcPts val="1200"/>
+              </a:spcAft>
+              <a:buClr>
+                <a:schemeClr val="dk1"/>
+              </a:buClr>
+              <a:buSzPts val="1100"/>
+              <a:buFont typeface="Arial"/>
+              <a:buNone/>
+            </a:pPr>
+            <a:r>
+              <a:rPr lang="pt-BR" sz="1800">
+                <a:solidFill>
+                  <a:srgbClr val="595959"/>
+                </a:solidFill>
+              </a:rPr>
+              <a:t>Como resolver o problema ou confirmar/refutar a hipótese?</a:t>
+            </a:r>
+            <a:endParaRPr/>
+          </a:p>
+        </p:txBody>
+      </p:sp>
+    </p:spTree>
+    <p:extLst>
+      <p:ext uri="{BB962C8B-B14F-4D97-AF65-F5344CB8AC3E}">
+        <p14:creationId xmlns:p14="http://schemas.microsoft.com/office/powerpoint/2010/main" val="1773405921"/>
+      </p:ext>
+    </p:extLst>
+  </p:cSld>
+  <p:clrMapOvr>
+    <a:masterClrMapping/>
+  </p:clrMapOvr>
+</p:notes>
+</file>
+
+<file path=ppt/notesSlides/notesSlide14.xml><?xml version="1.0" encoding="utf-8"?>
 <p:notes xmlns:a="http://schemas.openxmlformats.org/drawingml/2006/main" xmlns:r="http://schemas.openxmlformats.org/officeDocument/2006/relationships" xmlns:p="http://schemas.openxmlformats.org/presentationml/2006/main" showMasterSp="0" showMasterPhAnim="0">
   <p:cSld>
     <p:spTree>
@@ -1214,6 +1467,134 @@
     </p:spTree>
     <p:extLst>
       <p:ext uri="{BB962C8B-B14F-4D97-AF65-F5344CB8AC3E}">
+        <p14:creationId xmlns:p14="http://schemas.microsoft.com/office/powerpoint/2010/main" val="2741226580"/>
+      </p:ext>
+    </p:extLst>
+  </p:cSld>
+  <p:clrMapOvr>
+    <a:masterClrMapping/>
+  </p:clrMapOvr>
+</p:notes>
+</file>
+
+<file path=ppt/notesSlides/notesSlide15.xml><?xml version="1.0" encoding="utf-8"?>
+<p:notes xmlns:a="http://schemas.openxmlformats.org/drawingml/2006/main" xmlns:r="http://schemas.openxmlformats.org/officeDocument/2006/relationships" xmlns:p="http://schemas.openxmlformats.org/presentationml/2006/main" showMasterSp="0" showMasterPhAnim="0">
+  <p:cSld>
+    <p:spTree>
+      <p:nvGrpSpPr>
+        <p:cNvPr id="1" name="Shape 80"/>
+        <p:cNvGrpSpPr/>
+        <p:nvPr/>
+      </p:nvGrpSpPr>
+      <p:grpSpPr>
+        <a:xfrm>
+          <a:off x="0" y="0"/>
+          <a:ext cx="0" cy="0"/>
+          <a:chOff x="0" y="0"/>
+          <a:chExt cx="0" cy="0"/>
+        </a:xfrm>
+      </p:grpSpPr>
+      <p:sp>
+        <p:nvSpPr>
+          <p:cNvPr id="81" name="Google Shape;81;gf6254c5e42_0_30:notes"/>
+          <p:cNvSpPr>
+            <a:spLocks noGrp="1" noRot="1" noChangeAspect="1"/>
+          </p:cNvSpPr>
+          <p:nvPr>
+            <p:ph type="sldImg" idx="2"/>
+          </p:nvPr>
+        </p:nvSpPr>
+        <p:spPr>
+          <a:xfrm>
+            <a:off x="381000" y="685800"/>
+            <a:ext cx="6096000" cy="3429000"/>
+          </a:xfrm>
+          <a:custGeom>
+            <a:avLst/>
+            <a:gdLst/>
+            <a:ahLst/>
+            <a:cxnLst/>
+            <a:rect l="l" t="t" r="r" b="b"/>
+            <a:pathLst>
+              <a:path w="120000" h="120000" extrusionOk="0">
+                <a:moveTo>
+                  <a:pt x="0" y="0"/>
+                </a:moveTo>
+                <a:lnTo>
+                  <a:pt x="120000" y="0"/>
+                </a:lnTo>
+                <a:lnTo>
+                  <a:pt x="120000" y="120000"/>
+                </a:lnTo>
+                <a:lnTo>
+                  <a:pt x="0" y="120000"/>
+                </a:lnTo>
+                <a:close/>
+              </a:path>
+            </a:pathLst>
+          </a:custGeom>
+        </p:spPr>
+      </p:sp>
+      <p:sp>
+        <p:nvSpPr>
+          <p:cNvPr id="82" name="Google Shape;82;gf6254c5e42_0_30:notes"/>
+          <p:cNvSpPr txBox="1">
+            <a:spLocks noGrp="1"/>
+          </p:cNvSpPr>
+          <p:nvPr>
+            <p:ph type="body" idx="1"/>
+          </p:nvPr>
+        </p:nvSpPr>
+        <p:spPr>
+          <a:xfrm>
+            <a:off x="685800" y="4343400"/>
+            <a:ext cx="5486400" cy="4114800"/>
+          </a:xfrm>
+          <a:prstGeom prst="rect">
+            <a:avLst/>
+          </a:prstGeom>
+        </p:spPr>
+        <p:txBody>
+          <a:bodyPr spcFirstLastPara="1" wrap="square" lIns="91425" tIns="91425" rIns="91425" bIns="91425" anchor="t" anchorCtr="0">
+            <a:noAutofit/>
+          </a:bodyPr>
+          <a:lstStyle/>
+          <a:p>
+            <a:pPr marL="457200" lvl="0" indent="0" algn="l" rtl="0">
+              <a:lnSpc>
+                <a:spcPct val="115000"/>
+              </a:lnSpc>
+              <a:spcBef>
+                <a:spcPts val="0"/>
+              </a:spcBef>
+              <a:spcAft>
+                <a:spcPts val="1200"/>
+              </a:spcAft>
+              <a:buNone/>
+            </a:pPr>
+            <a:r>
+              <a:rPr lang="pt-BR" sz="1800" dirty="0">
+                <a:solidFill>
+                  <a:srgbClr val="595959"/>
+                </a:solidFill>
+              </a:rPr>
+              <a:t>Link para o </a:t>
+            </a:r>
+            <a:r>
+              <a:rPr lang="pt-BR" sz="1800" dirty="0" err="1">
+                <a:solidFill>
+                  <a:srgbClr val="595959"/>
+                </a:solidFill>
+              </a:rPr>
+              <a:t>github</a:t>
+            </a:r>
+            <a:endParaRPr dirty="0"/>
+          </a:p>
+        </p:txBody>
+      </p:sp>
+    </p:spTree>
+    <p:extLst>
+      <p:ext uri="{BB962C8B-B14F-4D97-AF65-F5344CB8AC3E}">
         <p14:creationId xmlns:p14="http://schemas.microsoft.com/office/powerpoint/2010/main" val="1322711736"/>
       </p:ext>
     </p:extLst>
@@ -1224,7 +1605,7 @@
 </p:notes>
 </file>
 
-<file path=ppt/notesSlides/notesSlide13.xml><?xml version="1.0" encoding="utf-8"?>
+<file path=ppt/notesSlides/notesSlide16.xml><?xml version="1.0" encoding="utf-8"?>
 <p:notes xmlns:a="http://schemas.openxmlformats.org/drawingml/2006/main" xmlns:r="http://schemas.openxmlformats.org/officeDocument/2006/relationships" xmlns:p="http://schemas.openxmlformats.org/presentationml/2006/main" showMasterSp="0" showMasterPhAnim="0">
   <p:cSld>
     <p:spTree>
@@ -1844,7 +2225,7 @@
   <p:cSld>
     <p:spTree>
       <p:nvGrpSpPr>
-        <p:cNvPr id="1" name="Shape 62"/>
+        <p:cNvPr id="1" name="Shape 80"/>
         <p:cNvGrpSpPr/>
         <p:nvPr/>
       </p:nvGrpSpPr>
@@ -1858,7 +2239,7 @@
       </p:grpSpPr>
       <p:sp>
         <p:nvSpPr>
-          <p:cNvPr id="63" name="Google Shape;63;gf6254c5e42_0_5:notes"/>
+          <p:cNvPr id="81" name="Google Shape;81;gf6254c5e42_0_30:notes"/>
           <p:cNvSpPr>
             <a:spLocks noGrp="1" noRot="1" noChangeAspect="1"/>
           </p:cNvSpPr>
@@ -1899,7 +2280,7 @@
       </p:sp>
       <p:sp>
         <p:nvSpPr>
-          <p:cNvPr id="64" name="Google Shape;64;gf6254c5e42_0_5:notes"/>
+          <p:cNvPr id="82" name="Google Shape;82;gf6254c5e42_0_30:notes"/>
           <p:cNvSpPr txBox="1">
             <a:spLocks noGrp="1"/>
           </p:cNvSpPr>
@@ -1922,7 +2303,7 @@
           </a:bodyPr>
           <a:lstStyle/>
           <a:p>
-            <a:pPr marL="0" lvl="0" indent="0" algn="l" rtl="0">
+            <a:pPr marL="457200" lvl="0" indent="0" algn="l" rtl="0">
               <a:lnSpc>
                 <a:spcPct val="115000"/>
               </a:lnSpc>
@@ -1932,11 +2313,6 @@
               <a:spcAft>
                 <a:spcPts val="1200"/>
               </a:spcAft>
-              <a:buClr>
-                <a:schemeClr val="dk1"/>
-              </a:buClr>
-              <a:buSzPts val="1100"/>
-              <a:buFont typeface="Arial"/>
               <a:buNone/>
             </a:pPr>
             <a:r>
@@ -1945,7 +2321,7 @@
                   <a:srgbClr val="595959"/>
                 </a:solidFill>
               </a:rPr>
-              <a:t>Como resolver o problema ou confirmar/refutar a hipótese?</a:t>
+              <a:t>Link para o github</a:t>
             </a:r>
             <a:endParaRPr/>
           </a:p>
@@ -1954,7 +2330,7 @@
     </p:spTree>
     <p:extLst>
       <p:ext uri="{BB962C8B-B14F-4D97-AF65-F5344CB8AC3E}">
-        <p14:creationId xmlns:p14="http://schemas.microsoft.com/office/powerpoint/2010/main" val="719695612"/>
+        <p14:creationId xmlns:p14="http://schemas.microsoft.com/office/powerpoint/2010/main" val="2968369957"/>
       </p:ext>
     </p:extLst>
   </p:cSld>
@@ -1965,6 +2341,126 @@
 </file>
 
 <file path=ppt/notesSlides/notesSlide7.xml><?xml version="1.0" encoding="utf-8"?>
+<p:notes xmlns:a="http://schemas.openxmlformats.org/drawingml/2006/main" xmlns:r="http://schemas.openxmlformats.org/officeDocument/2006/relationships" xmlns:p="http://schemas.openxmlformats.org/presentationml/2006/main" showMasterSp="0" showMasterPhAnim="0">
+  <p:cSld>
+    <p:spTree>
+      <p:nvGrpSpPr>
+        <p:cNvPr id="1" name="Shape 80"/>
+        <p:cNvGrpSpPr/>
+        <p:nvPr/>
+      </p:nvGrpSpPr>
+      <p:grpSpPr>
+        <a:xfrm>
+          <a:off x="0" y="0"/>
+          <a:ext cx="0" cy="0"/>
+          <a:chOff x="0" y="0"/>
+          <a:chExt cx="0" cy="0"/>
+        </a:xfrm>
+      </p:grpSpPr>
+      <p:sp>
+        <p:nvSpPr>
+          <p:cNvPr id="81" name="Google Shape;81;gf6254c5e42_0_30:notes"/>
+          <p:cNvSpPr>
+            <a:spLocks noGrp="1" noRot="1" noChangeAspect="1"/>
+          </p:cNvSpPr>
+          <p:nvPr>
+            <p:ph type="sldImg" idx="2"/>
+          </p:nvPr>
+        </p:nvSpPr>
+        <p:spPr>
+          <a:xfrm>
+            <a:off x="381000" y="685800"/>
+            <a:ext cx="6096000" cy="3429000"/>
+          </a:xfrm>
+          <a:custGeom>
+            <a:avLst/>
+            <a:gdLst/>
+            <a:ahLst/>
+            <a:cxnLst/>
+            <a:rect l="l" t="t" r="r" b="b"/>
+            <a:pathLst>
+              <a:path w="120000" h="120000" extrusionOk="0">
+                <a:moveTo>
+                  <a:pt x="0" y="0"/>
+                </a:moveTo>
+                <a:lnTo>
+                  <a:pt x="120000" y="0"/>
+                </a:lnTo>
+                <a:lnTo>
+                  <a:pt x="120000" y="120000"/>
+                </a:lnTo>
+                <a:lnTo>
+                  <a:pt x="0" y="120000"/>
+                </a:lnTo>
+                <a:close/>
+              </a:path>
+            </a:pathLst>
+          </a:custGeom>
+        </p:spPr>
+      </p:sp>
+      <p:sp>
+        <p:nvSpPr>
+          <p:cNvPr id="82" name="Google Shape;82;gf6254c5e42_0_30:notes"/>
+          <p:cNvSpPr txBox="1">
+            <a:spLocks noGrp="1"/>
+          </p:cNvSpPr>
+          <p:nvPr>
+            <p:ph type="body" idx="1"/>
+          </p:nvPr>
+        </p:nvSpPr>
+        <p:spPr>
+          <a:xfrm>
+            <a:off x="685800" y="4343400"/>
+            <a:ext cx="5486400" cy="4114800"/>
+          </a:xfrm>
+          <a:prstGeom prst="rect">
+            <a:avLst/>
+          </a:prstGeom>
+        </p:spPr>
+        <p:txBody>
+          <a:bodyPr spcFirstLastPara="1" wrap="square" lIns="91425" tIns="91425" rIns="91425" bIns="91425" anchor="t" anchorCtr="0">
+            <a:noAutofit/>
+          </a:bodyPr>
+          <a:lstStyle/>
+          <a:p>
+            <a:pPr marL="457200" lvl="0" indent="0" algn="l" rtl="0">
+              <a:lnSpc>
+                <a:spcPct val="115000"/>
+              </a:lnSpc>
+              <a:spcBef>
+                <a:spcPts val="0"/>
+              </a:spcBef>
+              <a:spcAft>
+                <a:spcPts val="1200"/>
+              </a:spcAft>
+              <a:buNone/>
+            </a:pPr>
+            <a:r>
+              <a:rPr lang="pt-BR" sz="1800">
+                <a:solidFill>
+                  <a:srgbClr val="595959"/>
+                </a:solidFill>
+              </a:rPr>
+              <a:t>Link para o github</a:t>
+            </a:r>
+            <a:endParaRPr/>
+          </a:p>
+        </p:txBody>
+      </p:sp>
+    </p:spTree>
+    <p:extLst>
+      <p:ext uri="{BB962C8B-B14F-4D97-AF65-F5344CB8AC3E}">
+        <p14:creationId xmlns:p14="http://schemas.microsoft.com/office/powerpoint/2010/main" val="3642898346"/>
+      </p:ext>
+    </p:extLst>
+  </p:cSld>
+  <p:clrMapOvr>
+    <a:masterClrMapping/>
+  </p:clrMapOvr>
+</p:notes>
+</file>
+
+<file path=ppt/notesSlides/notesSlide8.xml><?xml version="1.0" encoding="utf-8"?>
 <p:notes xmlns:a="http://schemas.openxmlformats.org/drawingml/2006/main" xmlns:r="http://schemas.openxmlformats.org/officeDocument/2006/relationships" xmlns:p="http://schemas.openxmlformats.org/presentationml/2006/main" showMasterSp="0" showMasterPhAnim="0">
   <p:cSld>
     <p:spTree>
@@ -2079,135 +2575,7 @@
     </p:spTree>
     <p:extLst>
       <p:ext uri="{BB962C8B-B14F-4D97-AF65-F5344CB8AC3E}">
-        <p14:creationId xmlns:p14="http://schemas.microsoft.com/office/powerpoint/2010/main" val="3549758629"/>
-      </p:ext>
-    </p:extLst>
-  </p:cSld>
-  <p:clrMapOvr>
-    <a:masterClrMapping/>
-  </p:clrMapOvr>
-</p:notes>
-</file>
-
-<file path=ppt/notesSlides/notesSlide8.xml><?xml version="1.0" encoding="utf-8"?>
-<p:notes xmlns:a="http://schemas.openxmlformats.org/drawingml/2006/main" xmlns:r="http://schemas.openxmlformats.org/officeDocument/2006/relationships" xmlns:p="http://schemas.openxmlformats.org/presentationml/2006/main" showMasterSp="0" showMasterPhAnim="0">
-  <p:cSld>
-    <p:spTree>
-      <p:nvGrpSpPr>
-        <p:cNvPr id="1" name="Shape 80"/>
-        <p:cNvGrpSpPr/>
-        <p:nvPr/>
-      </p:nvGrpSpPr>
-      <p:grpSpPr>
-        <a:xfrm>
-          <a:off x="0" y="0"/>
-          <a:ext cx="0" cy="0"/>
-          <a:chOff x="0" y="0"/>
-          <a:chExt cx="0" cy="0"/>
-        </a:xfrm>
-      </p:grpSpPr>
-      <p:sp>
-        <p:nvSpPr>
-          <p:cNvPr id="81" name="Google Shape;81;gf6254c5e42_0_30:notes"/>
-          <p:cNvSpPr>
-            <a:spLocks noGrp="1" noRot="1" noChangeAspect="1"/>
-          </p:cNvSpPr>
-          <p:nvPr>
-            <p:ph type="sldImg" idx="2"/>
-          </p:nvPr>
-        </p:nvSpPr>
-        <p:spPr>
-          <a:xfrm>
-            <a:off x="381000" y="685800"/>
-            <a:ext cx="6096000" cy="3429000"/>
-          </a:xfrm>
-          <a:custGeom>
-            <a:avLst/>
-            <a:gdLst/>
-            <a:ahLst/>
-            <a:cxnLst/>
-            <a:rect l="l" t="t" r="r" b="b"/>
-            <a:pathLst>
-              <a:path w="120000" h="120000" extrusionOk="0">
-                <a:moveTo>
-                  <a:pt x="0" y="0"/>
-                </a:moveTo>
-                <a:lnTo>
-                  <a:pt x="120000" y="0"/>
-                </a:lnTo>
-                <a:lnTo>
-                  <a:pt x="120000" y="120000"/>
-                </a:lnTo>
-                <a:lnTo>
-                  <a:pt x="0" y="120000"/>
-                </a:lnTo>
-                <a:close/>
-              </a:path>
-            </a:pathLst>
-          </a:custGeom>
-        </p:spPr>
-      </p:sp>
-      <p:sp>
-        <p:nvSpPr>
-          <p:cNvPr id="82" name="Google Shape;82;gf6254c5e42_0_30:notes"/>
-          <p:cNvSpPr txBox="1">
-            <a:spLocks noGrp="1"/>
-          </p:cNvSpPr>
-          <p:nvPr>
-            <p:ph type="body" idx="1"/>
-          </p:nvPr>
-        </p:nvSpPr>
-        <p:spPr>
-          <a:xfrm>
-            <a:off x="685800" y="4343400"/>
-            <a:ext cx="5486400" cy="4114800"/>
-          </a:xfrm>
-          <a:prstGeom prst="rect">
-            <a:avLst/>
-          </a:prstGeom>
-        </p:spPr>
-        <p:txBody>
-          <a:bodyPr spcFirstLastPara="1" wrap="square" lIns="91425" tIns="91425" rIns="91425" bIns="91425" anchor="t" anchorCtr="0">
-            <a:noAutofit/>
-          </a:bodyPr>
-          <a:lstStyle/>
-          <a:p>
-            <a:pPr marL="457200" lvl="0" indent="0" algn="l" rtl="0">
-              <a:lnSpc>
-                <a:spcPct val="115000"/>
-              </a:lnSpc>
-              <a:spcBef>
-                <a:spcPts val="0"/>
-              </a:spcBef>
-              <a:spcAft>
-                <a:spcPts val="1200"/>
-              </a:spcAft>
-              <a:buNone/>
-            </a:pPr>
-            <a:r>
-              <a:rPr lang="pt-BR" sz="1800" dirty="0">
-                <a:solidFill>
-                  <a:srgbClr val="595959"/>
-                </a:solidFill>
-              </a:rPr>
-              <a:t>Link para o </a:t>
-            </a:r>
-            <a:r>
-              <a:rPr lang="pt-BR" sz="1800" dirty="0" err="1">
-                <a:solidFill>
-                  <a:srgbClr val="595959"/>
-                </a:solidFill>
-              </a:rPr>
-              <a:t>github</a:t>
-            </a:r>
-            <a:endParaRPr dirty="0"/>
-          </a:p>
-        </p:txBody>
-      </p:sp>
-    </p:spTree>
-    <p:extLst>
-      <p:ext uri="{BB962C8B-B14F-4D97-AF65-F5344CB8AC3E}">
-        <p14:creationId xmlns:p14="http://schemas.microsoft.com/office/powerpoint/2010/main" val="3534913263"/>
+        <p14:creationId xmlns:p14="http://schemas.microsoft.com/office/powerpoint/2010/main" val="719695612"/>
       </p:ext>
     </p:extLst>
   </p:cSld>
@@ -2332,7 +2700,7 @@
     </p:spTree>
     <p:extLst>
       <p:ext uri="{BB962C8B-B14F-4D97-AF65-F5344CB8AC3E}">
-        <p14:creationId xmlns:p14="http://schemas.microsoft.com/office/powerpoint/2010/main" val="1233714802"/>
+        <p14:creationId xmlns:p14="http://schemas.microsoft.com/office/powerpoint/2010/main" val="3549758629"/>
       </p:ext>
     </p:extLst>
   </p:cSld>
@@ -7305,6 +7673,1060 @@
       </p:grpSpPr>
       <p:sp>
         <p:nvSpPr>
+          <p:cNvPr id="66" name="Google Shape;66;p15"/>
+          <p:cNvSpPr txBox="1">
+            <a:spLocks noGrp="1"/>
+          </p:cNvSpPr>
+          <p:nvPr>
+            <p:ph type="title"/>
+          </p:nvPr>
+        </p:nvSpPr>
+        <p:spPr>
+          <a:xfrm>
+            <a:off x="311700" y="184537"/>
+            <a:ext cx="8520600" cy="572700"/>
+          </a:xfrm>
+          <a:prstGeom prst="rect">
+            <a:avLst/>
+          </a:prstGeom>
+        </p:spPr>
+        <p:txBody>
+          <a:bodyPr spcFirstLastPara="1" wrap="square" lIns="91425" tIns="91425" rIns="91425" bIns="91425" anchor="t" anchorCtr="0">
+            <a:normAutofit/>
+          </a:bodyPr>
+          <a:lstStyle/>
+          <a:p>
+            <a:pPr marL="0" lvl="0" indent="0" algn="l" rtl="0">
+              <a:spcBef>
+                <a:spcPts val="0"/>
+              </a:spcBef>
+              <a:spcAft>
+                <a:spcPts val="0"/>
+              </a:spcAft>
+              <a:buNone/>
+            </a:pPr>
+            <a:r>
+              <a:rPr lang="pt-BR" sz="1800" b="0" i="0" u="none" strike="noStrike" dirty="0">
+                <a:solidFill>
+                  <a:srgbClr val="000000"/>
+                </a:solidFill>
+                <a:effectLst/>
+                <a:latin typeface="Arial" panose="020B0604020202020204" pitchFamily="34" charset="0"/>
+              </a:rPr>
+              <a:t>Resultados – desvio padrão</a:t>
+            </a:r>
+            <a:endParaRPr dirty="0"/>
+          </a:p>
+        </p:txBody>
+      </p:sp>
+      <p:sp>
+        <p:nvSpPr>
+          <p:cNvPr id="10" name="CaixaDeTexto 9">
+            <a:extLst>
+              <a:ext uri="{FF2B5EF4-FFF2-40B4-BE49-F238E27FC236}">
+                <a16:creationId xmlns:a16="http://schemas.microsoft.com/office/drawing/2014/main" id="{036912C7-4207-42EA-A8D1-740352B81A98}"/>
+              </a:ext>
+            </a:extLst>
+          </p:cNvPr>
+          <p:cNvSpPr txBox="1"/>
+          <p:nvPr/>
+        </p:nvSpPr>
+        <p:spPr>
+          <a:xfrm>
+            <a:off x="1205653" y="4548824"/>
+            <a:ext cx="6532034" cy="246221"/>
+          </a:xfrm>
+          <a:prstGeom prst="rect">
+            <a:avLst/>
+          </a:prstGeom>
+          <a:noFill/>
+        </p:spPr>
+        <p:txBody>
+          <a:bodyPr wrap="square">
+            <a:spAutoFit/>
+          </a:bodyPr>
+          <a:lstStyle/>
+          <a:p>
+            <a:r>
+              <a:rPr lang="pt-BR" sz="1000" b="0" i="0" u="none" strike="noStrike" dirty="0">
+                <a:solidFill>
+                  <a:srgbClr val="000000"/>
+                </a:solidFill>
+                <a:effectLst/>
+                <a:latin typeface="Arial" panose="020B0604020202020204" pitchFamily="34" charset="0"/>
+              </a:rPr>
+              <a:t>Gráfico 2 - Desvio padrão da métrica DG:nDCG@10 para vários mecanismos de busca e tipos de ruído</a:t>
+            </a:r>
+          </a:p>
+        </p:txBody>
+      </p:sp>
+      <p:pic>
+        <p:nvPicPr>
+          <p:cNvPr id="2050" name="Picture 2">
+            <a:extLst>
+              <a:ext uri="{FF2B5EF4-FFF2-40B4-BE49-F238E27FC236}">
+                <a16:creationId xmlns:a16="http://schemas.microsoft.com/office/drawing/2014/main" id="{9C016946-5753-4C60-87DC-8DF48CB1C8B7}"/>
+              </a:ext>
+            </a:extLst>
+          </p:cNvPr>
+          <p:cNvPicPr>
+            <a:picLocks noChangeAspect="1" noChangeArrowheads="1"/>
+          </p:cNvPicPr>
+          <p:nvPr/>
+        </p:nvPicPr>
+        <p:blipFill>
+          <a:blip r:embed="rId3">
+            <a:extLst>
+              <a:ext uri="{28A0092B-C50C-407E-A947-70E740481C1C}">
+                <a14:useLocalDpi xmlns:a14="http://schemas.microsoft.com/office/drawing/2010/main" val="0"/>
+              </a:ext>
+            </a:extLst>
+          </a:blip>
+          <a:srcRect/>
+          <a:stretch>
+            <a:fillRect/>
+          </a:stretch>
+        </p:blipFill>
+        <p:spPr bwMode="auto">
+          <a:xfrm>
+            <a:off x="1276350" y="789092"/>
+            <a:ext cx="6591300" cy="3619500"/>
+          </a:xfrm>
+          <a:prstGeom prst="rect">
+            <a:avLst/>
+          </a:prstGeom>
+          <a:noFill/>
+          <a:extLst>
+            <a:ext uri="{909E8E84-426E-40DD-AFC4-6F175D3DCCD1}">
+              <a14:hiddenFill xmlns:a14="http://schemas.microsoft.com/office/drawing/2010/main">
+                <a:solidFill>
+                  <a:srgbClr val="FFFFFF"/>
+                </a:solidFill>
+              </a14:hiddenFill>
+            </a:ext>
+          </a:extLst>
+        </p:spPr>
+      </p:pic>
+      <p:sp>
+        <p:nvSpPr>
+          <p:cNvPr id="8" name="CaixaDeTexto 7">
+            <a:extLst>
+              <a:ext uri="{FF2B5EF4-FFF2-40B4-BE49-F238E27FC236}">
+                <a16:creationId xmlns:a16="http://schemas.microsoft.com/office/drawing/2014/main" id="{B79F18CC-73FC-470A-AE29-83756A94540A}"/>
+              </a:ext>
+            </a:extLst>
+          </p:cNvPr>
+          <p:cNvSpPr txBox="1"/>
+          <p:nvPr/>
+        </p:nvSpPr>
+        <p:spPr>
+          <a:xfrm>
+            <a:off x="3830194" y="263017"/>
+            <a:ext cx="5002106" cy="307777"/>
+          </a:xfrm>
+          <a:prstGeom prst="rect">
+            <a:avLst/>
+          </a:prstGeom>
+          <a:noFill/>
+        </p:spPr>
+        <p:txBody>
+          <a:bodyPr wrap="square">
+            <a:spAutoFit/>
+          </a:bodyPr>
+          <a:lstStyle/>
+          <a:p>
+            <a:pPr algn="just" rtl="0">
+              <a:spcBef>
+                <a:spcPts val="946"/>
+              </a:spcBef>
+              <a:spcAft>
+                <a:spcPts val="0"/>
+              </a:spcAft>
+            </a:pPr>
+            <a:r>
+              <a:rPr lang="pt-BR" sz="1400" b="0" i="0" u="none" strike="noStrike" dirty="0">
+                <a:solidFill>
+                  <a:schemeClr val="accent1">
+                    <a:lumMod val="40000"/>
+                    <a:lumOff val="60000"/>
+                  </a:schemeClr>
+                </a:solidFill>
+                <a:effectLst/>
+                <a:latin typeface="Arial" panose="020B0604020202020204" pitchFamily="34" charset="0"/>
+              </a:rPr>
+              <a:t>Os ruídos de permutação obtiveram uma variação menor</a:t>
+            </a:r>
+            <a:endParaRPr lang="pt-BR" b="0" dirty="0">
+              <a:solidFill>
+                <a:schemeClr val="accent1">
+                  <a:lumMod val="40000"/>
+                  <a:lumOff val="60000"/>
+                </a:schemeClr>
+              </a:solidFill>
+              <a:effectLst/>
+            </a:endParaRPr>
+          </a:p>
+        </p:txBody>
+      </p:sp>
+      <p:sp>
+        <p:nvSpPr>
+          <p:cNvPr id="11" name="CaixaDeTexto 10">
+            <a:extLst>
+              <a:ext uri="{FF2B5EF4-FFF2-40B4-BE49-F238E27FC236}">
+                <a16:creationId xmlns:a16="http://schemas.microsoft.com/office/drawing/2014/main" id="{93F529A4-7E61-4178-B0D0-8019B165B97A}"/>
+              </a:ext>
+            </a:extLst>
+          </p:cNvPr>
+          <p:cNvSpPr txBox="1"/>
+          <p:nvPr/>
+        </p:nvSpPr>
+        <p:spPr>
+          <a:xfrm>
+            <a:off x="369147" y="3148762"/>
+            <a:ext cx="3674533" cy="523220"/>
+          </a:xfrm>
+          <a:prstGeom prst="rect">
+            <a:avLst/>
+          </a:prstGeom>
+          <a:noFill/>
+        </p:spPr>
+        <p:txBody>
+          <a:bodyPr wrap="square">
+            <a:spAutoFit/>
+          </a:bodyPr>
+          <a:lstStyle/>
+          <a:p>
+            <a:r>
+              <a:rPr lang="pt-BR" sz="1400" b="0" i="0" u="none" strike="noStrike" dirty="0" err="1">
+                <a:solidFill>
+                  <a:schemeClr val="accent1">
+                    <a:lumMod val="75000"/>
+                  </a:schemeClr>
+                </a:solidFill>
+                <a:effectLst/>
+                <a:latin typeface="Arial" panose="020B0604020202020204" pitchFamily="34" charset="0"/>
+              </a:rPr>
+              <a:t>Rerank</a:t>
+            </a:r>
+            <a:r>
+              <a:rPr lang="pt-BR" sz="1400" b="0" i="0" u="none" strike="noStrike" dirty="0">
+                <a:solidFill>
+                  <a:schemeClr val="accent1">
+                    <a:lumMod val="75000"/>
+                  </a:schemeClr>
+                </a:solidFill>
+                <a:effectLst/>
+                <a:latin typeface="Arial" panose="020B0604020202020204" pitchFamily="34" charset="0"/>
+              </a:rPr>
+              <a:t> na base em português com valores em média menores (exceção permutação)</a:t>
+            </a:r>
+            <a:endParaRPr lang="pt-BR" dirty="0"/>
+          </a:p>
+        </p:txBody>
+      </p:sp>
+      <p:sp>
+        <p:nvSpPr>
+          <p:cNvPr id="18" name="Raio 17">
+            <a:extLst>
+              <a:ext uri="{FF2B5EF4-FFF2-40B4-BE49-F238E27FC236}">
+                <a16:creationId xmlns:a16="http://schemas.microsoft.com/office/drawing/2014/main" id="{CBB2534A-3BBE-4696-8938-66B4436F15DB}"/>
+              </a:ext>
+            </a:extLst>
+          </p:cNvPr>
+          <p:cNvSpPr/>
+          <p:nvPr/>
+        </p:nvSpPr>
+        <p:spPr>
+          <a:xfrm rot="2360120">
+            <a:off x="6051561" y="516270"/>
+            <a:ext cx="233930" cy="206216"/>
+          </a:xfrm>
+          <a:prstGeom prst="lightningBolt">
+            <a:avLst/>
+          </a:prstGeom>
+          <a:noFill/>
+          <a:ln>
+            <a:gradFill>
+              <a:gsLst>
+                <a:gs pos="0">
+                  <a:schemeClr val="accent1">
+                    <a:lumMod val="5000"/>
+                    <a:lumOff val="95000"/>
+                  </a:schemeClr>
+                </a:gs>
+                <a:gs pos="74000">
+                  <a:schemeClr val="accent1">
+                    <a:lumMod val="45000"/>
+                    <a:lumOff val="55000"/>
+                  </a:schemeClr>
+                </a:gs>
+                <a:gs pos="83000">
+                  <a:schemeClr val="accent1">
+                    <a:lumMod val="45000"/>
+                    <a:lumOff val="55000"/>
+                  </a:schemeClr>
+                </a:gs>
+                <a:gs pos="100000">
+                  <a:schemeClr val="accent1">
+                    <a:lumMod val="30000"/>
+                    <a:lumOff val="70000"/>
+                  </a:schemeClr>
+                </a:gs>
+              </a:gsLst>
+              <a:lin ang="5400000" scaled="1"/>
+            </a:gradFill>
+          </a:ln>
+        </p:spPr>
+        <p:style>
+          <a:lnRef idx="2">
+            <a:schemeClr val="accent1">
+              <a:shade val="50000"/>
+            </a:schemeClr>
+          </a:lnRef>
+          <a:fillRef idx="1">
+            <a:schemeClr val="accent1"/>
+          </a:fillRef>
+          <a:effectRef idx="0">
+            <a:schemeClr val="accent1"/>
+          </a:effectRef>
+          <a:fontRef idx="minor">
+            <a:schemeClr val="lt1"/>
+          </a:fontRef>
+        </p:style>
+        <p:txBody>
+          <a:bodyPr rtlCol="0" anchor="ctr"/>
+          <a:lstStyle/>
+          <a:p>
+            <a:pPr algn="ctr"/>
+            <a:endParaRPr lang="pt-BR">
+              <a:solidFill>
+                <a:schemeClr val="accent1">
+                  <a:lumMod val="40000"/>
+                  <a:lumOff val="60000"/>
+                </a:schemeClr>
+              </a:solidFill>
+            </a:endParaRPr>
+          </a:p>
+        </p:txBody>
+      </p:sp>
+      <p:sp>
+        <p:nvSpPr>
+          <p:cNvPr id="19" name="Raio 18">
+            <a:extLst>
+              <a:ext uri="{FF2B5EF4-FFF2-40B4-BE49-F238E27FC236}">
+                <a16:creationId xmlns:a16="http://schemas.microsoft.com/office/drawing/2014/main" id="{1D196E81-0ADC-4F9F-804C-418B5116FE67}"/>
+              </a:ext>
+            </a:extLst>
+          </p:cNvPr>
+          <p:cNvSpPr/>
+          <p:nvPr/>
+        </p:nvSpPr>
+        <p:spPr>
+          <a:xfrm rot="14990906">
+            <a:off x="2910651" y="2533801"/>
+            <a:ext cx="181364" cy="699367"/>
+          </a:xfrm>
+          <a:prstGeom prst="lightningBolt">
+            <a:avLst/>
+          </a:prstGeom>
+          <a:gradFill>
+            <a:gsLst>
+              <a:gs pos="0">
+                <a:schemeClr val="accent1">
+                  <a:lumMod val="5000"/>
+                  <a:lumOff val="95000"/>
+                </a:schemeClr>
+              </a:gs>
+              <a:gs pos="74000">
+                <a:schemeClr val="accent1">
+                  <a:lumMod val="45000"/>
+                  <a:lumOff val="55000"/>
+                </a:schemeClr>
+              </a:gs>
+              <a:gs pos="83000">
+                <a:schemeClr val="accent1">
+                  <a:lumMod val="45000"/>
+                  <a:lumOff val="55000"/>
+                </a:schemeClr>
+              </a:gs>
+              <a:gs pos="100000">
+                <a:schemeClr val="accent1">
+                  <a:lumMod val="30000"/>
+                  <a:lumOff val="70000"/>
+                </a:schemeClr>
+              </a:gs>
+            </a:gsLst>
+            <a:lin ang="5400000" scaled="1"/>
+          </a:gradFill>
+        </p:spPr>
+        <p:style>
+          <a:lnRef idx="2">
+            <a:schemeClr val="accent1">
+              <a:shade val="50000"/>
+            </a:schemeClr>
+          </a:lnRef>
+          <a:fillRef idx="1">
+            <a:schemeClr val="accent1"/>
+          </a:fillRef>
+          <a:effectRef idx="0">
+            <a:schemeClr val="accent1"/>
+          </a:effectRef>
+          <a:fontRef idx="minor">
+            <a:schemeClr val="lt1"/>
+          </a:fontRef>
+        </p:style>
+        <p:txBody>
+          <a:bodyPr rtlCol="0" anchor="ctr"/>
+          <a:lstStyle/>
+          <a:p>
+            <a:pPr algn="ctr"/>
+            <a:endParaRPr lang="pt-BR"/>
+          </a:p>
+        </p:txBody>
+      </p:sp>
+    </p:spTree>
+    <p:extLst>
+      <p:ext uri="{BB962C8B-B14F-4D97-AF65-F5344CB8AC3E}">
+        <p14:creationId xmlns:p14="http://schemas.microsoft.com/office/powerpoint/2010/main" val="59361163"/>
+      </p:ext>
+    </p:extLst>
+  </p:cSld>
+  <p:clrMapOvr>
+    <a:masterClrMapping/>
+  </p:clrMapOvr>
+</p:sld>
+</file>
+
+<file path=ppt/slides/slide11.xml><?xml version="1.0" encoding="utf-8"?>
+<p:sld xmlns:a="http://schemas.openxmlformats.org/drawingml/2006/main" xmlns:r="http://schemas.openxmlformats.org/officeDocument/2006/relationships" xmlns:p="http://schemas.openxmlformats.org/presentationml/2006/main">
+  <p:cSld>
+    <p:spTree>
+      <p:nvGrpSpPr>
+        <p:cNvPr id="1" name="Shape 83"/>
+        <p:cNvGrpSpPr/>
+        <p:nvPr/>
+      </p:nvGrpSpPr>
+      <p:grpSpPr>
+        <a:xfrm>
+          <a:off x="0" y="0"/>
+          <a:ext cx="0" cy="0"/>
+          <a:chOff x="0" y="0"/>
+          <a:chExt cx="0" cy="0"/>
+        </a:xfrm>
+      </p:grpSpPr>
+      <p:sp>
+        <p:nvSpPr>
+          <p:cNvPr id="84" name="Google Shape;84;p18"/>
+          <p:cNvSpPr txBox="1">
+            <a:spLocks noGrp="1"/>
+          </p:cNvSpPr>
+          <p:nvPr>
+            <p:ph type="title"/>
+          </p:nvPr>
+        </p:nvSpPr>
+        <p:spPr>
+          <a:xfrm>
+            <a:off x="0" y="0"/>
+            <a:ext cx="8520600" cy="572700"/>
+          </a:xfrm>
+          <a:prstGeom prst="rect">
+            <a:avLst/>
+          </a:prstGeom>
+        </p:spPr>
+        <p:txBody>
+          <a:bodyPr spcFirstLastPara="1" wrap="square" lIns="91425" tIns="91425" rIns="91425" bIns="91425" anchor="t" anchorCtr="0">
+            <a:normAutofit/>
+          </a:bodyPr>
+          <a:lstStyle/>
+          <a:p>
+            <a:pPr marL="0" lvl="0" indent="0" algn="l" rtl="0">
+              <a:spcBef>
+                <a:spcPts val="0"/>
+              </a:spcBef>
+              <a:spcAft>
+                <a:spcPts val="0"/>
+              </a:spcAft>
+              <a:buNone/>
+            </a:pPr>
+            <a:r>
+              <a:rPr lang="pt-BR" sz="1800" dirty="0"/>
+              <a:t>Resultados</a:t>
+            </a:r>
+            <a:endParaRPr lang="pt-BR" sz="1400" dirty="0"/>
+          </a:p>
+        </p:txBody>
+      </p:sp>
+      <p:sp>
+        <p:nvSpPr>
+          <p:cNvPr id="8" name="CaixaDeTexto 7">
+            <a:extLst>
+              <a:ext uri="{FF2B5EF4-FFF2-40B4-BE49-F238E27FC236}">
+                <a16:creationId xmlns:a16="http://schemas.microsoft.com/office/drawing/2014/main" id="{5DC8DAA4-86BC-4CE5-9CE1-E2BD60C8804D}"/>
+              </a:ext>
+            </a:extLst>
+          </p:cNvPr>
+          <p:cNvSpPr txBox="1"/>
+          <p:nvPr/>
+        </p:nvSpPr>
+        <p:spPr>
+          <a:xfrm>
+            <a:off x="986291" y="4805758"/>
+            <a:ext cx="6663267" cy="246221"/>
+          </a:xfrm>
+          <a:prstGeom prst="rect">
+            <a:avLst/>
+          </a:prstGeom>
+          <a:noFill/>
+        </p:spPr>
+        <p:txBody>
+          <a:bodyPr wrap="square">
+            <a:spAutoFit/>
+          </a:bodyPr>
+          <a:lstStyle/>
+          <a:p>
+            <a:r>
+              <a:rPr lang="pt-BR" sz="1000" b="0" i="0" u="none" strike="noStrike" dirty="0">
+                <a:solidFill>
+                  <a:srgbClr val="000000"/>
+                </a:solidFill>
+                <a:effectLst/>
+                <a:latin typeface="Arial" panose="020B0604020202020204" pitchFamily="34" charset="0"/>
+              </a:rPr>
+              <a:t>Gráfico 5 - Correlação = 0.166  entre quantidade de tokens e DG para contexto </a:t>
+            </a:r>
+            <a:r>
+              <a:rPr lang="pt-BR" sz="1000" b="0" i="0" u="none" strike="noStrike" dirty="0" err="1">
+                <a:solidFill>
+                  <a:srgbClr val="000000"/>
+                </a:solidFill>
+                <a:effectLst/>
+                <a:latin typeface="Arial" panose="020B0604020202020204" pitchFamily="34" charset="0"/>
+              </a:rPr>
+              <a:t>en-judment-DPR:facebook-nq-base</a:t>
+            </a:r>
+            <a:endParaRPr lang="pt-BR" sz="1000" dirty="0"/>
+          </a:p>
+        </p:txBody>
+      </p:sp>
+      <p:pic>
+        <p:nvPicPr>
+          <p:cNvPr id="6146" name="Picture 2">
+            <a:extLst>
+              <a:ext uri="{FF2B5EF4-FFF2-40B4-BE49-F238E27FC236}">
+                <a16:creationId xmlns:a16="http://schemas.microsoft.com/office/drawing/2014/main" id="{4C81C5B7-C487-4793-AB9F-F12F9891A020}"/>
+              </a:ext>
+            </a:extLst>
+          </p:cNvPr>
+          <p:cNvPicPr>
+            <a:picLocks noChangeAspect="1" noChangeArrowheads="1"/>
+          </p:cNvPicPr>
+          <p:nvPr/>
+        </p:nvPicPr>
+        <p:blipFill>
+          <a:blip r:embed="rId3">
+            <a:extLst>
+              <a:ext uri="{28A0092B-C50C-407E-A947-70E740481C1C}">
+                <a14:useLocalDpi xmlns:a14="http://schemas.microsoft.com/office/drawing/2010/main" val="0"/>
+              </a:ext>
+            </a:extLst>
+          </a:blip>
+          <a:srcRect/>
+          <a:stretch>
+            <a:fillRect/>
+          </a:stretch>
+        </p:blipFill>
+        <p:spPr bwMode="auto">
+          <a:xfrm>
+            <a:off x="1761067" y="214631"/>
+            <a:ext cx="4524586" cy="4524586"/>
+          </a:xfrm>
+          <a:prstGeom prst="rect">
+            <a:avLst/>
+          </a:prstGeom>
+          <a:noFill/>
+          <a:extLst>
+            <a:ext uri="{909E8E84-426E-40DD-AFC4-6F175D3DCCD1}">
+              <a14:hiddenFill xmlns:a14="http://schemas.microsoft.com/office/drawing/2010/main">
+                <a:solidFill>
+                  <a:srgbClr val="FFFFFF"/>
+                </a:solidFill>
+              </a14:hiddenFill>
+            </a:ext>
+          </a:extLst>
+        </p:spPr>
+      </p:pic>
+      <p:sp>
+        <p:nvSpPr>
+          <p:cNvPr id="6" name="CaixaDeTexto 5">
+            <a:extLst>
+              <a:ext uri="{FF2B5EF4-FFF2-40B4-BE49-F238E27FC236}">
+                <a16:creationId xmlns:a16="http://schemas.microsoft.com/office/drawing/2014/main" id="{445DDD42-C533-40B1-94B4-F57542F099A9}"/>
+              </a:ext>
+            </a:extLst>
+          </p:cNvPr>
+          <p:cNvSpPr txBox="1"/>
+          <p:nvPr/>
+        </p:nvSpPr>
+        <p:spPr>
+          <a:xfrm>
+            <a:off x="5083387" y="331464"/>
+            <a:ext cx="4599092" cy="307777"/>
+          </a:xfrm>
+          <a:prstGeom prst="rect">
+            <a:avLst/>
+          </a:prstGeom>
+          <a:noFill/>
+        </p:spPr>
+        <p:txBody>
+          <a:bodyPr wrap="square">
+            <a:spAutoFit/>
+          </a:bodyPr>
+          <a:lstStyle/>
+          <a:p>
+            <a:r>
+              <a:rPr lang="pt-BR" sz="1400" b="0" i="0" u="none" strike="noStrike" dirty="0">
+                <a:solidFill>
+                  <a:schemeClr val="accent1">
+                    <a:lumMod val="75000"/>
+                  </a:schemeClr>
+                </a:solidFill>
+                <a:effectLst/>
+                <a:latin typeface="Arial" panose="020B0604020202020204" pitchFamily="34" charset="0"/>
+              </a:rPr>
+              <a:t>textos maiores são mais robustas aos ruídos</a:t>
+            </a:r>
+            <a:r>
+              <a:rPr lang="pt-BR" sz="1400" b="0" i="0" u="none" strike="noStrike" dirty="0">
+                <a:solidFill>
+                  <a:srgbClr val="000000"/>
+                </a:solidFill>
+                <a:effectLst/>
+                <a:latin typeface="Arial" panose="020B0604020202020204" pitchFamily="34" charset="0"/>
+              </a:rPr>
+              <a:t> </a:t>
+            </a:r>
+            <a:endParaRPr lang="pt-BR" dirty="0"/>
+          </a:p>
+        </p:txBody>
+      </p:sp>
+      <p:sp>
+        <p:nvSpPr>
+          <p:cNvPr id="10" name="Raio 9">
+            <a:extLst>
+              <a:ext uri="{FF2B5EF4-FFF2-40B4-BE49-F238E27FC236}">
+                <a16:creationId xmlns:a16="http://schemas.microsoft.com/office/drawing/2014/main" id="{AFE1AB27-E390-441D-AF84-D7661EE4F335}"/>
+              </a:ext>
+            </a:extLst>
+          </p:cNvPr>
+          <p:cNvSpPr/>
+          <p:nvPr/>
+        </p:nvSpPr>
+        <p:spPr>
+          <a:xfrm rot="4127497">
+            <a:off x="5981473" y="810201"/>
+            <a:ext cx="452733" cy="589638"/>
+          </a:xfrm>
+          <a:prstGeom prst="lightningBolt">
+            <a:avLst/>
+          </a:prstGeom>
+          <a:gradFill>
+            <a:gsLst>
+              <a:gs pos="0">
+                <a:schemeClr val="accent1">
+                  <a:lumMod val="5000"/>
+                  <a:lumOff val="95000"/>
+                </a:schemeClr>
+              </a:gs>
+              <a:gs pos="74000">
+                <a:schemeClr val="accent1">
+                  <a:lumMod val="45000"/>
+                  <a:lumOff val="55000"/>
+                </a:schemeClr>
+              </a:gs>
+              <a:gs pos="83000">
+                <a:schemeClr val="accent1">
+                  <a:lumMod val="45000"/>
+                  <a:lumOff val="55000"/>
+                </a:schemeClr>
+              </a:gs>
+              <a:gs pos="100000">
+                <a:schemeClr val="accent1">
+                  <a:lumMod val="30000"/>
+                  <a:lumOff val="70000"/>
+                </a:schemeClr>
+              </a:gs>
+            </a:gsLst>
+            <a:lin ang="5400000" scaled="1"/>
+          </a:gradFill>
+        </p:spPr>
+        <p:style>
+          <a:lnRef idx="2">
+            <a:schemeClr val="accent1">
+              <a:shade val="50000"/>
+            </a:schemeClr>
+          </a:lnRef>
+          <a:fillRef idx="1">
+            <a:schemeClr val="accent1"/>
+          </a:fillRef>
+          <a:effectRef idx="0">
+            <a:schemeClr val="accent1"/>
+          </a:effectRef>
+          <a:fontRef idx="minor">
+            <a:schemeClr val="lt1"/>
+          </a:fontRef>
+        </p:style>
+        <p:txBody>
+          <a:bodyPr rtlCol="0" anchor="ctr"/>
+          <a:lstStyle/>
+          <a:p>
+            <a:pPr algn="ctr"/>
+            <a:endParaRPr lang="pt-BR"/>
+          </a:p>
+        </p:txBody>
+      </p:sp>
+    </p:spTree>
+    <p:extLst>
+      <p:ext uri="{BB962C8B-B14F-4D97-AF65-F5344CB8AC3E}">
+        <p14:creationId xmlns:p14="http://schemas.microsoft.com/office/powerpoint/2010/main" val="1118959259"/>
+      </p:ext>
+    </p:extLst>
+  </p:cSld>
+  <p:clrMapOvr>
+    <a:masterClrMapping/>
+  </p:clrMapOvr>
+</p:sld>
+</file>
+
+<file path=ppt/slides/slide12.xml><?xml version="1.0" encoding="utf-8"?>
+<p:sld xmlns:a="http://schemas.openxmlformats.org/drawingml/2006/main" xmlns:r="http://schemas.openxmlformats.org/officeDocument/2006/relationships" xmlns:p="http://schemas.openxmlformats.org/presentationml/2006/main">
+  <p:cSld>
+    <p:spTree>
+      <p:nvGrpSpPr>
+        <p:cNvPr id="1" name="Shape 65"/>
+        <p:cNvGrpSpPr/>
+        <p:nvPr/>
+      </p:nvGrpSpPr>
+      <p:grpSpPr>
+        <a:xfrm>
+          <a:off x="0" y="0"/>
+          <a:ext cx="0" cy="0"/>
+          <a:chOff x="0" y="0"/>
+          <a:chExt cx="0" cy="0"/>
+        </a:xfrm>
+      </p:grpSpPr>
+      <p:sp>
+        <p:nvSpPr>
+          <p:cNvPr id="66" name="Google Shape;66;p15"/>
+          <p:cNvSpPr txBox="1">
+            <a:spLocks noGrp="1"/>
+          </p:cNvSpPr>
+          <p:nvPr>
+            <p:ph type="title"/>
+          </p:nvPr>
+        </p:nvSpPr>
+        <p:spPr>
+          <a:xfrm>
+            <a:off x="128820" y="104909"/>
+            <a:ext cx="8520600" cy="572700"/>
+          </a:xfrm>
+          <a:prstGeom prst="rect">
+            <a:avLst/>
+          </a:prstGeom>
+        </p:spPr>
+        <p:txBody>
+          <a:bodyPr spcFirstLastPara="1" wrap="square" lIns="91425" tIns="91425" rIns="91425" bIns="91425" anchor="t" anchorCtr="0">
+            <a:normAutofit/>
+          </a:bodyPr>
+          <a:lstStyle/>
+          <a:p>
+            <a:pPr marL="0" lvl="0" indent="0" algn="l" rtl="0">
+              <a:spcBef>
+                <a:spcPts val="0"/>
+              </a:spcBef>
+              <a:spcAft>
+                <a:spcPts val="0"/>
+              </a:spcAft>
+              <a:buNone/>
+            </a:pPr>
+            <a:r>
+              <a:rPr lang="pt-BR" sz="1800" b="0" i="0" u="none" strike="noStrike" dirty="0">
+                <a:solidFill>
+                  <a:srgbClr val="000000"/>
+                </a:solidFill>
+                <a:effectLst/>
+                <a:latin typeface="Arial" panose="020B0604020202020204" pitchFamily="34" charset="0"/>
+              </a:rPr>
+              <a:t>Resultados – distribuição de valores</a:t>
+            </a:r>
+            <a:endParaRPr dirty="0"/>
+          </a:p>
+        </p:txBody>
+      </p:sp>
+      <p:sp>
+        <p:nvSpPr>
+          <p:cNvPr id="10" name="CaixaDeTexto 9">
+            <a:extLst>
+              <a:ext uri="{FF2B5EF4-FFF2-40B4-BE49-F238E27FC236}">
+                <a16:creationId xmlns:a16="http://schemas.microsoft.com/office/drawing/2014/main" id="{036912C7-4207-42EA-A8D1-740352B81A98}"/>
+              </a:ext>
+            </a:extLst>
+          </p:cNvPr>
+          <p:cNvSpPr txBox="1"/>
+          <p:nvPr/>
+        </p:nvSpPr>
+        <p:spPr>
+          <a:xfrm>
+            <a:off x="2648373" y="4494499"/>
+            <a:ext cx="3691467" cy="246221"/>
+          </a:xfrm>
+          <a:prstGeom prst="rect">
+            <a:avLst/>
+          </a:prstGeom>
+          <a:noFill/>
+        </p:spPr>
+        <p:txBody>
+          <a:bodyPr wrap="square">
+            <a:spAutoFit/>
+          </a:bodyPr>
+          <a:lstStyle/>
+          <a:p>
+            <a:r>
+              <a:rPr lang="pt-BR" sz="1000" b="0" i="0" u="none" strike="noStrike" dirty="0">
+                <a:solidFill>
+                  <a:srgbClr val="000000"/>
+                </a:solidFill>
+                <a:effectLst/>
+                <a:latin typeface="Arial" panose="020B0604020202020204" pitchFamily="34" charset="0"/>
+              </a:rPr>
+              <a:t>Gráfico 3 - Distribuições de DG:nDCG@10 por tipo de ruído</a:t>
+            </a:r>
+          </a:p>
+        </p:txBody>
+      </p:sp>
+      <p:pic>
+        <p:nvPicPr>
+          <p:cNvPr id="3074" name="Picture 2">
+            <a:extLst>
+              <a:ext uri="{FF2B5EF4-FFF2-40B4-BE49-F238E27FC236}">
+                <a16:creationId xmlns:a16="http://schemas.microsoft.com/office/drawing/2014/main" id="{88015523-C805-4051-BBE7-DD934B2E7C6F}"/>
+              </a:ext>
+            </a:extLst>
+          </p:cNvPr>
+          <p:cNvPicPr>
+            <a:picLocks noChangeAspect="1" noChangeArrowheads="1"/>
+          </p:cNvPicPr>
+          <p:nvPr/>
+        </p:nvPicPr>
+        <p:blipFill>
+          <a:blip r:embed="rId3">
+            <a:extLst>
+              <a:ext uri="{28A0092B-C50C-407E-A947-70E740481C1C}">
+                <a14:useLocalDpi xmlns:a14="http://schemas.microsoft.com/office/drawing/2010/main" val="0"/>
+              </a:ext>
+            </a:extLst>
+          </a:blip>
+          <a:srcRect/>
+          <a:stretch>
+            <a:fillRect/>
+          </a:stretch>
+        </p:blipFill>
+        <p:spPr bwMode="auto">
+          <a:xfrm>
+            <a:off x="1205653" y="706218"/>
+            <a:ext cx="5340308" cy="3731063"/>
+          </a:xfrm>
+          <a:prstGeom prst="rect">
+            <a:avLst/>
+          </a:prstGeom>
+          <a:noFill/>
+          <a:extLst>
+            <a:ext uri="{909E8E84-426E-40DD-AFC4-6F175D3DCCD1}">
+              <a14:hiddenFill xmlns:a14="http://schemas.microsoft.com/office/drawing/2010/main">
+                <a:solidFill>
+                  <a:srgbClr val="FFFFFF"/>
+                </a:solidFill>
+              </a14:hiddenFill>
+            </a:ext>
+          </a:extLst>
+        </p:spPr>
+      </p:pic>
+      <p:sp>
+        <p:nvSpPr>
+          <p:cNvPr id="5" name="Raio 4">
+            <a:extLst>
+              <a:ext uri="{FF2B5EF4-FFF2-40B4-BE49-F238E27FC236}">
+                <a16:creationId xmlns:a16="http://schemas.microsoft.com/office/drawing/2014/main" id="{E4294CB1-704E-47C1-81C1-70A37792E43D}"/>
+              </a:ext>
+            </a:extLst>
+          </p:cNvPr>
+          <p:cNvSpPr/>
+          <p:nvPr/>
+        </p:nvSpPr>
+        <p:spPr>
+          <a:xfrm rot="6612343">
+            <a:off x="5964735" y="1962667"/>
+            <a:ext cx="452733" cy="589638"/>
+          </a:xfrm>
+          <a:prstGeom prst="lightningBolt">
+            <a:avLst/>
+          </a:prstGeom>
+          <a:gradFill>
+            <a:gsLst>
+              <a:gs pos="0">
+                <a:schemeClr val="accent1">
+                  <a:lumMod val="5000"/>
+                  <a:lumOff val="95000"/>
+                </a:schemeClr>
+              </a:gs>
+              <a:gs pos="74000">
+                <a:schemeClr val="accent1">
+                  <a:lumMod val="45000"/>
+                  <a:lumOff val="55000"/>
+                </a:schemeClr>
+              </a:gs>
+              <a:gs pos="83000">
+                <a:schemeClr val="accent1">
+                  <a:lumMod val="45000"/>
+                  <a:lumOff val="55000"/>
+                </a:schemeClr>
+              </a:gs>
+              <a:gs pos="100000">
+                <a:schemeClr val="accent1">
+                  <a:lumMod val="30000"/>
+                  <a:lumOff val="70000"/>
+                </a:schemeClr>
+              </a:gs>
+            </a:gsLst>
+            <a:lin ang="5400000" scaled="1"/>
+          </a:gradFill>
+        </p:spPr>
+        <p:style>
+          <a:lnRef idx="2">
+            <a:schemeClr val="accent1">
+              <a:shade val="50000"/>
+            </a:schemeClr>
+          </a:lnRef>
+          <a:fillRef idx="1">
+            <a:schemeClr val="accent1"/>
+          </a:fillRef>
+          <a:effectRef idx="0">
+            <a:schemeClr val="accent1"/>
+          </a:effectRef>
+          <a:fontRef idx="minor">
+            <a:schemeClr val="lt1"/>
+          </a:fontRef>
+        </p:style>
+        <p:txBody>
+          <a:bodyPr rtlCol="0" anchor="ctr"/>
+          <a:lstStyle/>
+          <a:p>
+            <a:pPr algn="ctr"/>
+            <a:endParaRPr lang="pt-BR"/>
+          </a:p>
+        </p:txBody>
+      </p:sp>
+      <p:sp>
+        <p:nvSpPr>
+          <p:cNvPr id="6" name="CaixaDeTexto 5">
+            <a:extLst>
+              <a:ext uri="{FF2B5EF4-FFF2-40B4-BE49-F238E27FC236}">
+                <a16:creationId xmlns:a16="http://schemas.microsoft.com/office/drawing/2014/main" id="{17D273E2-D008-4282-8B01-21670E6EEA60}"/>
+              </a:ext>
+            </a:extLst>
+          </p:cNvPr>
+          <p:cNvSpPr txBox="1"/>
+          <p:nvPr/>
+        </p:nvSpPr>
+        <p:spPr>
+          <a:xfrm>
+            <a:off x="6421127" y="1677048"/>
+            <a:ext cx="2608573" cy="523220"/>
+          </a:xfrm>
+          <a:prstGeom prst="rect">
+            <a:avLst/>
+          </a:prstGeom>
+          <a:noFill/>
+        </p:spPr>
+        <p:txBody>
+          <a:bodyPr wrap="square">
+            <a:spAutoFit/>
+          </a:bodyPr>
+          <a:lstStyle/>
+          <a:p>
+            <a:pPr algn="just" rtl="0">
+              <a:spcBef>
+                <a:spcPts val="946"/>
+              </a:spcBef>
+              <a:spcAft>
+                <a:spcPts val="0"/>
+              </a:spcAft>
+            </a:pPr>
+            <a:r>
+              <a:rPr lang="pt-BR" sz="1400" b="0" i="0" u="none" strike="noStrike" dirty="0">
+                <a:solidFill>
+                  <a:schemeClr val="accent1">
+                    <a:lumMod val="75000"/>
+                  </a:schemeClr>
+                </a:solidFill>
+                <a:effectLst/>
+                <a:latin typeface="Arial" panose="020B0604020202020204" pitchFamily="34" charset="0"/>
+              </a:rPr>
+              <a:t>Os ruídos de deleção tê</a:t>
+            </a:r>
+            <a:r>
+              <a:rPr lang="pt-BR" dirty="0">
+                <a:solidFill>
+                  <a:schemeClr val="accent1">
+                    <a:lumMod val="75000"/>
+                  </a:schemeClr>
+                </a:solidFill>
+                <a:latin typeface="Arial" panose="020B0604020202020204" pitchFamily="34" charset="0"/>
+              </a:rPr>
+              <a:t>m uma maior distribuição de valores</a:t>
+            </a:r>
+            <a:endParaRPr lang="pt-BR" b="0" dirty="0">
+              <a:solidFill>
+                <a:schemeClr val="accent1">
+                  <a:lumMod val="75000"/>
+                </a:schemeClr>
+              </a:solidFill>
+              <a:effectLst/>
+            </a:endParaRPr>
+          </a:p>
+        </p:txBody>
+      </p:sp>
+    </p:spTree>
+    <p:extLst>
+      <p:ext uri="{BB962C8B-B14F-4D97-AF65-F5344CB8AC3E}">
+        <p14:creationId xmlns:p14="http://schemas.microsoft.com/office/powerpoint/2010/main" val="4196837090"/>
+      </p:ext>
+    </p:extLst>
+  </p:cSld>
+  <p:clrMapOvr>
+    <a:masterClrMapping/>
+  </p:clrMapOvr>
+</p:sld>
+</file>
+
+<file path=ppt/slides/slide13.xml><?xml version="1.0" encoding="utf-8"?>
+<p:sld xmlns:a="http://schemas.openxmlformats.org/drawingml/2006/main" xmlns:r="http://schemas.openxmlformats.org/officeDocument/2006/relationships" xmlns:p="http://schemas.openxmlformats.org/presentationml/2006/main">
+  <p:cSld>
+    <p:spTree>
+      <p:nvGrpSpPr>
+        <p:cNvPr id="1" name="Shape 65"/>
+        <p:cNvGrpSpPr/>
+        <p:nvPr/>
+      </p:nvGrpSpPr>
+      <p:grpSpPr>
+        <a:xfrm>
+          <a:off x="0" y="0"/>
+          <a:ext cx="0" cy="0"/>
+          <a:chOff x="0" y="0"/>
+          <a:chExt cx="0" cy="0"/>
+        </a:xfrm>
+      </p:grpSpPr>
+      <p:sp>
+        <p:nvSpPr>
           <p:cNvPr id="10" name="CaixaDeTexto 9">
             <a:extLst>
               <a:ext uri="{FF2B5EF4-FFF2-40B4-BE49-F238E27FC236}">
@@ -7391,6 +8813,151 @@
           </a:extLst>
         </p:spPr>
       </p:pic>
+      <p:sp>
+        <p:nvSpPr>
+          <p:cNvPr id="4" name="Raio 3">
+            <a:extLst>
+              <a:ext uri="{FF2B5EF4-FFF2-40B4-BE49-F238E27FC236}">
+                <a16:creationId xmlns:a16="http://schemas.microsoft.com/office/drawing/2014/main" id="{CC756F7D-03DE-4DC5-AB57-70C7FE4C64E3}"/>
+              </a:ext>
+            </a:extLst>
+          </p:cNvPr>
+          <p:cNvSpPr/>
+          <p:nvPr/>
+        </p:nvSpPr>
+        <p:spPr>
+          <a:xfrm rot="12838355">
+            <a:off x="6440653" y="3717799"/>
+            <a:ext cx="452733" cy="589638"/>
+          </a:xfrm>
+          <a:prstGeom prst="lightningBolt">
+            <a:avLst/>
+          </a:prstGeom>
+          <a:gradFill>
+            <a:gsLst>
+              <a:gs pos="0">
+                <a:schemeClr val="accent1">
+                  <a:lumMod val="5000"/>
+                  <a:lumOff val="95000"/>
+                </a:schemeClr>
+              </a:gs>
+              <a:gs pos="74000">
+                <a:schemeClr val="accent1">
+                  <a:lumMod val="45000"/>
+                  <a:lumOff val="55000"/>
+                </a:schemeClr>
+              </a:gs>
+              <a:gs pos="83000">
+                <a:schemeClr val="accent1">
+                  <a:lumMod val="45000"/>
+                  <a:lumOff val="55000"/>
+                </a:schemeClr>
+              </a:gs>
+              <a:gs pos="100000">
+                <a:schemeClr val="accent1">
+                  <a:lumMod val="30000"/>
+                  <a:lumOff val="70000"/>
+                </a:schemeClr>
+              </a:gs>
+            </a:gsLst>
+            <a:lin ang="5400000" scaled="1"/>
+          </a:gradFill>
+        </p:spPr>
+        <p:style>
+          <a:lnRef idx="2">
+            <a:schemeClr val="accent1">
+              <a:shade val="50000"/>
+            </a:schemeClr>
+          </a:lnRef>
+          <a:fillRef idx="1">
+            <a:schemeClr val="accent1"/>
+          </a:fillRef>
+          <a:effectRef idx="0">
+            <a:schemeClr val="accent1"/>
+          </a:effectRef>
+          <a:fontRef idx="minor">
+            <a:schemeClr val="lt1"/>
+          </a:fontRef>
+        </p:style>
+        <p:txBody>
+          <a:bodyPr rtlCol="0" anchor="ctr"/>
+          <a:lstStyle/>
+          <a:p>
+            <a:pPr algn="ctr"/>
+            <a:endParaRPr lang="pt-BR"/>
+          </a:p>
+        </p:txBody>
+      </p:sp>
+      <p:sp>
+        <p:nvSpPr>
+          <p:cNvPr id="5" name="CaixaDeTexto 4">
+            <a:extLst>
+              <a:ext uri="{FF2B5EF4-FFF2-40B4-BE49-F238E27FC236}">
+                <a16:creationId xmlns:a16="http://schemas.microsoft.com/office/drawing/2014/main" id="{75F832EF-274B-446D-BDFD-8BE296BCE6D8}"/>
+              </a:ext>
+            </a:extLst>
+          </p:cNvPr>
+          <p:cNvSpPr txBox="1"/>
+          <p:nvPr/>
+        </p:nvSpPr>
+        <p:spPr>
+          <a:xfrm>
+            <a:off x="5425082" y="4211340"/>
+            <a:ext cx="2926982" cy="523220"/>
+          </a:xfrm>
+          <a:prstGeom prst="rect">
+            <a:avLst/>
+          </a:prstGeom>
+          <a:noFill/>
+        </p:spPr>
+        <p:txBody>
+          <a:bodyPr wrap="square">
+            <a:spAutoFit/>
+          </a:bodyPr>
+          <a:lstStyle/>
+          <a:p>
+            <a:pPr algn="just" rtl="0">
+              <a:spcBef>
+                <a:spcPts val="946"/>
+              </a:spcBef>
+              <a:spcAft>
+                <a:spcPts val="0"/>
+              </a:spcAft>
+            </a:pPr>
+            <a:r>
+              <a:rPr lang="pt-BR" sz="1400" b="0" i="0" u="none" strike="noStrike" dirty="0">
+                <a:solidFill>
+                  <a:schemeClr val="accent1">
+                    <a:lumMod val="75000"/>
+                  </a:schemeClr>
+                </a:solidFill>
+                <a:effectLst/>
+                <a:latin typeface="Arial" panose="020B0604020202020204" pitchFamily="34" charset="0"/>
+              </a:rPr>
+              <a:t>Na base em português, DPR co</a:t>
+            </a:r>
+            <a:r>
+              <a:rPr lang="pt-BR" dirty="0">
+                <a:solidFill>
+                  <a:schemeClr val="accent1">
+                    <a:lumMod val="75000"/>
+                  </a:schemeClr>
+                </a:solidFill>
+                <a:latin typeface="Arial" panose="020B0604020202020204" pitchFamily="34" charset="0"/>
+              </a:rPr>
+              <a:t>m resultados piores do que o BM25</a:t>
+            </a:r>
+            <a:endParaRPr lang="pt-BR" b="0" dirty="0">
+              <a:solidFill>
+                <a:schemeClr val="accent1">
+                  <a:lumMod val="75000"/>
+                </a:schemeClr>
+              </a:solidFill>
+              <a:effectLst/>
+            </a:endParaRPr>
+          </a:p>
+        </p:txBody>
+      </p:sp>
     </p:spTree>
     <p:extLst>
       <p:ext uri="{BB962C8B-B14F-4D97-AF65-F5344CB8AC3E}">
@@ -7404,7 +8971,7 @@
 </p:sld>
 </file>
 
-<file path=ppt/slides/slide11.xml><?xml version="1.0" encoding="utf-8"?>
+<file path=ppt/slides/slide14.xml><?xml version="1.0" encoding="utf-8"?>
 <p:sld xmlns:a="http://schemas.openxmlformats.org/drawingml/2006/main" xmlns:r="http://schemas.openxmlformats.org/officeDocument/2006/relationships" xmlns:p="http://schemas.openxmlformats.org/presentationml/2006/main">
   <p:cSld>
     <p:spTree>
@@ -7476,8 +9043,8 @@
         </p:nvSpPr>
         <p:spPr>
           <a:xfrm>
-            <a:off x="391887" y="905138"/>
-            <a:ext cx="8205106" cy="3393237"/>
+            <a:off x="405434" y="782674"/>
+            <a:ext cx="8205106" cy="3847207"/>
           </a:xfrm>
           <a:prstGeom prst="rect">
             <a:avLst/>
@@ -7498,9 +9065,12 @@
               <a:buChar char="•"/>
             </a:pPr>
             <a:r>
-              <a:rPr lang="pt-BR" sz="1200" b="0" i="0" u="none" strike="noStrike" dirty="0">
-                <a:solidFill>
-                  <a:srgbClr val="000000"/>
+              <a:rPr lang="pt-BR" sz="1100" b="0" i="0" u="none" strike="noStrike" dirty="0">
+                <a:solidFill>
+                  <a:schemeClr val="bg2">
+                    <a:lumMod val="40000"/>
+                    <a:lumOff val="60000"/>
+                  </a:schemeClr>
                 </a:solidFill>
                 <a:effectLst/>
                 <a:latin typeface="Arial" panose="020B0604020202020204" pitchFamily="34" charset="0"/>
@@ -7508,319 +9078,561 @@
               <a:t>A robustez das funções de ranqueamento </a:t>
             </a:r>
             <a:r>
-              <a:rPr lang="pt-BR" sz="1200" b="0" i="0" u="none" strike="noStrike" dirty="0">
+              <a:rPr lang="pt-BR" sz="1100" b="0" i="0" u="none" strike="noStrike" dirty="0">
+                <a:solidFill>
+                  <a:schemeClr val="accent1">
+                    <a:lumMod val="60000"/>
+                    <a:lumOff val="40000"/>
+                  </a:schemeClr>
+                </a:solidFill>
+                <a:effectLst/>
+                <a:latin typeface="Arial" panose="020B0604020202020204" pitchFamily="34" charset="0"/>
+              </a:rPr>
+              <a:t>variou </a:t>
+            </a:r>
+            <a:r>
+              <a:rPr lang="pt-BR" sz="1100" dirty="0">
+                <a:solidFill>
+                  <a:schemeClr val="accent1">
+                    <a:lumMod val="60000"/>
+                    <a:lumOff val="40000"/>
+                  </a:schemeClr>
+                </a:solidFill>
+                <a:latin typeface="Arial" panose="020B0604020202020204" pitchFamily="34" charset="0"/>
+              </a:rPr>
+              <a:t>com os diversos </a:t>
+            </a:r>
+            <a:r>
+              <a:rPr lang="pt-BR" sz="1100" b="0" i="0" u="none" strike="noStrike" dirty="0">
+                <a:solidFill>
+                  <a:schemeClr val="accent1">
+                    <a:lumMod val="60000"/>
+                    <a:lumOff val="40000"/>
+                  </a:schemeClr>
+                </a:solidFill>
+                <a:effectLst/>
+                <a:latin typeface="Arial" panose="020B0604020202020204" pitchFamily="34" charset="0"/>
+              </a:rPr>
+              <a:t>contextos</a:t>
+            </a:r>
+            <a:r>
+              <a:rPr lang="pt-BR" sz="1100" dirty="0">
+                <a:solidFill>
+                  <a:schemeClr val="bg2">
+                    <a:lumMod val="40000"/>
+                    <a:lumOff val="60000"/>
+                  </a:schemeClr>
+                </a:solidFill>
+                <a:latin typeface="Arial" panose="020B0604020202020204" pitchFamily="34" charset="0"/>
+              </a:rPr>
+              <a:t>: linguagem e base utilizada. Exceção a permutações de palavras em que o BM25, por sua forma de cálculo, é plenamente robusto</a:t>
+            </a:r>
+            <a:r>
+              <a:rPr lang="pt-BR" sz="1100" b="0" i="0" u="none" strike="noStrike" dirty="0">
+                <a:effectLst/>
+                <a:latin typeface="Arial" panose="020B0604020202020204" pitchFamily="34" charset="0"/>
+              </a:rPr>
+              <a:t>. </a:t>
+            </a:r>
+          </a:p>
+          <a:p>
+            <a:pPr marL="171945" indent="-171450" algn="just" rtl="0">
+              <a:spcBef>
+                <a:spcPts val="946"/>
+              </a:spcBef>
+              <a:spcAft>
+                <a:spcPts val="0"/>
+              </a:spcAft>
+              <a:buFont typeface="Arial" panose="020B0604020202020204" pitchFamily="34" charset="0"/>
+              <a:buChar char="•"/>
+            </a:pPr>
+            <a:r>
+              <a:rPr lang="pt-BR" sz="1100" dirty="0">
+                <a:solidFill>
+                  <a:schemeClr val="bg2">
+                    <a:lumMod val="40000"/>
+                    <a:lumOff val="60000"/>
+                  </a:schemeClr>
+                </a:solidFill>
+                <a:latin typeface="Arial" panose="020B0604020202020204" pitchFamily="34" charset="0"/>
+              </a:rPr>
+              <a:t>Espera-se que funções de ranqueamento baseadas em </a:t>
+            </a:r>
+            <a:r>
+              <a:rPr lang="pt-BR" sz="1100" dirty="0" err="1">
+                <a:solidFill>
+                  <a:schemeClr val="bg2">
+                    <a:lumMod val="40000"/>
+                    <a:lumOff val="60000"/>
+                  </a:schemeClr>
+                </a:solidFill>
+                <a:latin typeface="Arial" panose="020B0604020202020204" pitchFamily="34" charset="0"/>
+              </a:rPr>
+              <a:t>transformers</a:t>
+            </a:r>
+            <a:r>
+              <a:rPr lang="pt-BR" sz="1100" dirty="0">
+                <a:solidFill>
+                  <a:schemeClr val="bg2">
+                    <a:lumMod val="40000"/>
+                    <a:lumOff val="60000"/>
+                  </a:schemeClr>
+                </a:solidFill>
+                <a:latin typeface="Arial" panose="020B0604020202020204" pitchFamily="34" charset="0"/>
+              </a:rPr>
+              <a:t>, por capturar significado das palavras e relação com o contexto, fosse mais robustas em no caso de </a:t>
+            </a:r>
+            <a:r>
+              <a:rPr lang="pt-BR" sz="1100" dirty="0" err="1">
+                <a:solidFill>
+                  <a:schemeClr val="bg2">
+                    <a:lumMod val="40000"/>
+                    <a:lumOff val="60000"/>
+                  </a:schemeClr>
+                </a:solidFill>
+                <a:latin typeface="Arial" panose="020B0604020202020204" pitchFamily="34" charset="0"/>
+              </a:rPr>
+              <a:t>back-translation</a:t>
+            </a:r>
+            <a:r>
+              <a:rPr lang="pt-BR" sz="1100" dirty="0">
+                <a:solidFill>
+                  <a:schemeClr val="bg2">
+                    <a:lumMod val="40000"/>
+                    <a:lumOff val="60000"/>
+                  </a:schemeClr>
+                </a:solidFill>
+                <a:latin typeface="Arial" panose="020B0604020202020204" pitchFamily="34" charset="0"/>
+              </a:rPr>
+              <a:t>, já que elas não seriam muito impactados quando uma palavra se transforma em um sinônimo, o que prejudicaria buscas em mecanismos estatísticos tradicionais como o BM25. Mas isso não foi constatado nos dados na base em português. Uma possível explicação seria um </a:t>
+            </a:r>
+            <a:r>
+              <a:rPr lang="pt-BR" sz="1100" dirty="0">
+                <a:solidFill>
+                  <a:schemeClr val="accent1">
+                    <a:lumMod val="60000"/>
+                    <a:lumOff val="40000"/>
+                  </a:schemeClr>
+                </a:solidFill>
+                <a:latin typeface="Arial" panose="020B0604020202020204" pitchFamily="34" charset="0"/>
+              </a:rPr>
+              <a:t>possível afunilamento de termos nas traduções. </a:t>
+            </a:r>
+            <a:r>
+              <a:rPr lang="pt-BR" sz="1100" dirty="0">
+                <a:solidFill>
+                  <a:schemeClr val="bg2">
+                    <a:lumMod val="40000"/>
+                    <a:lumOff val="60000"/>
+                  </a:schemeClr>
+                </a:solidFill>
+                <a:latin typeface="Arial" panose="020B0604020202020204" pitchFamily="34" charset="0"/>
+              </a:rPr>
+              <a:t>Mais de uma palavra em uma língua é traduzida para uma única palavra. E tanto as consultas e as passagens foram traduzidas pelo mesmo método (</a:t>
+            </a:r>
+            <a:r>
+              <a:rPr lang="pt-BR" sz="1100" dirty="0" err="1">
+                <a:solidFill>
+                  <a:schemeClr val="bg2">
+                    <a:lumMod val="40000"/>
+                    <a:lumOff val="60000"/>
+                  </a:schemeClr>
+                </a:solidFill>
+                <a:latin typeface="Arial" panose="020B0604020202020204" pitchFamily="34" charset="0"/>
+              </a:rPr>
+              <a:t>python</a:t>
+            </a:r>
+            <a:r>
+              <a:rPr lang="pt-BR" sz="1100" dirty="0">
+                <a:solidFill>
+                  <a:schemeClr val="bg2">
+                    <a:lumMod val="40000"/>
+                    <a:lumOff val="60000"/>
+                  </a:schemeClr>
+                </a:solidFill>
+                <a:latin typeface="Arial" panose="020B0604020202020204" pitchFamily="34" charset="0"/>
+              </a:rPr>
+              <a:t>/</a:t>
+            </a:r>
+            <a:r>
+              <a:rPr lang="pt-BR" sz="1100" dirty="0" err="1">
+                <a:solidFill>
+                  <a:schemeClr val="bg2">
+                    <a:lumMod val="40000"/>
+                    <a:lumOff val="60000"/>
+                  </a:schemeClr>
+                </a:solidFill>
+                <a:latin typeface="Arial" panose="020B0604020202020204" pitchFamily="34" charset="0"/>
+              </a:rPr>
+              <a:t>googletrans</a:t>
+            </a:r>
+            <a:r>
+              <a:rPr lang="pt-BR" sz="1100" dirty="0">
+                <a:solidFill>
+                  <a:schemeClr val="bg2">
+                    <a:lumMod val="40000"/>
+                    <a:lumOff val="60000"/>
+                  </a:schemeClr>
+                </a:solidFill>
+                <a:latin typeface="Arial" panose="020B0604020202020204" pitchFamily="34" charset="0"/>
+              </a:rPr>
+              <a:t>).</a:t>
+            </a:r>
+          </a:p>
+          <a:p>
+            <a:pPr marL="171945" indent="-171450" algn="just" rtl="0">
+              <a:spcBef>
+                <a:spcPts val="946"/>
+              </a:spcBef>
+              <a:spcAft>
+                <a:spcPts val="0"/>
+              </a:spcAft>
+              <a:buFont typeface="Arial" panose="020B0604020202020204" pitchFamily="34" charset="0"/>
+              <a:buChar char="•"/>
+            </a:pPr>
+            <a:r>
+              <a:rPr lang="pt-BR" sz="1100" dirty="0">
+                <a:solidFill>
+                  <a:schemeClr val="accent1">
+                    <a:lumMod val="60000"/>
+                    <a:lumOff val="40000"/>
+                  </a:schemeClr>
+                </a:solidFill>
+                <a:latin typeface="Arial" panose="020B0604020202020204" pitchFamily="34" charset="0"/>
+              </a:rPr>
+              <a:t>O ruído de erro tipográfico (um por frase) não gerou muito impacto </a:t>
+            </a:r>
+            <a:r>
+              <a:rPr lang="pt-BR" sz="1100" dirty="0">
+                <a:solidFill>
+                  <a:schemeClr val="bg2">
+                    <a:lumMod val="40000"/>
+                    <a:lumOff val="60000"/>
+                  </a:schemeClr>
+                </a:solidFill>
+                <a:latin typeface="Arial" panose="020B0604020202020204" pitchFamily="34" charset="0"/>
+              </a:rPr>
+              <a:t>nos contextos de pesquisa. Uma possível explicação seria o fato de </a:t>
+            </a:r>
+            <a:r>
+              <a:rPr lang="pt-BR" sz="1100" dirty="0" err="1">
+                <a:solidFill>
+                  <a:schemeClr val="bg2">
+                    <a:lumMod val="40000"/>
+                    <a:lumOff val="60000"/>
+                  </a:schemeClr>
+                </a:solidFill>
+                <a:latin typeface="Arial" panose="020B0604020202020204" pitchFamily="34" charset="0"/>
+              </a:rPr>
+              <a:t>transformers</a:t>
+            </a:r>
+            <a:r>
+              <a:rPr lang="pt-BR" sz="1100" dirty="0">
+                <a:solidFill>
+                  <a:schemeClr val="bg2">
+                    <a:lumMod val="40000"/>
+                    <a:lumOff val="60000"/>
+                  </a:schemeClr>
+                </a:solidFill>
+                <a:latin typeface="Arial" panose="020B0604020202020204" pitchFamily="34" charset="0"/>
+              </a:rPr>
+              <a:t> tratarem melhor partes de palavras (pelo </a:t>
+            </a:r>
+            <a:r>
+              <a:rPr lang="pt-BR" sz="1100" dirty="0" err="1">
+                <a:solidFill>
+                  <a:schemeClr val="bg2">
+                    <a:lumMod val="40000"/>
+                    <a:lumOff val="60000"/>
+                  </a:schemeClr>
+                </a:solidFill>
+                <a:latin typeface="Arial" panose="020B0604020202020204" pitchFamily="34" charset="0"/>
+              </a:rPr>
+              <a:t>tokenizador</a:t>
+            </a:r>
+            <a:r>
+              <a:rPr lang="pt-BR" sz="1100" dirty="0">
+                <a:solidFill>
+                  <a:schemeClr val="bg2">
+                    <a:lumMod val="40000"/>
+                    <a:lumOff val="60000"/>
+                  </a:schemeClr>
+                </a:solidFill>
+                <a:latin typeface="Arial" panose="020B0604020202020204" pitchFamily="34" charset="0"/>
+              </a:rPr>
+              <a:t>) ou por serem treinados com dados com ruídos. Ou até pela existência do próprio ruído nos documentos pesquisados. </a:t>
+            </a:r>
+          </a:p>
+          <a:p>
+            <a:pPr marL="171945" indent="-171450" algn="just" rtl="0">
+              <a:spcBef>
+                <a:spcPts val="946"/>
+              </a:spcBef>
+              <a:spcAft>
+                <a:spcPts val="0"/>
+              </a:spcAft>
+              <a:buFont typeface="Arial" panose="020B0604020202020204" pitchFamily="34" charset="0"/>
+              <a:buChar char="•"/>
+            </a:pPr>
+            <a:r>
+              <a:rPr lang="pt-BR" sz="1100" dirty="0">
+                <a:solidFill>
+                  <a:schemeClr val="bg2">
+                    <a:lumMod val="40000"/>
+                    <a:lumOff val="60000"/>
+                  </a:schemeClr>
+                </a:solidFill>
+                <a:latin typeface="Arial" panose="020B0604020202020204" pitchFamily="34" charset="0"/>
+              </a:rPr>
+              <a:t>Observou-se que consultas com </a:t>
+            </a:r>
+            <a:r>
+              <a:rPr lang="pt-BR" sz="1100" dirty="0">
+                <a:solidFill>
+                  <a:schemeClr val="accent1">
+                    <a:lumMod val="60000"/>
+                    <a:lumOff val="40000"/>
+                  </a:schemeClr>
+                </a:solidFill>
+                <a:latin typeface="Arial" panose="020B0604020202020204" pitchFamily="34" charset="0"/>
+              </a:rPr>
+              <a:t>textos maiores são mais robustas aos ruídos </a:t>
+            </a:r>
+            <a:r>
+              <a:rPr lang="pt-BR" sz="1100" dirty="0">
+                <a:solidFill>
+                  <a:schemeClr val="bg2">
+                    <a:lumMod val="40000"/>
+                    <a:lumOff val="60000"/>
+                  </a:schemeClr>
+                </a:solidFill>
+                <a:latin typeface="Arial" panose="020B0604020202020204" pitchFamily="34" charset="0"/>
+              </a:rPr>
+              <a:t>experimentados, com menores variações de DG. Enquanto textos mais curtos apresentam resultados mais variados. A possível explicação para isso é que em textos maiores há uma menor chance de se perder palavras mais relevantes.</a:t>
+            </a:r>
+          </a:p>
+          <a:p>
+            <a:pPr marL="171945" indent="-171450" algn="just" rtl="0">
+              <a:spcBef>
+                <a:spcPts val="946"/>
+              </a:spcBef>
+              <a:spcAft>
+                <a:spcPts val="0"/>
+              </a:spcAft>
+              <a:buFont typeface="Arial" panose="020B0604020202020204" pitchFamily="34" charset="0"/>
+              <a:buChar char="•"/>
+            </a:pPr>
+            <a:r>
+              <a:rPr lang="pt-BR" sz="1200" dirty="0"/>
+              <a:t>Os resultados das pesquisas de </a:t>
+            </a:r>
+            <a:r>
+              <a:rPr lang="pt-BR" sz="1200" dirty="0" err="1"/>
+              <a:t>Rerank</a:t>
+            </a:r>
+            <a:r>
+              <a:rPr lang="pt-BR" sz="1200" dirty="0"/>
+              <a:t> em português com 3 modelos diferentes obtiveram resultados próximos e por isso foram unificados pela média. Cabe ressaltar que o modelo </a:t>
+            </a:r>
+            <a:r>
+              <a:rPr lang="pt-BR" sz="1200" dirty="0" err="1"/>
+              <a:t>unicamp</a:t>
+            </a:r>
+            <a:r>
+              <a:rPr lang="pt-BR" sz="1200" dirty="0"/>
+              <a:t>-dl/mt5-base-multi-msmarco alcançou menor DG (-0.068) em relação aos outros </a:t>
+            </a:r>
+            <a:r>
+              <a:rPr lang="pt-BR" sz="1200" dirty="0" err="1"/>
+              <a:t>unicamp</a:t>
+            </a:r>
+            <a:r>
+              <a:rPr lang="pt-BR" sz="1200" dirty="0"/>
+              <a:t>-dl/mt5-base-en-pt-msmarco (-0.100) e </a:t>
+            </a:r>
+            <a:r>
+              <a:rPr lang="pt-BR" sz="1200" dirty="0" err="1"/>
+              <a:t>unicamp</a:t>
+            </a:r>
+            <a:r>
+              <a:rPr lang="pt-BR" sz="1200" dirty="0"/>
+              <a:t>-dl/ptt5-base-pt-msmarco-100k (-0.091). Mas este último, </a:t>
+            </a:r>
+            <a:r>
+              <a:rPr lang="pt-BR" sz="1200" b="1" dirty="0">
+                <a:solidFill>
+                  <a:schemeClr val="tx1"/>
+                </a:solidFill>
+                <a:latin typeface="Arial" panose="020B0604020202020204" pitchFamily="34" charset="0"/>
+              </a:rPr>
+              <a:t>se mostrou mais eficiente por consumir 63% menos memória (810 </a:t>
+            </a:r>
+            <a:r>
+              <a:rPr lang="pt-BR" sz="1200" b="1" dirty="0" err="1">
+                <a:solidFill>
+                  <a:schemeClr val="tx1"/>
+                </a:solidFill>
+                <a:latin typeface="Arial" panose="020B0604020202020204" pitchFamily="34" charset="0"/>
+              </a:rPr>
+              <a:t>mb</a:t>
+            </a:r>
+            <a:r>
+              <a:rPr lang="pt-BR" sz="1200" b="1" dirty="0">
+                <a:solidFill>
+                  <a:schemeClr val="tx1"/>
+                </a:solidFill>
+                <a:latin typeface="Arial" panose="020B0604020202020204" pitchFamily="34" charset="0"/>
+              </a:rPr>
+              <a:t> contra 2.17 </a:t>
+            </a:r>
+            <a:r>
+              <a:rPr lang="pt-BR" sz="1200" b="1" dirty="0" err="1">
+                <a:solidFill>
+                  <a:schemeClr val="tx1"/>
+                </a:solidFill>
+                <a:latin typeface="Arial" panose="020B0604020202020204" pitchFamily="34" charset="0"/>
+              </a:rPr>
+              <a:t>gb</a:t>
+            </a:r>
+            <a:r>
+              <a:rPr lang="pt-BR" sz="1200" b="1" dirty="0">
+                <a:solidFill>
+                  <a:schemeClr val="tx1"/>
+                </a:solidFill>
+                <a:latin typeface="Arial" panose="020B0604020202020204" pitchFamily="34" charset="0"/>
+              </a:rPr>
+              <a:t>) e ser 30% mais rápido</a:t>
+            </a:r>
+            <a:r>
+              <a:rPr lang="pt-BR" sz="1200" dirty="0">
                 <a:solidFill>
                   <a:schemeClr val="accent1">
                     <a:lumMod val="75000"/>
                   </a:schemeClr>
                 </a:solidFill>
-                <a:effectLst/>
-                <a:latin typeface="Arial" panose="020B0604020202020204" pitchFamily="34" charset="0"/>
-              </a:rPr>
-              <a:t>variou </a:t>
-            </a:r>
-            <a:r>
-              <a:rPr lang="pt-BR" sz="1200" dirty="0">
+                <a:latin typeface="Arial" panose="020B0604020202020204" pitchFamily="34" charset="0"/>
+              </a:rPr>
+              <a:t>.</a:t>
+            </a:r>
+          </a:p>
+        </p:txBody>
+      </p:sp>
+      <p:sp>
+        <p:nvSpPr>
+          <p:cNvPr id="4" name="Raio 3">
+            <a:extLst>
+              <a:ext uri="{FF2B5EF4-FFF2-40B4-BE49-F238E27FC236}">
+                <a16:creationId xmlns:a16="http://schemas.microsoft.com/office/drawing/2014/main" id="{FABA6101-5CD1-42DA-A3A3-E57E4AC32057}"/>
+              </a:ext>
+            </a:extLst>
+          </p:cNvPr>
+          <p:cNvSpPr/>
+          <p:nvPr/>
+        </p:nvSpPr>
+        <p:spPr>
+          <a:xfrm rot="9923004">
+            <a:off x="4360807" y="4354192"/>
+            <a:ext cx="294359" cy="496895"/>
+          </a:xfrm>
+          <a:prstGeom prst="lightningBolt">
+            <a:avLst/>
+          </a:prstGeom>
+          <a:gradFill>
+            <a:gsLst>
+              <a:gs pos="0">
+                <a:schemeClr val="accent1">
+                  <a:lumMod val="5000"/>
+                  <a:lumOff val="95000"/>
+                </a:schemeClr>
+              </a:gs>
+              <a:gs pos="74000">
+                <a:schemeClr val="accent1">
+                  <a:lumMod val="45000"/>
+                  <a:lumOff val="55000"/>
+                </a:schemeClr>
+              </a:gs>
+              <a:gs pos="83000">
+                <a:schemeClr val="accent1">
+                  <a:lumMod val="45000"/>
+                  <a:lumOff val="55000"/>
+                </a:schemeClr>
+              </a:gs>
+              <a:gs pos="100000">
+                <a:schemeClr val="accent1">
+                  <a:lumMod val="30000"/>
+                  <a:lumOff val="70000"/>
+                </a:schemeClr>
+              </a:gs>
+            </a:gsLst>
+            <a:lin ang="5400000" scaled="1"/>
+          </a:gradFill>
+        </p:spPr>
+        <p:style>
+          <a:lnRef idx="2">
+            <a:schemeClr val="accent1">
+              <a:shade val="50000"/>
+            </a:schemeClr>
+          </a:lnRef>
+          <a:fillRef idx="1">
+            <a:schemeClr val="accent1"/>
+          </a:fillRef>
+          <a:effectRef idx="0">
+            <a:schemeClr val="accent1"/>
+          </a:effectRef>
+          <a:fontRef idx="minor">
+            <a:schemeClr val="lt1"/>
+          </a:fontRef>
+        </p:style>
+        <p:txBody>
+          <a:bodyPr rtlCol="0" anchor="ctr"/>
+          <a:lstStyle/>
+          <a:p>
+            <a:pPr algn="ctr"/>
+            <a:endParaRPr lang="pt-BR"/>
+          </a:p>
+        </p:txBody>
+      </p:sp>
+      <p:sp>
+        <p:nvSpPr>
+          <p:cNvPr id="7" name="CaixaDeTexto 6">
+            <a:extLst>
+              <a:ext uri="{FF2B5EF4-FFF2-40B4-BE49-F238E27FC236}">
+                <a16:creationId xmlns:a16="http://schemas.microsoft.com/office/drawing/2014/main" id="{D5357D01-C70A-4C49-A481-4E8DF93DA2A3}"/>
+              </a:ext>
+            </a:extLst>
+          </p:cNvPr>
+          <p:cNvSpPr txBox="1"/>
+          <p:nvPr/>
+        </p:nvSpPr>
+        <p:spPr>
+          <a:xfrm>
+            <a:off x="4713099" y="4572410"/>
+            <a:ext cx="3530048" cy="307777"/>
+          </a:xfrm>
+          <a:prstGeom prst="rect">
+            <a:avLst/>
+          </a:prstGeom>
+          <a:noFill/>
+        </p:spPr>
+        <p:txBody>
+          <a:bodyPr wrap="square">
+            <a:spAutoFit/>
+          </a:bodyPr>
+          <a:lstStyle/>
+          <a:p>
+            <a:r>
+              <a:rPr lang="pt-BR" sz="1400" b="0" i="0" u="none" strike="noStrike" dirty="0">
                 <a:solidFill>
                   <a:schemeClr val="accent1">
                     <a:lumMod val="75000"/>
                   </a:schemeClr>
                 </a:solidFill>
-                <a:latin typeface="Arial" panose="020B0604020202020204" pitchFamily="34" charset="0"/>
-              </a:rPr>
-              <a:t>com os diversos </a:t>
-            </a:r>
-            <a:r>
-              <a:rPr lang="pt-BR" sz="1200" b="0" i="0" u="none" strike="noStrike" dirty="0">
-                <a:solidFill>
-                  <a:schemeClr val="accent1">
-                    <a:lumMod val="75000"/>
-                  </a:schemeClr>
-                </a:solidFill>
                 <a:effectLst/>
                 <a:latin typeface="Arial" panose="020B0604020202020204" pitchFamily="34" charset="0"/>
               </a:rPr>
-              <a:t>contextos</a:t>
-            </a:r>
-            <a:r>
-              <a:rPr lang="pt-BR" sz="1200" b="0" i="0" u="none" strike="noStrike" dirty="0">
-                <a:solidFill>
-                  <a:srgbClr val="000000"/>
-                </a:solidFill>
-                <a:effectLst/>
-                <a:latin typeface="Arial" panose="020B0604020202020204" pitchFamily="34" charset="0"/>
-              </a:rPr>
-              <a:t>: linguagem e base utilizada. Exceção a permutações de palavras em que o BM25, por sua forma de cálculo, é plenamente robusto. </a:t>
-            </a:r>
-          </a:p>
-          <a:p>
-            <a:pPr marL="171945" indent="-171450" algn="just" rtl="0">
-              <a:spcBef>
-                <a:spcPts val="946"/>
-              </a:spcBef>
-              <a:spcAft>
-                <a:spcPts val="0"/>
-              </a:spcAft>
-              <a:buFont typeface="Arial" panose="020B0604020202020204" pitchFamily="34" charset="0"/>
-              <a:buChar char="•"/>
-            </a:pPr>
-            <a:r>
-              <a:rPr lang="pt-BR" sz="1200" b="0" i="0" u="none" strike="noStrike" dirty="0">
-                <a:solidFill>
-                  <a:srgbClr val="000000"/>
-                </a:solidFill>
-                <a:effectLst/>
-                <a:latin typeface="Arial" panose="020B0604020202020204" pitchFamily="34" charset="0"/>
-              </a:rPr>
-              <a:t>Espera-se que funções de ranqueamento baseadas em </a:t>
-            </a:r>
-            <a:r>
-              <a:rPr lang="pt-BR" sz="1200" b="0" i="0" u="none" strike="noStrike" dirty="0" err="1">
-                <a:solidFill>
-                  <a:srgbClr val="000000"/>
-                </a:solidFill>
-                <a:effectLst/>
-                <a:latin typeface="Arial" panose="020B0604020202020204" pitchFamily="34" charset="0"/>
-              </a:rPr>
-              <a:t>transformers</a:t>
-            </a:r>
-            <a:r>
-              <a:rPr lang="pt-BR" sz="1200" b="0" i="0" u="none" strike="noStrike" dirty="0">
-                <a:solidFill>
-                  <a:srgbClr val="000000"/>
-                </a:solidFill>
-                <a:effectLst/>
-                <a:latin typeface="Arial" panose="020B0604020202020204" pitchFamily="34" charset="0"/>
-              </a:rPr>
-              <a:t>, por capturar significado das palavras e relação com o contexto, fosse mais robustas em no caso de </a:t>
-            </a:r>
-            <a:r>
-              <a:rPr lang="pt-BR" sz="1200" b="0" i="1" u="none" strike="noStrike" dirty="0" err="1">
-                <a:solidFill>
-                  <a:srgbClr val="000000"/>
-                </a:solidFill>
-                <a:effectLst/>
-                <a:latin typeface="Arial" panose="020B0604020202020204" pitchFamily="34" charset="0"/>
-              </a:rPr>
-              <a:t>back-translation</a:t>
-            </a:r>
-            <a:r>
-              <a:rPr lang="pt-BR" sz="1200" b="0" i="0" u="none" strike="noStrike" dirty="0">
-                <a:solidFill>
-                  <a:srgbClr val="000000"/>
-                </a:solidFill>
-                <a:effectLst/>
-                <a:latin typeface="Arial" panose="020B0604020202020204" pitchFamily="34" charset="0"/>
-              </a:rPr>
-              <a:t>, já que elas não seriam muito impactados quando uma palavra se transforma em um sinônimo, o que prejudicaria buscas em mecanismos estatísticos tradicionais como o BM25. Mas isso não foi constatado nos dados na base em português. Uma possível explicação seri</a:t>
-            </a:r>
-            <a:r>
-              <a:rPr lang="pt-BR" sz="1200" dirty="0">
-                <a:latin typeface="Arial" panose="020B0604020202020204" pitchFamily="34" charset="0"/>
-              </a:rPr>
-              <a:t>a um </a:t>
-            </a:r>
-            <a:r>
-              <a:rPr lang="pt-BR" sz="1200" dirty="0">
-                <a:solidFill>
-                  <a:schemeClr val="accent1">
-                    <a:lumMod val="75000"/>
-                  </a:schemeClr>
-                </a:solidFill>
-                <a:latin typeface="Arial" panose="020B0604020202020204" pitchFamily="34" charset="0"/>
-              </a:rPr>
-              <a:t>possível afunilamento de termos nas traduções</a:t>
-            </a:r>
-            <a:r>
-              <a:rPr lang="pt-BR" sz="1200" dirty="0">
-                <a:latin typeface="Arial" panose="020B0604020202020204" pitchFamily="34" charset="0"/>
-              </a:rPr>
-              <a:t>. Mais de uma palavra em uma língua é traduzida para uma única palavra. E tanto as consultas e as passagens foram traduzidas pelo mesmo método (</a:t>
-            </a:r>
-            <a:r>
-              <a:rPr lang="pt-BR" sz="1200" dirty="0" err="1">
-                <a:latin typeface="Arial" panose="020B0604020202020204" pitchFamily="34" charset="0"/>
-              </a:rPr>
-              <a:t>python</a:t>
-            </a:r>
-            <a:r>
-              <a:rPr lang="pt-BR" sz="1200" dirty="0">
-                <a:latin typeface="Arial" panose="020B0604020202020204" pitchFamily="34" charset="0"/>
-              </a:rPr>
-              <a:t>/</a:t>
-            </a:r>
-            <a:r>
-              <a:rPr lang="pt-BR" sz="1200" dirty="0" err="1">
-                <a:latin typeface="Arial" panose="020B0604020202020204" pitchFamily="34" charset="0"/>
-              </a:rPr>
-              <a:t>googletrans</a:t>
-            </a:r>
-            <a:r>
-              <a:rPr lang="pt-BR" sz="1200" dirty="0">
-                <a:latin typeface="Arial" panose="020B0604020202020204" pitchFamily="34" charset="0"/>
-              </a:rPr>
-              <a:t>).</a:t>
-            </a:r>
-            <a:endParaRPr lang="pt-BR" sz="1200" b="0" dirty="0">
-              <a:effectLst/>
-            </a:endParaRPr>
-          </a:p>
-          <a:p>
-            <a:pPr marL="171945" indent="-171450" algn="just" rtl="0">
-              <a:spcBef>
-                <a:spcPts val="946"/>
-              </a:spcBef>
-              <a:spcAft>
-                <a:spcPts val="0"/>
-              </a:spcAft>
-              <a:buFont typeface="Arial" panose="020B0604020202020204" pitchFamily="34" charset="0"/>
-              <a:buChar char="•"/>
-            </a:pPr>
-            <a:r>
-              <a:rPr lang="pt-BR" sz="1200" b="0" i="0" u="none" strike="noStrike" dirty="0">
-                <a:solidFill>
-                  <a:schemeClr val="accent1">
-                    <a:lumMod val="75000"/>
-                  </a:schemeClr>
-                </a:solidFill>
-                <a:effectLst/>
-                <a:latin typeface="Arial" panose="020B0604020202020204" pitchFamily="34" charset="0"/>
-              </a:rPr>
-              <a:t>O ruído de erro tipográfico </a:t>
-            </a:r>
-            <a:r>
-              <a:rPr lang="pt-BR" sz="1200" dirty="0">
-                <a:solidFill>
-                  <a:schemeClr val="accent1">
-                    <a:lumMod val="75000"/>
-                  </a:schemeClr>
-                </a:solidFill>
-                <a:latin typeface="Arial" panose="020B0604020202020204" pitchFamily="34" charset="0"/>
-              </a:rPr>
-              <a:t>(um por frase) não gerou muito impacto</a:t>
-            </a:r>
-            <a:r>
-              <a:rPr lang="pt-BR" sz="1200" dirty="0">
-                <a:latin typeface="Arial" panose="020B0604020202020204" pitchFamily="34" charset="0"/>
-              </a:rPr>
-              <a:t> nos contextos de pesquisa. </a:t>
-            </a:r>
-            <a:r>
-              <a:rPr lang="pt-BR" sz="1200" b="0" i="0" u="none" strike="noStrike" dirty="0">
-                <a:solidFill>
-                  <a:srgbClr val="000000"/>
-                </a:solidFill>
-                <a:effectLst/>
-                <a:latin typeface="Arial" panose="020B0604020202020204" pitchFamily="34" charset="0"/>
-              </a:rPr>
-              <a:t>Uma possível explicação seria o fato de </a:t>
-            </a:r>
-            <a:r>
-              <a:rPr lang="pt-BR" sz="1200" b="0" i="0" u="none" strike="noStrike" dirty="0" err="1">
-                <a:solidFill>
-                  <a:srgbClr val="000000"/>
-                </a:solidFill>
-                <a:effectLst/>
-                <a:latin typeface="Arial" panose="020B0604020202020204" pitchFamily="34" charset="0"/>
-              </a:rPr>
-              <a:t>transformers</a:t>
-            </a:r>
-            <a:r>
-              <a:rPr lang="pt-BR" sz="1200" b="0" i="0" u="none" strike="noStrike" dirty="0">
-                <a:solidFill>
-                  <a:srgbClr val="000000"/>
-                </a:solidFill>
-                <a:effectLst/>
-                <a:latin typeface="Arial" panose="020B0604020202020204" pitchFamily="34" charset="0"/>
-              </a:rPr>
-              <a:t> tratarem melhor partes de palavras (pelo </a:t>
-            </a:r>
-            <a:r>
-              <a:rPr lang="pt-BR" sz="1200" b="0" i="0" u="none" strike="noStrike" dirty="0" err="1">
-                <a:solidFill>
-                  <a:srgbClr val="000000"/>
-                </a:solidFill>
-                <a:effectLst/>
-                <a:latin typeface="Arial" panose="020B0604020202020204" pitchFamily="34" charset="0"/>
-              </a:rPr>
-              <a:t>tokenizador</a:t>
-            </a:r>
-            <a:r>
-              <a:rPr lang="pt-BR" sz="1200" b="0" i="0" u="none" strike="noStrike" dirty="0">
-                <a:solidFill>
-                  <a:srgbClr val="000000"/>
-                </a:solidFill>
-                <a:effectLst/>
-                <a:latin typeface="Arial" panose="020B0604020202020204" pitchFamily="34" charset="0"/>
-              </a:rPr>
-              <a:t>) ou por serem treinados com dados com ruídos. Ou até </a:t>
-            </a:r>
-            <a:r>
-              <a:rPr lang="pt-BR" sz="1200" dirty="0">
-                <a:latin typeface="Arial" panose="020B0604020202020204" pitchFamily="34" charset="0"/>
-              </a:rPr>
-              <a:t>pela </a:t>
-            </a:r>
-            <a:r>
-              <a:rPr lang="pt-BR" sz="1200" b="0" i="0" u="none" strike="noStrike" dirty="0">
-                <a:solidFill>
-                  <a:srgbClr val="000000"/>
-                </a:solidFill>
-                <a:effectLst/>
-                <a:latin typeface="Arial" panose="020B0604020202020204" pitchFamily="34" charset="0"/>
-              </a:rPr>
-              <a:t>existência do próprio ruído nos documentos pesquisados. </a:t>
-            </a:r>
-          </a:p>
-          <a:p>
-            <a:pPr marL="171945" indent="-171450" algn="just" rtl="0">
-              <a:spcBef>
-                <a:spcPts val="946"/>
-              </a:spcBef>
-              <a:spcAft>
-                <a:spcPts val="0"/>
-              </a:spcAft>
-              <a:buFont typeface="Arial" panose="020B0604020202020204" pitchFamily="34" charset="0"/>
-              <a:buChar char="•"/>
-            </a:pPr>
-            <a:r>
-              <a:rPr lang="pt-BR" sz="1200" b="0" i="0" u="none" strike="noStrike" dirty="0">
-                <a:solidFill>
-                  <a:srgbClr val="000000"/>
-                </a:solidFill>
-                <a:effectLst/>
-                <a:latin typeface="Arial" panose="020B0604020202020204" pitchFamily="34" charset="0"/>
-              </a:rPr>
-              <a:t>Observou-se que consultas com </a:t>
-            </a:r>
-            <a:r>
-              <a:rPr lang="pt-BR" sz="1200" b="0" i="0" u="none" strike="noStrike" dirty="0">
-                <a:solidFill>
-                  <a:schemeClr val="accent1">
-                    <a:lumMod val="75000"/>
-                  </a:schemeClr>
-                </a:solidFill>
-                <a:effectLst/>
-                <a:latin typeface="Arial" panose="020B0604020202020204" pitchFamily="34" charset="0"/>
-              </a:rPr>
-              <a:t>textos maiores são mais robustas aos ruídos</a:t>
-            </a:r>
-            <a:r>
-              <a:rPr lang="pt-BR" sz="1200" b="0" i="0" u="none" strike="noStrike" dirty="0">
-                <a:solidFill>
-                  <a:srgbClr val="000000"/>
-                </a:solidFill>
-                <a:effectLst/>
-                <a:latin typeface="Arial" panose="020B0604020202020204" pitchFamily="34" charset="0"/>
-              </a:rPr>
-              <a:t> experimentados, com menores variações de DG. Enquanto textos mais curtos apresentam resultados mais variados. A possível explicação para isso é que em textos maiores há uma menor chance de se perder palavras mais relevantes.</a:t>
-            </a:r>
-            <a:endParaRPr lang="pt-BR" sz="1200" b="0" dirty="0">
-              <a:effectLst/>
-            </a:endParaRPr>
-          </a:p>
-          <a:p>
-            <a:endParaRPr lang="pt-BR" sz="1200" dirty="0"/>
+              <a:t>Aplicação a caminho no TCU!</a:t>
+            </a:r>
+            <a:endParaRPr lang="pt-BR" sz="1400" u="sng" dirty="0"/>
           </a:p>
         </p:txBody>
       </p:sp>
@@ -7837,7 +9649,7 @@
 </p:sld>
 </file>
 
-<file path=ppt/slides/slide12.xml><?xml version="1.0" encoding="utf-8"?>
+<file path=ppt/slides/slide15.xml><?xml version="1.0" encoding="utf-8"?>
 <p:sld xmlns:a="http://schemas.openxmlformats.org/drawingml/2006/main" xmlns:r="http://schemas.openxmlformats.org/officeDocument/2006/relationships" xmlns:p="http://schemas.openxmlformats.org/presentationml/2006/main">
   <p:cSld>
     <p:spTree>
@@ -7944,13 +9756,20 @@
             </a:r>
             <a:r>
               <a:rPr lang="pt-BR" sz="1200" b="0" i="0" u="none" strike="noStrike" dirty="0">
+                <a:effectLst/>
+                <a:latin typeface="Arial" panose="020B0604020202020204" pitchFamily="34" charset="0"/>
+              </a:rPr>
+              <a:t>, </a:t>
+            </a:r>
+            <a:r>
+              <a:rPr lang="pt-BR" sz="1200" b="0" i="0" u="none" strike="noStrike" dirty="0">
                 <a:solidFill>
                   <a:srgbClr val="000000"/>
                 </a:solidFill>
                 <a:effectLst/>
                 <a:latin typeface="Arial" panose="020B0604020202020204" pitchFamily="34" charset="0"/>
               </a:rPr>
-              <a:t>, podem ser realizadas análises mais detalhadas por tipo de função de ranqueamento, por modelo usado, por base de texto pesquisada ou por linguagem, podendo-se ampliar o escopo desses. E serem investigadas hipóteses levantadas na conclusão.</a:t>
+              <a:t>podem ser realizadas análises mais detalhadas por tipo de função de ranqueamento, por modelo usado, por base de texto pesquisada ou por linguagem, podendo-se ampliar o escopo desses. E serem investigadas hipóteses levantadas na conclusão.</a:t>
             </a:r>
           </a:p>
           <a:p>
@@ -7968,7 +9787,8 @@
               <a:rPr lang="pt-BR" sz="1200" dirty="0">
                 <a:solidFill>
                   <a:schemeClr val="accent1">
-                    <a:lumMod val="75000"/>
+                    <a:lumMod val="60000"/>
+                    <a:lumOff val="40000"/>
                   </a:schemeClr>
                 </a:solidFill>
                 <a:latin typeface="Arial" panose="020B0604020202020204" pitchFamily="34" charset="0"/>
@@ -7978,12 +9798,83 @@
             <a:r>
               <a:rPr lang="pt-BR" sz="1200" b="0" i="0" u="none" strike="noStrike" dirty="0">
                 <a:solidFill>
+                  <a:schemeClr val="accent1">
+                    <a:lumMod val="60000"/>
+                    <a:lumOff val="40000"/>
+                  </a:schemeClr>
+                </a:solidFill>
+                <a:effectLst/>
+                <a:latin typeface="Arial" panose="020B0604020202020204" pitchFamily="34" charset="0"/>
+              </a:rPr>
+              <a:t>, </a:t>
+            </a:r>
+            <a:r>
+              <a:rPr lang="pt-BR" sz="1200" b="0" i="0" u="none" strike="noStrike" dirty="0">
+                <a:solidFill>
+                  <a:schemeClr val="bg2">
+                    <a:lumMod val="60000"/>
+                    <a:lumOff val="40000"/>
+                  </a:schemeClr>
+                </a:solidFill>
+                <a:effectLst/>
+                <a:latin typeface="Arial" panose="020B0604020202020204" pitchFamily="34" charset="0"/>
+              </a:rPr>
+              <a:t>poderia ser ampliado o leque de técnicas avaliadas, incluindo doc2query, serem usados outros tipos de busca densa, entre outros. </a:t>
+            </a:r>
+            <a:endParaRPr lang="pt-BR" sz="1200" b="0" dirty="0">
+              <a:solidFill>
+                <a:schemeClr val="bg2">
+                  <a:lumMod val="60000"/>
+                  <a:lumOff val="40000"/>
+                </a:schemeClr>
+              </a:solidFill>
+              <a:effectLst/>
+            </a:endParaRPr>
+          </a:p>
+          <a:p>
+            <a:pPr marL="171945" indent="-171450" algn="just" rtl="0">
+              <a:spcBef>
+                <a:spcPts val="946"/>
+              </a:spcBef>
+              <a:spcAft>
+                <a:spcPts val="0"/>
+              </a:spcAft>
+              <a:buFont typeface="Wingdings" panose="05000000000000000000" pitchFamily="2" charset="2"/>
+              <a:buChar char="§"/>
+            </a:pPr>
+            <a:r>
+              <a:rPr lang="pt-BR" sz="1200" dirty="0">
+                <a:solidFill>
+                  <a:schemeClr val="accent1">
+                    <a:lumMod val="60000"/>
+                    <a:lumOff val="40000"/>
+                  </a:schemeClr>
+                </a:solidFill>
+                <a:latin typeface="Arial" panose="020B0604020202020204" pitchFamily="34" charset="0"/>
+              </a:rPr>
+              <a:t>Quanto aos tipos de ruídos, </a:t>
+            </a:r>
+            <a:r>
+              <a:rPr lang="pt-BR" sz="1200" dirty="0">
+                <a:solidFill>
+                  <a:schemeClr val="bg2">
+                    <a:lumMod val="60000"/>
+                    <a:lumOff val="40000"/>
+                  </a:schemeClr>
+                </a:solidFill>
+                <a:latin typeface="Arial" panose="020B0604020202020204" pitchFamily="34" charset="0"/>
+              </a:rPr>
+              <a:t>sugere-se aumentar o número de ruídos, por variação dos sugeridos ou por junção dos mesmos. Ou mesmo com uso de novos tipos</a:t>
+            </a:r>
+            <a:r>
+              <a:rPr lang="pt-BR" sz="1200" b="0" i="0" u="none" strike="noStrike" dirty="0">
+                <a:solidFill>
                   <a:srgbClr val="000000"/>
                 </a:solidFill>
                 <a:effectLst/>
                 <a:latin typeface="Arial" panose="020B0604020202020204" pitchFamily="34" charset="0"/>
               </a:rPr>
-              <a:t>, poderia ser ampliado o leque de técnicas avaliadas, incluindo doc2query, serem usados outros tipos de busca densa, entre outros. </a:t>
+              <a:t>. </a:t>
             </a:r>
             <a:endParaRPr lang="pt-BR" sz="1200" b="0" dirty="0">
               <a:effectLst/>
@@ -8004,102 +9895,74 @@
               <a:rPr lang="pt-BR" sz="1200" dirty="0">
                 <a:solidFill>
                   <a:schemeClr val="accent1">
-                    <a:lumMod val="75000"/>
+                    <a:lumMod val="60000"/>
+                    <a:lumOff val="40000"/>
                   </a:schemeClr>
                 </a:solidFill>
                 <a:latin typeface="Arial" panose="020B0604020202020204" pitchFamily="34" charset="0"/>
               </a:rPr>
-              <a:t>Quanto aos tipos de ruídos</a:t>
-            </a:r>
-            <a:r>
-              <a:rPr lang="pt-BR" sz="1200" b="0" i="0" u="none" strike="noStrike" dirty="0">
-                <a:solidFill>
-                  <a:srgbClr val="000000"/>
-                </a:solidFill>
-                <a:effectLst/>
-                <a:latin typeface="Arial" panose="020B0604020202020204" pitchFamily="34" charset="0"/>
-              </a:rPr>
-              <a:t>, sugere-se aumentar o número de ruídos, por variação dos sugeridos ou por junção dos mesmos. Ou mesmo com uso de novos tipos. </a:t>
-            </a:r>
-            <a:endParaRPr lang="pt-BR" sz="1200" b="0" dirty="0">
-              <a:effectLst/>
-            </a:endParaRPr>
-          </a:p>
-          <a:p>
-            <a:pPr marL="171945" indent="-171450" algn="just" rtl="0">
-              <a:spcBef>
-                <a:spcPts val="946"/>
-              </a:spcBef>
-              <a:spcAft>
-                <a:spcPts val="0"/>
-              </a:spcAft>
-              <a:buFont typeface="Wingdings" panose="05000000000000000000" pitchFamily="2" charset="2"/>
-              <a:buChar char="§"/>
-            </a:pPr>
+              <a:t>Quanto às bases de documentos, </a:t>
+            </a:r>
             <a:r>
               <a:rPr lang="pt-BR" sz="1200" dirty="0">
                 <a:solidFill>
-                  <a:schemeClr val="accent1">
-                    <a:lumMod val="75000"/>
+                  <a:schemeClr val="bg2">
+                    <a:lumMod val="60000"/>
+                    <a:lumOff val="40000"/>
                   </a:schemeClr>
                 </a:solidFill>
                 <a:latin typeface="Arial" panose="020B0604020202020204" pitchFamily="34" charset="0"/>
               </a:rPr>
-              <a:t>Quanto às bases de documentos</a:t>
-            </a:r>
-            <a:r>
-              <a:rPr lang="pt-BR" sz="1200" b="0" i="0" u="none" strike="noStrike" dirty="0">
-                <a:solidFill>
-                  <a:srgbClr val="000000"/>
-                </a:solidFill>
-                <a:effectLst/>
-                <a:latin typeface="Arial" panose="020B0604020202020204" pitchFamily="34" charset="0"/>
-              </a:rPr>
-              <a:t>, havia uma restrição de uso de GPU o que levou ao uso de uma base menor na maioria dos contextos de pesquisa. Sugere-se repetir os experimentos com os modelos na base completa TREC 2020 </a:t>
-            </a:r>
-            <a:r>
-              <a:rPr lang="pt-BR" sz="1200" b="0" i="0" u="none" strike="noStrike" dirty="0" err="1">
-                <a:solidFill>
-                  <a:srgbClr val="000000"/>
-                </a:solidFill>
-                <a:effectLst/>
+              <a:t>havia uma restrição de uso de GPU o que levou ao uso de uma base menor na maioria dos contextos de pesquisa. Sugere-se repetir os experimentos com os modelos na base completa TREC 2020 </a:t>
+            </a:r>
+            <a:r>
+              <a:rPr lang="pt-BR" sz="1200" dirty="0" err="1">
+                <a:solidFill>
+                  <a:schemeClr val="bg2">
+                    <a:lumMod val="60000"/>
+                    <a:lumOff val="40000"/>
+                  </a:schemeClr>
+                </a:solidFill>
                 <a:latin typeface="Arial" panose="020B0604020202020204" pitchFamily="34" charset="0"/>
               </a:rPr>
               <a:t>MsMarco</a:t>
             </a:r>
             <a:r>
-              <a:rPr lang="pt-BR" sz="1200" b="0" i="0" u="none" strike="noStrike" dirty="0">
-                <a:solidFill>
-                  <a:srgbClr val="000000"/>
-                </a:solidFill>
-                <a:effectLst/>
+              <a:rPr lang="pt-BR" sz="1200" dirty="0">
+                <a:solidFill>
+                  <a:schemeClr val="bg2">
+                    <a:lumMod val="60000"/>
+                    <a:lumOff val="40000"/>
+                  </a:schemeClr>
+                </a:solidFill>
                 <a:latin typeface="Arial" panose="020B0604020202020204" pitchFamily="34" charset="0"/>
               </a:rPr>
               <a:t> </a:t>
             </a:r>
             <a:r>
-              <a:rPr lang="pt-BR" sz="1200" b="0" i="0" u="none" strike="noStrike" dirty="0" err="1">
-                <a:solidFill>
-                  <a:srgbClr val="000000"/>
-                </a:solidFill>
-                <a:effectLst/>
+              <a:rPr lang="pt-BR" sz="1200" dirty="0" err="1">
+                <a:solidFill>
+                  <a:schemeClr val="bg2">
+                    <a:lumMod val="60000"/>
+                    <a:lumOff val="40000"/>
+                  </a:schemeClr>
+                </a:solidFill>
                 <a:latin typeface="Arial" panose="020B0604020202020204" pitchFamily="34" charset="0"/>
               </a:rPr>
               <a:t>Passage</a:t>
             </a:r>
             <a:r>
-              <a:rPr lang="pt-BR" sz="1200" b="0" i="0" u="none" strike="noStrike" dirty="0">
-                <a:solidFill>
-                  <a:srgbClr val="000000"/>
-                </a:solidFill>
-                <a:effectLst/>
+              <a:rPr lang="pt-BR" sz="1200" dirty="0">
+                <a:solidFill>
+                  <a:schemeClr val="bg2">
+                    <a:lumMod val="60000"/>
+                    <a:lumOff val="40000"/>
+                  </a:schemeClr>
+                </a:solidFill>
                 <a:latin typeface="Arial" panose="020B0604020202020204" pitchFamily="34" charset="0"/>
               </a:rPr>
               <a:t>.</a:t>
             </a:r>
-            <a:endParaRPr lang="pt-BR" sz="1200" b="0" dirty="0">
-              <a:effectLst/>
-            </a:endParaRPr>
           </a:p>
           <a:p>
             <a:pPr marL="171945" indent="-171450" algn="just" rtl="0">
@@ -8334,7 +10197,7 @@
 </p:sld>
 </file>
 
-<file path=ppt/slides/slide13.xml><?xml version="1.0" encoding="utf-8"?>
+<file path=ppt/slides/slide16.xml><?xml version="1.0" encoding="utf-8"?>
 <p:sld xmlns:a="http://schemas.openxmlformats.org/drawingml/2006/main" xmlns:r="http://schemas.openxmlformats.org/officeDocument/2006/relationships" xmlns:p="http://schemas.openxmlformats.org/presentationml/2006/main">
   <p:cSld>
     <p:spTree>
@@ -9844,6 +11707,675 @@
   <p:cSld>
     <p:spTree>
       <p:nvGrpSpPr>
+        <p:cNvPr id="1" name="Shape 83"/>
+        <p:cNvGrpSpPr/>
+        <p:nvPr/>
+      </p:nvGrpSpPr>
+      <p:grpSpPr>
+        <a:xfrm>
+          <a:off x="0" y="0"/>
+          <a:ext cx="0" cy="0"/>
+          <a:chOff x="0" y="0"/>
+          <a:chExt cx="0" cy="0"/>
+        </a:xfrm>
+      </p:grpSpPr>
+      <p:sp>
+        <p:nvSpPr>
+          <p:cNvPr id="7" name="Google Shape;66;p15">
+            <a:extLst>
+              <a:ext uri="{FF2B5EF4-FFF2-40B4-BE49-F238E27FC236}">
+                <a16:creationId xmlns:a16="http://schemas.microsoft.com/office/drawing/2014/main" id="{413D4A4C-FA4E-4165-AC82-91143F5BDF76}"/>
+              </a:ext>
+            </a:extLst>
+          </p:cNvPr>
+          <p:cNvSpPr txBox="1">
+            <a:spLocks noGrp="1"/>
+          </p:cNvSpPr>
+          <p:nvPr>
+            <p:ph type="title"/>
+          </p:nvPr>
+        </p:nvSpPr>
+        <p:spPr>
+          <a:xfrm>
+            <a:off x="108500" y="10160"/>
+            <a:ext cx="8520600" cy="572700"/>
+          </a:xfrm>
+          <a:prstGeom prst="rect">
+            <a:avLst/>
+          </a:prstGeom>
+        </p:spPr>
+        <p:txBody>
+          <a:bodyPr spcFirstLastPara="1" wrap="square" lIns="91425" tIns="91425" rIns="91425" bIns="91425" anchor="t" anchorCtr="0">
+            <a:normAutofit/>
+          </a:bodyPr>
+          <a:lstStyle/>
+          <a:p>
+            <a:pPr marL="0" lvl="0" indent="0" algn="l" rtl="0">
+              <a:spcBef>
+                <a:spcPts val="0"/>
+              </a:spcBef>
+              <a:spcAft>
+                <a:spcPts val="0"/>
+              </a:spcAft>
+              <a:buNone/>
+            </a:pPr>
+            <a:r>
+              <a:rPr lang="pt-BR" sz="1800" b="0" i="0" u="none" strike="noStrike" dirty="0">
+                <a:solidFill>
+                  <a:srgbClr val="000000"/>
+                </a:solidFill>
+                <a:effectLst/>
+                <a:latin typeface="Arial" panose="020B0604020202020204" pitchFamily="34" charset="0"/>
+              </a:rPr>
+              <a:t>Resultados – DG: valores médios </a:t>
+            </a:r>
+            <a:endParaRPr dirty="0"/>
+          </a:p>
+        </p:txBody>
+      </p:sp>
+      <p:pic>
+        <p:nvPicPr>
+          <p:cNvPr id="1026" name="Picture 2">
+            <a:extLst>
+              <a:ext uri="{FF2B5EF4-FFF2-40B4-BE49-F238E27FC236}">
+                <a16:creationId xmlns:a16="http://schemas.microsoft.com/office/drawing/2014/main" id="{53E56302-0C30-49A3-9351-F231EB51CFEE}"/>
+              </a:ext>
+            </a:extLst>
+          </p:cNvPr>
+          <p:cNvPicPr>
+            <a:picLocks noChangeAspect="1" noChangeArrowheads="1"/>
+          </p:cNvPicPr>
+          <p:nvPr/>
+        </p:nvPicPr>
+        <p:blipFill>
+          <a:blip r:embed="rId3">
+            <a:extLst>
+              <a:ext uri="{28A0092B-C50C-407E-A947-70E740481C1C}">
+                <a14:useLocalDpi xmlns:a14="http://schemas.microsoft.com/office/drawing/2010/main" val="0"/>
+              </a:ext>
+            </a:extLst>
+          </a:blip>
+          <a:srcRect/>
+          <a:stretch>
+            <a:fillRect/>
+          </a:stretch>
+        </p:blipFill>
+        <p:spPr bwMode="auto">
+          <a:xfrm>
+            <a:off x="0" y="365760"/>
+            <a:ext cx="8913707" cy="4777740"/>
+          </a:xfrm>
+          <a:prstGeom prst="rect">
+            <a:avLst/>
+          </a:prstGeom>
+          <a:noFill/>
+          <a:extLst>
+            <a:ext uri="{909E8E84-426E-40DD-AFC4-6F175D3DCCD1}">
+              <a14:hiddenFill xmlns:a14="http://schemas.microsoft.com/office/drawing/2010/main">
+                <a:solidFill>
+                  <a:srgbClr val="FFFFFF"/>
+                </a:solidFill>
+              </a14:hiddenFill>
+            </a:ext>
+          </a:extLst>
+        </p:spPr>
+      </p:pic>
+      <p:sp>
+        <p:nvSpPr>
+          <p:cNvPr id="5" name="CaixaDeTexto 4">
+            <a:extLst>
+              <a:ext uri="{FF2B5EF4-FFF2-40B4-BE49-F238E27FC236}">
+                <a16:creationId xmlns:a16="http://schemas.microsoft.com/office/drawing/2014/main" id="{A0B2FBA6-BF76-40E0-B5B3-F6E31C64DBB5}"/>
+              </a:ext>
+            </a:extLst>
+          </p:cNvPr>
+          <p:cNvSpPr txBox="1"/>
+          <p:nvPr/>
+        </p:nvSpPr>
+        <p:spPr>
+          <a:xfrm>
+            <a:off x="1356361" y="582860"/>
+            <a:ext cx="4595706" cy="307777"/>
+          </a:xfrm>
+          <a:prstGeom prst="rect">
+            <a:avLst/>
+          </a:prstGeom>
+          <a:noFill/>
+        </p:spPr>
+        <p:txBody>
+          <a:bodyPr wrap="square">
+            <a:spAutoFit/>
+          </a:bodyPr>
+          <a:lstStyle/>
+          <a:p>
+            <a:r>
+              <a:rPr lang="pt-BR" sz="1400" dirty="0">
+                <a:solidFill>
+                  <a:schemeClr val="accent1">
+                    <a:lumMod val="75000"/>
+                  </a:schemeClr>
+                </a:solidFill>
+                <a:latin typeface="Arial" panose="020B0604020202020204" pitchFamily="34" charset="0"/>
+              </a:rPr>
+              <a:t>possível afunilamento de termos nas traduções</a:t>
+            </a:r>
+            <a:r>
+              <a:rPr lang="pt-BR" dirty="0">
+                <a:solidFill>
+                  <a:schemeClr val="accent1">
+                    <a:lumMod val="75000"/>
+                  </a:schemeClr>
+                </a:solidFill>
+                <a:latin typeface="Arial" panose="020B0604020202020204" pitchFamily="34" charset="0"/>
+              </a:rPr>
+              <a:t>?</a:t>
+            </a:r>
+            <a:endParaRPr lang="pt-BR" dirty="0"/>
+          </a:p>
+        </p:txBody>
+      </p:sp>
+      <p:sp>
+        <p:nvSpPr>
+          <p:cNvPr id="11" name="Raio 10">
+            <a:extLst>
+              <a:ext uri="{FF2B5EF4-FFF2-40B4-BE49-F238E27FC236}">
+                <a16:creationId xmlns:a16="http://schemas.microsoft.com/office/drawing/2014/main" id="{C220BDA2-6CB8-4E8C-BCAB-8E7ECD6E08CF}"/>
+              </a:ext>
+            </a:extLst>
+          </p:cNvPr>
+          <p:cNvSpPr/>
+          <p:nvPr/>
+        </p:nvSpPr>
+        <p:spPr>
+          <a:xfrm rot="4850267">
+            <a:off x="1457023" y="827206"/>
+            <a:ext cx="164430" cy="343961"/>
+          </a:xfrm>
+          <a:prstGeom prst="lightningBolt">
+            <a:avLst/>
+          </a:prstGeom>
+          <a:gradFill>
+            <a:gsLst>
+              <a:gs pos="0">
+                <a:schemeClr val="accent1">
+                  <a:lumMod val="5000"/>
+                  <a:lumOff val="95000"/>
+                </a:schemeClr>
+              </a:gs>
+              <a:gs pos="74000">
+                <a:schemeClr val="accent1">
+                  <a:lumMod val="45000"/>
+                  <a:lumOff val="55000"/>
+                </a:schemeClr>
+              </a:gs>
+              <a:gs pos="83000">
+                <a:schemeClr val="accent1">
+                  <a:lumMod val="45000"/>
+                  <a:lumOff val="55000"/>
+                </a:schemeClr>
+              </a:gs>
+              <a:gs pos="100000">
+                <a:schemeClr val="accent1">
+                  <a:lumMod val="30000"/>
+                  <a:lumOff val="70000"/>
+                </a:schemeClr>
+              </a:gs>
+            </a:gsLst>
+            <a:lin ang="5400000" scaled="1"/>
+          </a:gradFill>
+        </p:spPr>
+        <p:style>
+          <a:lnRef idx="2">
+            <a:schemeClr val="accent1">
+              <a:shade val="50000"/>
+            </a:schemeClr>
+          </a:lnRef>
+          <a:fillRef idx="1">
+            <a:schemeClr val="accent1"/>
+          </a:fillRef>
+          <a:effectRef idx="0">
+            <a:schemeClr val="accent1"/>
+          </a:effectRef>
+          <a:fontRef idx="minor">
+            <a:schemeClr val="lt1"/>
+          </a:fontRef>
+        </p:style>
+        <p:txBody>
+          <a:bodyPr rtlCol="0" anchor="ctr"/>
+          <a:lstStyle/>
+          <a:p>
+            <a:pPr algn="ctr"/>
+            <a:endParaRPr lang="pt-BR"/>
+          </a:p>
+        </p:txBody>
+      </p:sp>
+    </p:spTree>
+    <p:extLst>
+      <p:ext uri="{BB962C8B-B14F-4D97-AF65-F5344CB8AC3E}">
+        <p14:creationId xmlns:p14="http://schemas.microsoft.com/office/powerpoint/2010/main" val="1713012985"/>
+      </p:ext>
+    </p:extLst>
+  </p:cSld>
+  <p:clrMapOvr>
+    <a:masterClrMapping/>
+  </p:clrMapOvr>
+</p:sld>
+</file>
+
+<file path=ppt/slides/slide7.xml><?xml version="1.0" encoding="utf-8"?>
+<p:sld xmlns:a="http://schemas.openxmlformats.org/drawingml/2006/main" xmlns:r="http://schemas.openxmlformats.org/officeDocument/2006/relationships" xmlns:p="http://schemas.openxmlformats.org/presentationml/2006/main">
+  <p:cSld>
+    <p:spTree>
+      <p:nvGrpSpPr>
+        <p:cNvPr id="1" name="Shape 83"/>
+        <p:cNvGrpSpPr/>
+        <p:nvPr/>
+      </p:nvGrpSpPr>
+      <p:grpSpPr>
+        <a:xfrm>
+          <a:off x="0" y="0"/>
+          <a:ext cx="0" cy="0"/>
+          <a:chOff x="0" y="0"/>
+          <a:chExt cx="0" cy="0"/>
+        </a:xfrm>
+      </p:grpSpPr>
+      <p:sp>
+        <p:nvSpPr>
+          <p:cNvPr id="7" name="Google Shape;66;p15">
+            <a:extLst>
+              <a:ext uri="{FF2B5EF4-FFF2-40B4-BE49-F238E27FC236}">
+                <a16:creationId xmlns:a16="http://schemas.microsoft.com/office/drawing/2014/main" id="{413D4A4C-FA4E-4165-AC82-91143F5BDF76}"/>
+              </a:ext>
+            </a:extLst>
+          </p:cNvPr>
+          <p:cNvSpPr txBox="1">
+            <a:spLocks noGrp="1"/>
+          </p:cNvSpPr>
+          <p:nvPr>
+            <p:ph type="title"/>
+          </p:nvPr>
+        </p:nvSpPr>
+        <p:spPr>
+          <a:xfrm>
+            <a:off x="108500" y="10160"/>
+            <a:ext cx="8520600" cy="572700"/>
+          </a:xfrm>
+          <a:prstGeom prst="rect">
+            <a:avLst/>
+          </a:prstGeom>
+        </p:spPr>
+        <p:txBody>
+          <a:bodyPr spcFirstLastPara="1" wrap="square" lIns="91425" tIns="91425" rIns="91425" bIns="91425" anchor="t" anchorCtr="0">
+            <a:normAutofit/>
+          </a:bodyPr>
+          <a:lstStyle/>
+          <a:p>
+            <a:pPr marL="0" lvl="0" indent="0" algn="l" rtl="0">
+              <a:spcBef>
+                <a:spcPts val="0"/>
+              </a:spcBef>
+              <a:spcAft>
+                <a:spcPts val="0"/>
+              </a:spcAft>
+              <a:buNone/>
+            </a:pPr>
+            <a:r>
+              <a:rPr lang="pt-BR" sz="1800" b="0" i="0" u="none" strike="noStrike" dirty="0">
+                <a:solidFill>
+                  <a:srgbClr val="000000"/>
+                </a:solidFill>
+                <a:effectLst/>
+                <a:latin typeface="Arial" panose="020B0604020202020204" pitchFamily="34" charset="0"/>
+              </a:rPr>
+              <a:t>Resultados – DG: valores médios </a:t>
+            </a:r>
+            <a:endParaRPr dirty="0"/>
+          </a:p>
+        </p:txBody>
+      </p:sp>
+      <p:pic>
+        <p:nvPicPr>
+          <p:cNvPr id="1026" name="Picture 2">
+            <a:extLst>
+              <a:ext uri="{FF2B5EF4-FFF2-40B4-BE49-F238E27FC236}">
+                <a16:creationId xmlns:a16="http://schemas.microsoft.com/office/drawing/2014/main" id="{53E56302-0C30-49A3-9351-F231EB51CFEE}"/>
+              </a:ext>
+            </a:extLst>
+          </p:cNvPr>
+          <p:cNvPicPr>
+            <a:picLocks noChangeAspect="1" noChangeArrowheads="1"/>
+          </p:cNvPicPr>
+          <p:nvPr/>
+        </p:nvPicPr>
+        <p:blipFill>
+          <a:blip r:embed="rId3">
+            <a:extLst>
+              <a:ext uri="{28A0092B-C50C-407E-A947-70E740481C1C}">
+                <a14:useLocalDpi xmlns:a14="http://schemas.microsoft.com/office/drawing/2010/main" val="0"/>
+              </a:ext>
+            </a:extLst>
+          </a:blip>
+          <a:srcRect/>
+          <a:stretch>
+            <a:fillRect/>
+          </a:stretch>
+        </p:blipFill>
+        <p:spPr bwMode="auto">
+          <a:xfrm>
+            <a:off x="0" y="365760"/>
+            <a:ext cx="8913707" cy="4777740"/>
+          </a:xfrm>
+          <a:prstGeom prst="rect">
+            <a:avLst/>
+          </a:prstGeom>
+          <a:noFill/>
+          <a:extLst>
+            <a:ext uri="{909E8E84-426E-40DD-AFC4-6F175D3DCCD1}">
+              <a14:hiddenFill xmlns:a14="http://schemas.microsoft.com/office/drawing/2010/main">
+                <a:solidFill>
+                  <a:srgbClr val="FFFFFF"/>
+                </a:solidFill>
+              </a14:hiddenFill>
+            </a:ext>
+          </a:extLst>
+        </p:spPr>
+      </p:pic>
+      <p:sp>
+        <p:nvSpPr>
+          <p:cNvPr id="9" name="CaixaDeTexto 8">
+            <a:extLst>
+              <a:ext uri="{FF2B5EF4-FFF2-40B4-BE49-F238E27FC236}">
+                <a16:creationId xmlns:a16="http://schemas.microsoft.com/office/drawing/2014/main" id="{F4348B06-D209-4DC5-87E9-582EB1DDEB3D}"/>
+              </a:ext>
+            </a:extLst>
+          </p:cNvPr>
+          <p:cNvSpPr txBox="1"/>
+          <p:nvPr/>
+        </p:nvSpPr>
+        <p:spPr>
+          <a:xfrm>
+            <a:off x="4660053" y="2310140"/>
+            <a:ext cx="3860800" cy="523220"/>
+          </a:xfrm>
+          <a:prstGeom prst="rect">
+            <a:avLst/>
+          </a:prstGeom>
+          <a:noFill/>
+        </p:spPr>
+        <p:txBody>
+          <a:bodyPr wrap="square">
+            <a:spAutoFit/>
+          </a:bodyPr>
+          <a:lstStyle/>
+          <a:p>
+            <a:pPr algn="ctr"/>
+            <a:r>
+              <a:rPr lang="pt-BR" sz="1400" b="0" i="0" u="none" strike="noStrike" dirty="0">
+                <a:solidFill>
+                  <a:schemeClr val="accent1">
+                    <a:lumMod val="75000"/>
+                  </a:schemeClr>
+                </a:solidFill>
+                <a:effectLst/>
+                <a:latin typeface="Arial" panose="020B0604020202020204" pitchFamily="34" charset="0"/>
+              </a:rPr>
+              <a:t>O ruído de erro tipográfico </a:t>
+            </a:r>
+            <a:r>
+              <a:rPr lang="pt-BR" sz="1400" dirty="0">
+                <a:solidFill>
+                  <a:schemeClr val="accent1">
+                    <a:lumMod val="75000"/>
+                  </a:schemeClr>
+                </a:solidFill>
+                <a:latin typeface="Arial" panose="020B0604020202020204" pitchFamily="34" charset="0"/>
+              </a:rPr>
+              <a:t>(um por frase) não gerou muito impacto</a:t>
+            </a:r>
+            <a:r>
+              <a:rPr lang="pt-BR" sz="1400" dirty="0">
+                <a:latin typeface="Arial" panose="020B0604020202020204" pitchFamily="34" charset="0"/>
+              </a:rPr>
+              <a:t> </a:t>
+            </a:r>
+            <a:endParaRPr lang="pt-BR" dirty="0"/>
+          </a:p>
+        </p:txBody>
+      </p:sp>
+      <p:sp>
+        <p:nvSpPr>
+          <p:cNvPr id="10" name="Raio 9">
+            <a:extLst>
+              <a:ext uri="{FF2B5EF4-FFF2-40B4-BE49-F238E27FC236}">
+                <a16:creationId xmlns:a16="http://schemas.microsoft.com/office/drawing/2014/main" id="{B6C2D90A-63E1-46AA-BAC0-2E29738454DF}"/>
+              </a:ext>
+            </a:extLst>
+          </p:cNvPr>
+          <p:cNvSpPr/>
+          <p:nvPr/>
+        </p:nvSpPr>
+        <p:spPr>
+          <a:xfrm flipV="1">
+            <a:off x="7878536" y="1787978"/>
+            <a:ext cx="302078" cy="449035"/>
+          </a:xfrm>
+          <a:prstGeom prst="lightningBolt">
+            <a:avLst/>
+          </a:prstGeom>
+          <a:gradFill>
+            <a:gsLst>
+              <a:gs pos="0">
+                <a:schemeClr val="accent1">
+                  <a:lumMod val="5000"/>
+                  <a:lumOff val="95000"/>
+                </a:schemeClr>
+              </a:gs>
+              <a:gs pos="74000">
+                <a:schemeClr val="accent1">
+                  <a:lumMod val="45000"/>
+                  <a:lumOff val="55000"/>
+                </a:schemeClr>
+              </a:gs>
+              <a:gs pos="83000">
+                <a:schemeClr val="accent1">
+                  <a:lumMod val="45000"/>
+                  <a:lumOff val="55000"/>
+                </a:schemeClr>
+              </a:gs>
+              <a:gs pos="100000">
+                <a:schemeClr val="accent1">
+                  <a:lumMod val="30000"/>
+                  <a:lumOff val="70000"/>
+                </a:schemeClr>
+              </a:gs>
+            </a:gsLst>
+            <a:lin ang="5400000" scaled="1"/>
+          </a:gradFill>
+        </p:spPr>
+        <p:style>
+          <a:lnRef idx="2">
+            <a:schemeClr val="accent1">
+              <a:shade val="50000"/>
+            </a:schemeClr>
+          </a:lnRef>
+          <a:fillRef idx="1">
+            <a:schemeClr val="accent1"/>
+          </a:fillRef>
+          <a:effectRef idx="0">
+            <a:schemeClr val="accent1"/>
+          </a:effectRef>
+          <a:fontRef idx="minor">
+            <a:schemeClr val="lt1"/>
+          </a:fontRef>
+        </p:style>
+        <p:txBody>
+          <a:bodyPr rtlCol="0" anchor="ctr"/>
+          <a:lstStyle/>
+          <a:p>
+            <a:pPr algn="ctr"/>
+            <a:endParaRPr lang="pt-BR"/>
+          </a:p>
+        </p:txBody>
+      </p:sp>
+      <p:sp>
+        <p:nvSpPr>
+          <p:cNvPr id="11" name="CaixaDeTexto 10">
+            <a:extLst>
+              <a:ext uri="{FF2B5EF4-FFF2-40B4-BE49-F238E27FC236}">
+                <a16:creationId xmlns:a16="http://schemas.microsoft.com/office/drawing/2014/main" id="{6CA26C83-68AA-4DB8-B25E-3F8B6FFB366B}"/>
+              </a:ext>
+            </a:extLst>
+          </p:cNvPr>
+          <p:cNvSpPr txBox="1"/>
+          <p:nvPr/>
+        </p:nvSpPr>
+        <p:spPr>
+          <a:xfrm>
+            <a:off x="1356361" y="582860"/>
+            <a:ext cx="4595706" cy="307777"/>
+          </a:xfrm>
+          <a:prstGeom prst="rect">
+            <a:avLst/>
+          </a:prstGeom>
+          <a:noFill/>
+        </p:spPr>
+        <p:txBody>
+          <a:bodyPr wrap="square">
+            <a:spAutoFit/>
+          </a:bodyPr>
+          <a:lstStyle/>
+          <a:p>
+            <a:r>
+              <a:rPr lang="pt-BR" sz="1400" dirty="0">
+                <a:solidFill>
+                  <a:schemeClr val="accent1">
+                    <a:lumMod val="40000"/>
+                    <a:lumOff val="60000"/>
+                  </a:schemeClr>
+                </a:solidFill>
+                <a:latin typeface="Arial" panose="020B0604020202020204" pitchFamily="34" charset="0"/>
+              </a:rPr>
+              <a:t>possível afunilamento de termos nas traduções</a:t>
+            </a:r>
+            <a:r>
+              <a:rPr lang="pt-BR" dirty="0">
+                <a:solidFill>
+                  <a:schemeClr val="accent1">
+                    <a:lumMod val="40000"/>
+                    <a:lumOff val="60000"/>
+                  </a:schemeClr>
+                </a:solidFill>
+                <a:latin typeface="Arial" panose="020B0604020202020204" pitchFamily="34" charset="0"/>
+              </a:rPr>
+              <a:t>?</a:t>
+            </a:r>
+            <a:endParaRPr lang="pt-BR" dirty="0">
+              <a:solidFill>
+                <a:schemeClr val="accent1">
+                  <a:lumMod val="40000"/>
+                  <a:lumOff val="60000"/>
+                </a:schemeClr>
+              </a:solidFill>
+            </a:endParaRPr>
+          </a:p>
+        </p:txBody>
+      </p:sp>
+      <p:sp>
+        <p:nvSpPr>
+          <p:cNvPr id="12" name="Raio 11">
+            <a:extLst>
+              <a:ext uri="{FF2B5EF4-FFF2-40B4-BE49-F238E27FC236}">
+                <a16:creationId xmlns:a16="http://schemas.microsoft.com/office/drawing/2014/main" id="{42448217-06D0-47C5-A7BF-7EF4DE09CF2B}"/>
+              </a:ext>
+            </a:extLst>
+          </p:cNvPr>
+          <p:cNvSpPr/>
+          <p:nvPr/>
+        </p:nvSpPr>
+        <p:spPr>
+          <a:xfrm rot="4850267">
+            <a:off x="1457023" y="827206"/>
+            <a:ext cx="164430" cy="343961"/>
+          </a:xfrm>
+          <a:prstGeom prst="lightningBolt">
+            <a:avLst/>
+          </a:prstGeom>
+          <a:noFill/>
+          <a:ln>
+            <a:gradFill>
+              <a:gsLst>
+                <a:gs pos="0">
+                  <a:schemeClr val="accent1">
+                    <a:lumMod val="5000"/>
+                    <a:lumOff val="95000"/>
+                  </a:schemeClr>
+                </a:gs>
+                <a:gs pos="74000">
+                  <a:schemeClr val="accent1">
+                    <a:lumMod val="45000"/>
+                    <a:lumOff val="55000"/>
+                  </a:schemeClr>
+                </a:gs>
+                <a:gs pos="83000">
+                  <a:schemeClr val="accent1">
+                    <a:lumMod val="45000"/>
+                    <a:lumOff val="55000"/>
+                  </a:schemeClr>
+                </a:gs>
+                <a:gs pos="100000">
+                  <a:schemeClr val="accent1">
+                    <a:lumMod val="30000"/>
+                    <a:lumOff val="70000"/>
+                  </a:schemeClr>
+                </a:gs>
+              </a:gsLst>
+              <a:lin ang="5400000" scaled="1"/>
+            </a:gradFill>
+          </a:ln>
+        </p:spPr>
+        <p:style>
+          <a:lnRef idx="2">
+            <a:schemeClr val="accent1">
+              <a:shade val="50000"/>
+            </a:schemeClr>
+          </a:lnRef>
+          <a:fillRef idx="1">
+            <a:schemeClr val="accent1"/>
+          </a:fillRef>
+          <a:effectRef idx="0">
+            <a:schemeClr val="accent1"/>
+          </a:effectRef>
+          <a:fontRef idx="minor">
+            <a:schemeClr val="lt1"/>
+          </a:fontRef>
+        </p:style>
+        <p:txBody>
+          <a:bodyPr rtlCol="0" anchor="ctr"/>
+          <a:lstStyle/>
+          <a:p>
+            <a:pPr algn="ctr"/>
+            <a:endParaRPr lang="pt-BR"/>
+          </a:p>
+        </p:txBody>
+      </p:sp>
+    </p:spTree>
+    <p:extLst>
+      <p:ext uri="{BB962C8B-B14F-4D97-AF65-F5344CB8AC3E}">
+        <p14:creationId xmlns:p14="http://schemas.microsoft.com/office/powerpoint/2010/main" val="976273538"/>
+      </p:ext>
+    </p:extLst>
+  </p:cSld>
+  <p:clrMapOvr>
+    <a:masterClrMapping/>
+  </p:clrMapOvr>
+</p:sld>
+</file>
+
+<file path=ppt/slides/slide8.xml><?xml version="1.0" encoding="utf-8"?>
+<p:sld xmlns:a="http://schemas.openxmlformats.org/drawingml/2006/main" xmlns:r="http://schemas.openxmlformats.org/officeDocument/2006/relationships" xmlns:p="http://schemas.openxmlformats.org/presentationml/2006/main">
+  <p:cSld>
+    <p:spTree>
+      <p:nvGrpSpPr>
         <p:cNvPr id="1" name="Shape 65"/>
         <p:cNvGrpSpPr/>
         <p:nvPr/>
@@ -9993,6 +12525,148 @@
           </a:extLst>
         </p:spPr>
       </p:pic>
+      <p:sp>
+        <p:nvSpPr>
+          <p:cNvPr id="5" name="CaixaDeTexto 4">
+            <a:extLst>
+              <a:ext uri="{FF2B5EF4-FFF2-40B4-BE49-F238E27FC236}">
+                <a16:creationId xmlns:a16="http://schemas.microsoft.com/office/drawing/2014/main" id="{292B8324-E13E-4994-A629-FF821FFC26DA}"/>
+              </a:ext>
+            </a:extLst>
+          </p:cNvPr>
+          <p:cNvSpPr txBox="1"/>
+          <p:nvPr/>
+        </p:nvSpPr>
+        <p:spPr>
+          <a:xfrm>
+            <a:off x="3969173" y="179177"/>
+            <a:ext cx="3894667" cy="307777"/>
+          </a:xfrm>
+          <a:prstGeom prst="rect">
+            <a:avLst/>
+          </a:prstGeom>
+          <a:noFill/>
+        </p:spPr>
+        <p:txBody>
+          <a:bodyPr wrap="square">
+            <a:spAutoFit/>
+          </a:bodyPr>
+          <a:lstStyle/>
+          <a:p>
+            <a:r>
+              <a:rPr lang="pt-BR" sz="1400" b="0" i="0" u="none" strike="noStrike" dirty="0">
+                <a:solidFill>
+                  <a:schemeClr val="accent1">
+                    <a:lumMod val="75000"/>
+                  </a:schemeClr>
+                </a:solidFill>
+                <a:effectLst/>
+                <a:latin typeface="Arial" panose="020B0604020202020204" pitchFamily="34" charset="0"/>
+              </a:rPr>
+              <a:t>Robustez: variou </a:t>
+            </a:r>
+            <a:r>
+              <a:rPr lang="pt-BR" sz="1400" dirty="0">
+                <a:solidFill>
+                  <a:schemeClr val="accent1">
+                    <a:lumMod val="75000"/>
+                  </a:schemeClr>
+                </a:solidFill>
+                <a:latin typeface="Arial" panose="020B0604020202020204" pitchFamily="34" charset="0"/>
+              </a:rPr>
+              <a:t>com os diversos </a:t>
+            </a:r>
+            <a:r>
+              <a:rPr lang="pt-BR" sz="1400" b="0" i="0" u="none" strike="noStrike" dirty="0">
+                <a:solidFill>
+                  <a:schemeClr val="accent1">
+                    <a:lumMod val="75000"/>
+                  </a:schemeClr>
+                </a:solidFill>
+                <a:effectLst/>
+                <a:latin typeface="Arial" panose="020B0604020202020204" pitchFamily="34" charset="0"/>
+              </a:rPr>
+              <a:t>contextos</a:t>
+            </a:r>
+            <a:endParaRPr lang="pt-BR" dirty="0"/>
+          </a:p>
+        </p:txBody>
+      </p:sp>
+      <p:sp>
+        <p:nvSpPr>
+          <p:cNvPr id="6" name="Raio 5">
+            <a:extLst>
+              <a:ext uri="{FF2B5EF4-FFF2-40B4-BE49-F238E27FC236}">
+                <a16:creationId xmlns:a16="http://schemas.microsoft.com/office/drawing/2014/main" id="{EF1C0278-B1A8-4DB8-8824-7C1E3CEF39A5}"/>
+              </a:ext>
+            </a:extLst>
+          </p:cNvPr>
+          <p:cNvSpPr/>
+          <p:nvPr/>
+        </p:nvSpPr>
+        <p:spPr>
+          <a:xfrm rot="4407916">
+            <a:off x="3771755" y="486968"/>
+            <a:ext cx="394836" cy="287690"/>
+          </a:xfrm>
+          <a:prstGeom prst="lightningBolt">
+            <a:avLst/>
+          </a:prstGeom>
+          <a:gradFill>
+            <a:gsLst>
+              <a:gs pos="0">
+                <a:schemeClr val="accent1">
+                  <a:lumMod val="5000"/>
+                  <a:lumOff val="95000"/>
+                </a:schemeClr>
+              </a:gs>
+              <a:gs pos="74000">
+                <a:schemeClr val="accent1">
+                  <a:lumMod val="45000"/>
+                  <a:lumOff val="55000"/>
+                </a:schemeClr>
+              </a:gs>
+              <a:gs pos="83000">
+                <a:schemeClr val="accent1">
+                  <a:lumMod val="45000"/>
+                  <a:lumOff val="55000"/>
+                </a:schemeClr>
+              </a:gs>
+              <a:gs pos="100000">
+                <a:schemeClr val="accent1">
+                  <a:lumMod val="30000"/>
+                  <a:lumOff val="70000"/>
+                </a:schemeClr>
+              </a:gs>
+            </a:gsLst>
+            <a:lin ang="5400000" scaled="1"/>
+          </a:gradFill>
+        </p:spPr>
+        <p:style>
+          <a:lnRef idx="2">
+            <a:schemeClr val="accent1">
+              <a:shade val="50000"/>
+            </a:schemeClr>
+          </a:lnRef>
+          <a:fillRef idx="1">
+            <a:schemeClr val="accent1"/>
+          </a:fillRef>
+          <a:effectRef idx="0">
+            <a:schemeClr val="accent1"/>
+          </a:effectRef>
+          <a:fontRef idx="minor">
+            <a:schemeClr val="lt1"/>
+          </a:fontRef>
+        </p:style>
+        <p:txBody>
+          <a:bodyPr rtlCol="0" anchor="ctr"/>
+          <a:lstStyle/>
+          <a:p>
+            <a:pPr algn="ctr"/>
+            <a:endParaRPr lang="pt-BR"/>
+          </a:p>
+        </p:txBody>
+      </p:sp>
     </p:spTree>
     <p:extLst>
       <p:ext uri="{BB962C8B-B14F-4D97-AF65-F5344CB8AC3E}">
@@ -10006,7 +12680,7 @@
 </p:sld>
 </file>
 
-<file path=ppt/slides/slide7.xml><?xml version="1.0" encoding="utf-8"?>
+<file path=ppt/slides/slide9.xml><?xml version="1.0" encoding="utf-8"?>
 <p:sld xmlns:a="http://schemas.openxmlformats.org/drawingml/2006/main" xmlns:r="http://schemas.openxmlformats.org/officeDocument/2006/relationships" xmlns:p="http://schemas.openxmlformats.org/presentationml/2006/main">
   <p:cSld>
     <p:spTree>
@@ -10141,7 +12815,7 @@
         </p:blipFill>
         <p:spPr bwMode="auto">
           <a:xfrm>
-            <a:off x="1276350" y="762000"/>
+            <a:off x="1276350" y="789092"/>
             <a:ext cx="6591300" cy="3619500"/>
           </a:xfrm>
           <a:prstGeom prst="rect">
@@ -10159,84 +12833,12 @@
           </a:extLst>
         </p:spPr>
       </p:pic>
-    </p:spTree>
-    <p:extLst>
-      <p:ext uri="{BB962C8B-B14F-4D97-AF65-F5344CB8AC3E}">
-        <p14:creationId xmlns:p14="http://schemas.microsoft.com/office/powerpoint/2010/main" val="390234969"/>
-      </p:ext>
-    </p:extLst>
-  </p:cSld>
-  <p:clrMapOvr>
-    <a:masterClrMapping/>
-  </p:clrMapOvr>
-</p:sld>
-</file>
-
-<file path=ppt/slides/slide8.xml><?xml version="1.0" encoding="utf-8"?>
-<p:sld xmlns:a="http://schemas.openxmlformats.org/drawingml/2006/main" xmlns:r="http://schemas.openxmlformats.org/officeDocument/2006/relationships" xmlns:p="http://schemas.openxmlformats.org/presentationml/2006/main">
-  <p:cSld>
-    <p:spTree>
-      <p:nvGrpSpPr>
-        <p:cNvPr id="1" name="Shape 83"/>
-        <p:cNvGrpSpPr/>
-        <p:nvPr/>
-      </p:nvGrpSpPr>
-      <p:grpSpPr>
-        <a:xfrm>
-          <a:off x="0" y="0"/>
-          <a:ext cx="0" cy="0"/>
-          <a:chOff x="0" y="0"/>
-          <a:chExt cx="0" cy="0"/>
-        </a:xfrm>
-      </p:grpSpPr>
-      <p:sp>
-        <p:nvSpPr>
-          <p:cNvPr id="84" name="Google Shape;84;p18"/>
-          <p:cNvSpPr txBox="1">
-            <a:spLocks noGrp="1"/>
-          </p:cNvSpPr>
-          <p:nvPr>
-            <p:ph type="title"/>
-          </p:nvPr>
-        </p:nvSpPr>
-        <p:spPr>
-          <a:xfrm>
-            <a:off x="0" y="0"/>
-            <a:ext cx="8520600" cy="572700"/>
-          </a:xfrm>
-          <a:prstGeom prst="rect">
-            <a:avLst/>
-          </a:prstGeom>
-        </p:spPr>
-        <p:txBody>
-          <a:bodyPr spcFirstLastPara="1" wrap="square" lIns="91425" tIns="91425" rIns="91425" bIns="91425" anchor="t" anchorCtr="0">
-            <a:normAutofit/>
-          </a:bodyPr>
-          <a:lstStyle/>
-          <a:p>
-            <a:pPr marL="0" lvl="0" indent="0" algn="l" rtl="0">
-              <a:spcBef>
-                <a:spcPts val="0"/>
-              </a:spcBef>
-              <a:spcAft>
-                <a:spcPts val="0"/>
-              </a:spcAft>
-              <a:buNone/>
-            </a:pPr>
-            <a:r>
-              <a:rPr lang="pt-BR" sz="1800" dirty="0"/>
-              <a:t>Resultados</a:t>
-            </a:r>
-            <a:endParaRPr lang="pt-BR" sz="1400" dirty="0"/>
-          </a:p>
-        </p:txBody>
-      </p:sp>
       <p:sp>
         <p:nvSpPr>
           <p:cNvPr id="8" name="CaixaDeTexto 7">
             <a:extLst>
               <a:ext uri="{FF2B5EF4-FFF2-40B4-BE49-F238E27FC236}">
-                <a16:creationId xmlns:a16="http://schemas.microsoft.com/office/drawing/2014/main" id="{5DC8DAA4-86BC-4CE5-9CE1-E2BD60C8804D}"/>
+                <a16:creationId xmlns:a16="http://schemas.microsoft.com/office/drawing/2014/main" id="{B79F18CC-73FC-470A-AE29-83756A94540A}"/>
               </a:ext>
             </a:extLst>
           </p:cNvPr>
@@ -10245,8 +12847,8 @@
         </p:nvSpPr>
         <p:spPr>
           <a:xfrm>
-            <a:off x="986291" y="4805758"/>
-            <a:ext cx="6663267" cy="246221"/>
+            <a:off x="3830194" y="263017"/>
+            <a:ext cx="5002106" cy="307777"/>
           </a:xfrm>
           <a:prstGeom prst="rect">
             <a:avLst/>
@@ -10259,247 +12861,116 @@
           </a:bodyPr>
           <a:lstStyle/>
           <a:p>
-            <a:r>
-              <a:rPr lang="pt-BR" sz="1000" b="0" i="0" u="none" strike="noStrike" dirty="0">
-                <a:solidFill>
-                  <a:srgbClr val="000000"/>
+            <a:pPr algn="just" rtl="0">
+              <a:spcBef>
+                <a:spcPts val="946"/>
+              </a:spcBef>
+              <a:spcAft>
+                <a:spcPts val="0"/>
+              </a:spcAft>
+            </a:pPr>
+            <a:r>
+              <a:rPr lang="pt-BR" sz="1400" b="0" i="0" u="none" strike="noStrike" dirty="0">
+                <a:solidFill>
+                  <a:schemeClr val="accent1">
+                    <a:lumMod val="75000"/>
+                  </a:schemeClr>
                 </a:solidFill>
                 <a:effectLst/>
                 <a:latin typeface="Arial" panose="020B0604020202020204" pitchFamily="34" charset="0"/>
               </a:rPr>
-              <a:t>Gráfico 5 - Correlação = 0.166  entre quantidade de tokens e DG para contexto </a:t>
-            </a:r>
-            <a:r>
-              <a:rPr lang="pt-BR" sz="1000" b="0" i="0" u="none" strike="noStrike" dirty="0" err="1">
-                <a:solidFill>
-                  <a:srgbClr val="000000"/>
-                </a:solidFill>
-                <a:effectLst/>
-                <a:latin typeface="Arial" panose="020B0604020202020204" pitchFamily="34" charset="0"/>
-              </a:rPr>
-              <a:t>en-judment-DPR:facebook-nq-base</a:t>
-            </a:r>
-            <a:endParaRPr lang="pt-BR" sz="1000" dirty="0"/>
-          </a:p>
-        </p:txBody>
-      </p:sp>
-      <p:pic>
-        <p:nvPicPr>
-          <p:cNvPr id="6146" name="Picture 2">
-            <a:extLst>
-              <a:ext uri="{FF2B5EF4-FFF2-40B4-BE49-F238E27FC236}">
-                <a16:creationId xmlns:a16="http://schemas.microsoft.com/office/drawing/2014/main" id="{4C81C5B7-C487-4793-AB9F-F12F9891A020}"/>
-              </a:ext>
-            </a:extLst>
-          </p:cNvPr>
-          <p:cNvPicPr>
-            <a:picLocks noChangeAspect="1" noChangeArrowheads="1"/>
-          </p:cNvPicPr>
-          <p:nvPr/>
-        </p:nvPicPr>
-        <p:blipFill>
-          <a:blip r:embed="rId3">
-            <a:extLst>
-              <a:ext uri="{28A0092B-C50C-407E-A947-70E740481C1C}">
-                <a14:useLocalDpi xmlns:a14="http://schemas.microsoft.com/office/drawing/2010/main" val="0"/>
-              </a:ext>
-            </a:extLst>
-          </a:blip>
-          <a:srcRect/>
-          <a:stretch>
-            <a:fillRect/>
-          </a:stretch>
-        </p:blipFill>
-        <p:spPr bwMode="auto">
-          <a:xfrm>
-            <a:off x="1761067" y="214631"/>
-            <a:ext cx="4524586" cy="4524586"/>
-          </a:xfrm>
-          <a:prstGeom prst="rect">
-            <a:avLst/>
-          </a:prstGeom>
-          <a:noFill/>
-          <a:extLst>
-            <a:ext uri="{909E8E84-426E-40DD-AFC4-6F175D3DCCD1}">
-              <a14:hiddenFill xmlns:a14="http://schemas.microsoft.com/office/drawing/2010/main">
-                <a:solidFill>
-                  <a:srgbClr val="FFFFFF"/>
-                </a:solidFill>
-              </a14:hiddenFill>
-            </a:ext>
-          </a:extLst>
-        </p:spPr>
-      </p:pic>
-    </p:spTree>
-    <p:extLst>
-      <p:ext uri="{BB962C8B-B14F-4D97-AF65-F5344CB8AC3E}">
-        <p14:creationId xmlns:p14="http://schemas.microsoft.com/office/powerpoint/2010/main" val="1118959259"/>
-      </p:ext>
-    </p:extLst>
-  </p:cSld>
-  <p:clrMapOvr>
-    <a:masterClrMapping/>
-  </p:clrMapOvr>
-</p:sld>
-</file>
-
-<file path=ppt/slides/slide9.xml><?xml version="1.0" encoding="utf-8"?>
-<p:sld xmlns:a="http://schemas.openxmlformats.org/drawingml/2006/main" xmlns:r="http://schemas.openxmlformats.org/officeDocument/2006/relationships" xmlns:p="http://schemas.openxmlformats.org/presentationml/2006/main">
-  <p:cSld>
-    <p:spTree>
-      <p:nvGrpSpPr>
-        <p:cNvPr id="1" name="Shape 65"/>
-        <p:cNvGrpSpPr/>
-        <p:nvPr/>
-      </p:nvGrpSpPr>
-      <p:grpSpPr>
-        <a:xfrm>
-          <a:off x="0" y="0"/>
-          <a:ext cx="0" cy="0"/>
-          <a:chOff x="0" y="0"/>
-          <a:chExt cx="0" cy="0"/>
-        </a:xfrm>
-      </p:grpSpPr>
-      <p:sp>
-        <p:nvSpPr>
-          <p:cNvPr id="66" name="Google Shape;66;p15"/>
-          <p:cNvSpPr txBox="1">
-            <a:spLocks noGrp="1"/>
-          </p:cNvSpPr>
-          <p:nvPr>
-            <p:ph type="title"/>
-          </p:nvPr>
-        </p:nvSpPr>
-        <p:spPr>
-          <a:xfrm>
-            <a:off x="128820" y="104909"/>
-            <a:ext cx="8520600" cy="572700"/>
-          </a:xfrm>
-          <a:prstGeom prst="rect">
-            <a:avLst/>
-          </a:prstGeom>
-        </p:spPr>
-        <p:txBody>
-          <a:bodyPr spcFirstLastPara="1" wrap="square" lIns="91425" tIns="91425" rIns="91425" bIns="91425" anchor="t" anchorCtr="0">
-            <a:normAutofit/>
-          </a:bodyPr>
-          <a:lstStyle/>
-          <a:p>
-            <a:pPr marL="0" lvl="0" indent="0" algn="l" rtl="0">
-              <a:spcBef>
-                <a:spcPts val="0"/>
-              </a:spcBef>
-              <a:spcAft>
-                <a:spcPts val="0"/>
-              </a:spcAft>
-              <a:buNone/>
-            </a:pPr>
-            <a:r>
-              <a:rPr lang="pt-BR" sz="1800" b="0" i="0" u="none" strike="noStrike" dirty="0">
-                <a:solidFill>
-                  <a:srgbClr val="000000"/>
-                </a:solidFill>
-                <a:effectLst/>
-                <a:latin typeface="Arial" panose="020B0604020202020204" pitchFamily="34" charset="0"/>
-              </a:rPr>
-              <a:t>Resultados – distribuição de valores</a:t>
-            </a:r>
-            <a:endParaRPr dirty="0"/>
+              <a:t>Os ruídos de permutação obtiveram uma variação menor</a:t>
+            </a:r>
+            <a:endParaRPr lang="pt-BR" b="0" dirty="0">
+              <a:solidFill>
+                <a:schemeClr val="accent1">
+                  <a:lumMod val="75000"/>
+                </a:schemeClr>
+              </a:solidFill>
+              <a:effectLst/>
+            </a:endParaRPr>
           </a:p>
         </p:txBody>
       </p:sp>
       <p:sp>
         <p:nvSpPr>
-          <p:cNvPr id="10" name="CaixaDeTexto 9">
+          <p:cNvPr id="18" name="Raio 17">
             <a:extLst>
               <a:ext uri="{FF2B5EF4-FFF2-40B4-BE49-F238E27FC236}">
-                <a16:creationId xmlns:a16="http://schemas.microsoft.com/office/drawing/2014/main" id="{036912C7-4207-42EA-A8D1-740352B81A98}"/>
+                <a16:creationId xmlns:a16="http://schemas.microsoft.com/office/drawing/2014/main" id="{CBB2534A-3BBE-4696-8938-66B4436F15DB}"/>
               </a:ext>
             </a:extLst>
           </p:cNvPr>
-          <p:cNvSpPr txBox="1"/>
+          <p:cNvSpPr/>
           <p:nvPr/>
         </p:nvSpPr>
         <p:spPr>
-          <a:xfrm>
-            <a:off x="2648373" y="4494499"/>
-            <a:ext cx="3691467" cy="246221"/>
+          <a:xfrm rot="1743758">
+            <a:off x="6072127" y="560605"/>
+            <a:ext cx="253918" cy="144026"/>
           </a:xfrm>
-          <a:prstGeom prst="rect">
+          <a:prstGeom prst="lightningBolt">
             <a:avLst/>
           </a:prstGeom>
-          <a:noFill/>
+          <a:gradFill>
+            <a:gsLst>
+              <a:gs pos="0">
+                <a:schemeClr val="accent1">
+                  <a:lumMod val="5000"/>
+                  <a:lumOff val="95000"/>
+                </a:schemeClr>
+              </a:gs>
+              <a:gs pos="74000">
+                <a:schemeClr val="accent1">
+                  <a:lumMod val="45000"/>
+                  <a:lumOff val="55000"/>
+                </a:schemeClr>
+              </a:gs>
+              <a:gs pos="83000">
+                <a:schemeClr val="accent1">
+                  <a:lumMod val="45000"/>
+                  <a:lumOff val="55000"/>
+                </a:schemeClr>
+              </a:gs>
+              <a:gs pos="100000">
+                <a:schemeClr val="accent1">
+                  <a:lumMod val="30000"/>
+                  <a:lumOff val="70000"/>
+                </a:schemeClr>
+              </a:gs>
+            </a:gsLst>
+            <a:lin ang="5400000" scaled="1"/>
+          </a:gradFill>
         </p:spPr>
+        <p:style>
+          <a:lnRef idx="2">
+            <a:schemeClr val="accent1">
+              <a:shade val="50000"/>
+            </a:schemeClr>
+          </a:lnRef>
+          <a:fillRef idx="1">
+            <a:schemeClr val="accent1"/>
+          </a:fillRef>
+          <a:effectRef idx="0">
+            <a:schemeClr val="accent1"/>
+          </a:effectRef>
+          <a:fontRef idx="minor">
+            <a:schemeClr val="lt1"/>
+          </a:fontRef>
+        </p:style>
         <p:txBody>
-          <a:bodyPr wrap="square">
-            <a:spAutoFit/>
-          </a:bodyPr>
+          <a:bodyPr rtlCol="0" anchor="ctr"/>
           <a:lstStyle/>
           <a:p>
-            <a:r>
-              <a:rPr lang="pt-BR" sz="1000" b="0" i="0" u="none" strike="noStrike" dirty="0">
-                <a:solidFill>
-                  <a:srgbClr val="000000"/>
-                </a:solidFill>
-                <a:effectLst/>
-                <a:latin typeface="Arial" panose="020B0604020202020204" pitchFamily="34" charset="0"/>
-              </a:rPr>
-              <a:t>Gráfico 3 - Distribuições de DG:nDCG@10 por tipo de ruído</a:t>
-            </a:r>
+            <a:pPr algn="ctr"/>
+            <a:endParaRPr lang="pt-BR"/>
           </a:p>
         </p:txBody>
       </p:sp>
-      <p:pic>
-        <p:nvPicPr>
-          <p:cNvPr id="3074" name="Picture 2">
-            <a:extLst>
-              <a:ext uri="{FF2B5EF4-FFF2-40B4-BE49-F238E27FC236}">
-                <a16:creationId xmlns:a16="http://schemas.microsoft.com/office/drawing/2014/main" id="{88015523-C805-4051-BBE7-DD934B2E7C6F}"/>
-              </a:ext>
-            </a:extLst>
-          </p:cNvPr>
-          <p:cNvPicPr>
-            <a:picLocks noChangeAspect="1" noChangeArrowheads="1"/>
-          </p:cNvPicPr>
-          <p:nvPr/>
-        </p:nvPicPr>
-        <p:blipFill>
-          <a:blip r:embed="rId3">
-            <a:extLst>
-              <a:ext uri="{28A0092B-C50C-407E-A947-70E740481C1C}">
-                <a14:useLocalDpi xmlns:a14="http://schemas.microsoft.com/office/drawing/2010/main" val="0"/>
-              </a:ext>
-            </a:extLst>
-          </a:blip>
-          <a:srcRect/>
-          <a:stretch>
-            <a:fillRect/>
-          </a:stretch>
-        </p:blipFill>
-        <p:spPr bwMode="auto">
-          <a:xfrm>
-            <a:off x="1205653" y="706218"/>
-            <a:ext cx="5340308" cy="3731063"/>
-          </a:xfrm>
-          <a:prstGeom prst="rect">
-            <a:avLst/>
-          </a:prstGeom>
-          <a:noFill/>
-          <a:extLst>
-            <a:ext uri="{909E8E84-426E-40DD-AFC4-6F175D3DCCD1}">
-              <a14:hiddenFill xmlns:a14="http://schemas.microsoft.com/office/drawing/2010/main">
-                <a:solidFill>
-                  <a:srgbClr val="FFFFFF"/>
-                </a:solidFill>
-              </a14:hiddenFill>
-            </a:ext>
-          </a:extLst>
-        </p:spPr>
-      </p:pic>
     </p:spTree>
     <p:extLst>
       <p:ext uri="{BB962C8B-B14F-4D97-AF65-F5344CB8AC3E}">
-        <p14:creationId xmlns:p14="http://schemas.microsoft.com/office/powerpoint/2010/main" val="4196837090"/>
+        <p14:creationId xmlns:p14="http://schemas.microsoft.com/office/powerpoint/2010/main" val="390234969"/>
       </p:ext>
     </p:extLst>
   </p:cSld>

--- a/docs/presentations/Apresentação final - 20211209.pptx
+++ b/docs/presentations/Apresentação final - 20211209.pptx
@@ -7937,7 +7937,7 @@
           <p:nvPr/>
         </p:nvSpPr>
         <p:spPr>
-          <a:xfrm rot="2360120">
+          <a:xfrm rot="11115421">
             <a:off x="6051561" y="516270"/>
             <a:ext cx="233930" cy="206216"/>
           </a:xfrm>
@@ -8022,7 +8022,7 @@
           <p:nvPr/>
         </p:nvSpPr>
         <p:spPr>
-          <a:xfrm rot="14990906">
+          <a:xfrm rot="3505095">
             <a:off x="2910651" y="2533801"/>
             <a:ext cx="181364" cy="699367"/>
           </a:xfrm>
@@ -8269,8 +8269,8 @@
         </p:nvSpPr>
         <p:spPr>
           <a:xfrm>
-            <a:off x="5083387" y="331464"/>
-            <a:ext cx="4599092" cy="307777"/>
+            <a:off x="6100209" y="286350"/>
+            <a:ext cx="2559855" cy="523220"/>
           </a:xfrm>
           <a:prstGeom prst="rect">
             <a:avLst/>
@@ -8293,7 +8293,32 @@
                 <a:effectLst/>
                 <a:latin typeface="Arial" panose="020B0604020202020204" pitchFamily="34" charset="0"/>
               </a:rPr>
-              <a:t>textos maiores são mais robustas aos ruídos</a:t>
+              <a:t>textos maiores </a:t>
+            </a:r>
+            <a:r>
+              <a:rPr lang="pt-BR" dirty="0">
+                <a:solidFill>
+                  <a:schemeClr val="accent1">
+                    <a:lumMod val="75000"/>
+                  </a:schemeClr>
+                </a:solidFill>
+                <a:latin typeface="Arial" panose="020B0604020202020204" pitchFamily="34" charset="0"/>
+              </a:rPr>
+              <a:t>tendem a ser </a:t>
+            </a:r>
+          </a:p>
+          <a:p>
+            <a:r>
+              <a:rPr lang="pt-BR" sz="1400" b="0" i="0" u="none" strike="noStrike" dirty="0">
+                <a:solidFill>
+                  <a:schemeClr val="accent1">
+                    <a:lumMod val="75000"/>
+                  </a:schemeClr>
+                </a:solidFill>
+                <a:effectLst/>
+                <a:latin typeface="Arial" panose="020B0604020202020204" pitchFamily="34" charset="0"/>
+              </a:rPr>
+              <a:t>mais robustos aos ruídos</a:t>
             </a:r>
             <a:r>
               <a:rPr lang="pt-BR" sz="1400" b="0" i="0" u="none" strike="noStrike" dirty="0">
@@ -8322,7 +8347,7 @@
           <p:nvPr/>
         </p:nvSpPr>
         <p:spPr>
-          <a:xfrm rot="4127497">
+          <a:xfrm rot="14109365">
             <a:off x="5981473" y="810201"/>
             <a:ext cx="452733" cy="589638"/>
           </a:xfrm>
@@ -8563,7 +8588,7 @@
           <p:nvPr/>
         </p:nvSpPr>
         <p:spPr>
-          <a:xfrm rot="6612343">
+          <a:xfrm rot="16028147">
             <a:off x="5964735" y="1962667"/>
             <a:ext cx="452733" cy="589638"/>
           </a:xfrm>
@@ -8826,9 +8851,9 @@
           <p:nvPr/>
         </p:nvSpPr>
         <p:spPr>
-          <a:xfrm rot="12838355">
-            <a:off x="6440653" y="3717799"/>
-            <a:ext cx="452733" cy="589638"/>
+          <a:xfrm rot="3185739">
+            <a:off x="6518470" y="3714227"/>
+            <a:ext cx="367767" cy="437459"/>
           </a:xfrm>
           <a:prstGeom prst="lightningBolt">
             <a:avLst/>
@@ -11887,8 +11912,8 @@
           <p:nvPr/>
         </p:nvSpPr>
         <p:spPr>
-          <a:xfrm rot="4850267">
-            <a:off x="1457023" y="827206"/>
+          <a:xfrm rot="15050849">
+            <a:off x="1274147" y="827204"/>
             <a:ext cx="164430" cy="343961"/>
           </a:xfrm>
           <a:prstGeom prst="lightningBolt">
@@ -12155,7 +12180,7 @@
           <p:nvPr/>
         </p:nvSpPr>
         <p:spPr>
-          <a:xfrm flipV="1">
+          <a:xfrm rot="10546023" flipV="1">
             <a:off x="7878536" y="1787978"/>
             <a:ext cx="302078" cy="449035"/>
           </a:xfrm>
@@ -12293,7 +12318,7 @@
           <p:nvPr/>
         </p:nvSpPr>
         <p:spPr>
-          <a:xfrm rot="4850267">
+          <a:xfrm rot="15198873">
             <a:off x="1457023" y="827206"/>
             <a:ext cx="164430" cy="343961"/>
           </a:xfrm>
@@ -12605,7 +12630,7 @@
           <p:nvPr/>
         </p:nvSpPr>
         <p:spPr>
-          <a:xfrm rot="4407916">
+          <a:xfrm rot="16200000">
             <a:off x="3771755" y="486968"/>
             <a:ext cx="394836" cy="287690"/>
           </a:xfrm>
@@ -12905,7 +12930,7 @@
           <p:nvPr/>
         </p:nvSpPr>
         <p:spPr>
-          <a:xfrm rot="1743758">
+          <a:xfrm rot="11980001">
             <a:off x="6072127" y="560605"/>
             <a:ext cx="253918" cy="144026"/>
           </a:xfrm>

--- a/docs/presentations/Apresentação final - 20211209.pptx
+++ b/docs/presentations/Apresentação final - 20211209.pptx
@@ -5,7 +5,7 @@
     <p:sldMasterId id="2147483659" r:id="rId1"/>
   </p:sldMasterIdLst>
   <p:notesMasterIdLst>
-    <p:notesMasterId r:id="rId18"/>
+    <p:notesMasterId r:id="rId19"/>
   </p:notesMasterIdLst>
   <p:sldIdLst>
     <p:sldId id="256" r:id="rId2"/>
@@ -24,6 +24,7 @@
     <p:sldId id="297" r:id="rId15"/>
     <p:sldId id="298" r:id="rId16"/>
     <p:sldId id="299" r:id="rId17"/>
+    <p:sldId id="303" r:id="rId18"/>
   </p:sldIdLst>
   <p:sldSz cx="9144000" cy="5143500" type="screen16x9"/>
   <p:notesSz cx="6858000" cy="9144000"/>
@@ -1724,6 +1725,134 @@
     <p:extLst>
       <p:ext uri="{BB962C8B-B14F-4D97-AF65-F5344CB8AC3E}">
         <p14:creationId xmlns:p14="http://schemas.microsoft.com/office/powerpoint/2010/main" val="3768511145"/>
+      </p:ext>
+    </p:extLst>
+  </p:cSld>
+  <p:clrMapOvr>
+    <a:masterClrMapping/>
+  </p:clrMapOvr>
+</p:notes>
+</file>
+
+<file path=ppt/notesSlides/notesSlide17.xml><?xml version="1.0" encoding="utf-8"?>
+<p:notes xmlns:a="http://schemas.openxmlformats.org/drawingml/2006/main" xmlns:r="http://schemas.openxmlformats.org/officeDocument/2006/relationships" xmlns:p="http://schemas.openxmlformats.org/presentationml/2006/main" showMasterSp="0" showMasterPhAnim="0">
+  <p:cSld>
+    <p:spTree>
+      <p:nvGrpSpPr>
+        <p:cNvPr id="1" name="Shape 80"/>
+        <p:cNvGrpSpPr/>
+        <p:nvPr/>
+      </p:nvGrpSpPr>
+      <p:grpSpPr>
+        <a:xfrm>
+          <a:off x="0" y="0"/>
+          <a:ext cx="0" cy="0"/>
+          <a:chOff x="0" y="0"/>
+          <a:chExt cx="0" cy="0"/>
+        </a:xfrm>
+      </p:grpSpPr>
+      <p:sp>
+        <p:nvSpPr>
+          <p:cNvPr id="81" name="Google Shape;81;gf6254c5e42_0_30:notes"/>
+          <p:cNvSpPr>
+            <a:spLocks noGrp="1" noRot="1" noChangeAspect="1"/>
+          </p:cNvSpPr>
+          <p:nvPr>
+            <p:ph type="sldImg" idx="2"/>
+          </p:nvPr>
+        </p:nvSpPr>
+        <p:spPr>
+          <a:xfrm>
+            <a:off x="381000" y="685800"/>
+            <a:ext cx="6096000" cy="3429000"/>
+          </a:xfrm>
+          <a:custGeom>
+            <a:avLst/>
+            <a:gdLst/>
+            <a:ahLst/>
+            <a:cxnLst/>
+            <a:rect l="l" t="t" r="r" b="b"/>
+            <a:pathLst>
+              <a:path w="120000" h="120000" extrusionOk="0">
+                <a:moveTo>
+                  <a:pt x="0" y="0"/>
+                </a:moveTo>
+                <a:lnTo>
+                  <a:pt x="120000" y="0"/>
+                </a:lnTo>
+                <a:lnTo>
+                  <a:pt x="120000" y="120000"/>
+                </a:lnTo>
+                <a:lnTo>
+                  <a:pt x="0" y="120000"/>
+                </a:lnTo>
+                <a:close/>
+              </a:path>
+            </a:pathLst>
+          </a:custGeom>
+        </p:spPr>
+      </p:sp>
+      <p:sp>
+        <p:nvSpPr>
+          <p:cNvPr id="82" name="Google Shape;82;gf6254c5e42_0_30:notes"/>
+          <p:cNvSpPr txBox="1">
+            <a:spLocks noGrp="1"/>
+          </p:cNvSpPr>
+          <p:nvPr>
+            <p:ph type="body" idx="1"/>
+          </p:nvPr>
+        </p:nvSpPr>
+        <p:spPr>
+          <a:xfrm>
+            <a:off x="685800" y="4343400"/>
+            <a:ext cx="5486400" cy="4114800"/>
+          </a:xfrm>
+          <a:prstGeom prst="rect">
+            <a:avLst/>
+          </a:prstGeom>
+        </p:spPr>
+        <p:txBody>
+          <a:bodyPr spcFirstLastPara="1" wrap="square" lIns="91425" tIns="91425" rIns="91425" bIns="91425" anchor="t" anchorCtr="0">
+            <a:noAutofit/>
+          </a:bodyPr>
+          <a:lstStyle/>
+          <a:p>
+            <a:pPr marL="457200" lvl="0" indent="0" algn="l" rtl="0">
+              <a:lnSpc>
+                <a:spcPct val="115000"/>
+              </a:lnSpc>
+              <a:spcBef>
+                <a:spcPts val="0"/>
+              </a:spcBef>
+              <a:spcAft>
+                <a:spcPts val="1200"/>
+              </a:spcAft>
+              <a:buNone/>
+            </a:pPr>
+            <a:r>
+              <a:rPr lang="pt-BR" sz="1800" dirty="0">
+                <a:solidFill>
+                  <a:srgbClr val="595959"/>
+                </a:solidFill>
+              </a:rPr>
+              <a:t>Link para o </a:t>
+            </a:r>
+            <a:r>
+              <a:rPr lang="pt-BR" sz="1800" dirty="0" err="1">
+                <a:solidFill>
+                  <a:srgbClr val="595959"/>
+                </a:solidFill>
+              </a:rPr>
+              <a:t>github</a:t>
+            </a:r>
+            <a:endParaRPr dirty="0"/>
+          </a:p>
+        </p:txBody>
+      </p:sp>
+    </p:spTree>
+    <p:extLst>
+      <p:ext uri="{BB962C8B-B14F-4D97-AF65-F5344CB8AC3E}">
+        <p14:creationId xmlns:p14="http://schemas.microsoft.com/office/powerpoint/2010/main" val="4073830259"/>
       </p:ext>
     </p:extLst>
   </p:cSld>
@@ -7809,67 +7938,6 @@
       </p:pic>
       <p:sp>
         <p:nvSpPr>
-          <p:cNvPr id="8" name="CaixaDeTexto 7">
-            <a:extLst>
-              <a:ext uri="{FF2B5EF4-FFF2-40B4-BE49-F238E27FC236}">
-                <a16:creationId xmlns:a16="http://schemas.microsoft.com/office/drawing/2014/main" id="{B79F18CC-73FC-470A-AE29-83756A94540A}"/>
-              </a:ext>
-            </a:extLst>
-          </p:cNvPr>
-          <p:cNvSpPr txBox="1"/>
-          <p:nvPr/>
-        </p:nvSpPr>
-        <p:spPr>
-          <a:xfrm>
-            <a:off x="3830194" y="263017"/>
-            <a:ext cx="5002106" cy="307777"/>
-          </a:xfrm>
-          <a:prstGeom prst="rect">
-            <a:avLst/>
-          </a:prstGeom>
-          <a:noFill/>
-        </p:spPr>
-        <p:txBody>
-          <a:bodyPr wrap="square">
-            <a:spAutoFit/>
-          </a:bodyPr>
-          <a:lstStyle/>
-          <a:p>
-            <a:pPr algn="just" rtl="0">
-              <a:spcBef>
-                <a:spcPts val="946"/>
-              </a:spcBef>
-              <a:spcAft>
-                <a:spcPts val="0"/>
-              </a:spcAft>
-            </a:pPr>
-            <a:r>
-              <a:rPr lang="pt-BR" sz="1400" b="0" i="0" u="none" strike="noStrike" dirty="0">
-                <a:solidFill>
-                  <a:schemeClr val="accent1">
-                    <a:lumMod val="40000"/>
-                    <a:lumOff val="60000"/>
-                  </a:schemeClr>
-                </a:solidFill>
-                <a:effectLst/>
-                <a:latin typeface="Arial" panose="020B0604020202020204" pitchFamily="34" charset="0"/>
-              </a:rPr>
-              <a:t>Os ruídos de permutação obtiveram uma variação menor</a:t>
-            </a:r>
-            <a:endParaRPr lang="pt-BR" b="0" dirty="0">
-              <a:solidFill>
-                <a:schemeClr val="accent1">
-                  <a:lumMod val="40000"/>
-                  <a:lumOff val="60000"/>
-                </a:schemeClr>
-              </a:solidFill>
-              <a:effectLst/>
-            </a:endParaRPr>
-          </a:p>
-        </p:txBody>
-      </p:sp>
-      <p:sp>
-        <p:nvSpPr>
           <p:cNvPr id="11" name="CaixaDeTexto 10">
             <a:extLst>
               <a:ext uri="{FF2B5EF4-FFF2-40B4-BE49-F238E27FC236}">
@@ -7918,7 +7986,7 @@
                 <a:effectLst/>
                 <a:latin typeface="Arial" panose="020B0604020202020204" pitchFamily="34" charset="0"/>
               </a:rPr>
-              <a:t> na base em português com valores em média menores (exceção permutação)</a:t>
+              <a:t> na base em português com desvio em média menores (exceção permutação)</a:t>
             </a:r>
             <a:endParaRPr lang="pt-BR" dirty="0"/>
           </a:p>
@@ -8084,6 +8152,67 @@
           </a:p>
         </p:txBody>
       </p:sp>
+      <p:sp>
+        <p:nvSpPr>
+          <p:cNvPr id="9" name="CaixaDeTexto 8">
+            <a:extLst>
+              <a:ext uri="{FF2B5EF4-FFF2-40B4-BE49-F238E27FC236}">
+                <a16:creationId xmlns:a16="http://schemas.microsoft.com/office/drawing/2014/main" id="{47C21C88-FC6E-4D3C-A430-F8491EA1A4DF}"/>
+              </a:ext>
+            </a:extLst>
+          </p:cNvPr>
+          <p:cNvSpPr txBox="1"/>
+          <p:nvPr/>
+        </p:nvSpPr>
+        <p:spPr>
+          <a:xfrm>
+            <a:off x="3528907" y="207277"/>
+            <a:ext cx="5303393" cy="307777"/>
+          </a:xfrm>
+          <a:prstGeom prst="rect">
+            <a:avLst/>
+          </a:prstGeom>
+          <a:noFill/>
+        </p:spPr>
+        <p:txBody>
+          <a:bodyPr wrap="square">
+            <a:spAutoFit/>
+          </a:bodyPr>
+          <a:lstStyle/>
+          <a:p>
+            <a:pPr algn="just" rtl="0">
+              <a:spcBef>
+                <a:spcPts val="946"/>
+              </a:spcBef>
+              <a:spcAft>
+                <a:spcPts val="0"/>
+              </a:spcAft>
+            </a:pPr>
+            <a:r>
+              <a:rPr lang="pt-BR" sz="1400" b="0" i="0" u="none" strike="noStrike" dirty="0">
+                <a:solidFill>
+                  <a:schemeClr val="accent1">
+                    <a:lumMod val="60000"/>
+                    <a:lumOff val="40000"/>
+                  </a:schemeClr>
+                </a:solidFill>
+                <a:effectLst/>
+                <a:latin typeface="Arial" panose="020B0604020202020204" pitchFamily="34" charset="0"/>
+              </a:rPr>
+              <a:t>Os ruídos de permutação obtiveram um desvio em média menor</a:t>
+            </a:r>
+            <a:endParaRPr lang="pt-BR" b="0" dirty="0">
+              <a:solidFill>
+                <a:schemeClr val="accent1">
+                  <a:lumMod val="60000"/>
+                  <a:lumOff val="40000"/>
+                </a:schemeClr>
+              </a:solidFill>
+              <a:effectLst/>
+            </a:endParaRPr>
+          </a:p>
+        </p:txBody>
+      </p:sp>
     </p:spTree>
     <p:extLst>
       <p:ext uri="{BB962C8B-B14F-4D97-AF65-F5344CB8AC3E}">
@@ -8707,7 +8836,7 @@
                 </a:solidFill>
                 <a:latin typeface="Arial" panose="020B0604020202020204" pitchFamily="34" charset="0"/>
               </a:rPr>
-              <a:t>m uma maior distribuição de valores</a:t>
+              <a:t>m uma maior dispersão de valores</a:t>
             </a:r>
             <a:endParaRPr lang="pt-BR" b="0" dirty="0">
               <a:solidFill>
@@ -8941,7 +9070,7 @@
           </a:bodyPr>
           <a:lstStyle/>
           <a:p>
-            <a:pPr algn="just" rtl="0">
+            <a:pPr algn="ctr" rtl="0">
               <a:spcBef>
                 <a:spcPts val="946"/>
               </a:spcBef>
@@ -9555,8 +9684,8 @@
           <p:nvPr/>
         </p:nvSpPr>
         <p:spPr>
-          <a:xfrm rot="9923004">
-            <a:off x="4360807" y="4354192"/>
+          <a:xfrm rot="9181902">
+            <a:off x="4449145" y="4320164"/>
             <a:ext cx="294359" cy="496895"/>
           </a:xfrm>
           <a:prstGeom prst="lightningBolt">
@@ -10223,6 +10352,77 @@
 </file>
 
 <file path=ppt/slides/slide16.xml><?xml version="1.0" encoding="utf-8"?>
+<p:sld xmlns:a="http://schemas.openxmlformats.org/drawingml/2006/main" xmlns:r="http://schemas.openxmlformats.org/officeDocument/2006/relationships" xmlns:p="http://schemas.openxmlformats.org/presentationml/2006/main">
+  <p:cSld>
+    <p:spTree>
+      <p:nvGrpSpPr>
+        <p:cNvPr id="1" name="Shape 83"/>
+        <p:cNvGrpSpPr/>
+        <p:nvPr/>
+      </p:nvGrpSpPr>
+      <p:grpSpPr>
+        <a:xfrm>
+          <a:off x="0" y="0"/>
+          <a:ext cx="0" cy="0"/>
+          <a:chOff x="0" y="0"/>
+          <a:chExt cx="0" cy="0"/>
+        </a:xfrm>
+      </p:grpSpPr>
+      <p:sp>
+        <p:nvSpPr>
+          <p:cNvPr id="84" name="Google Shape;84;p18"/>
+          <p:cNvSpPr txBox="1">
+            <a:spLocks noGrp="1"/>
+          </p:cNvSpPr>
+          <p:nvPr>
+            <p:ph type="title"/>
+          </p:nvPr>
+        </p:nvSpPr>
+        <p:spPr>
+          <a:xfrm>
+            <a:off x="348158" y="365760"/>
+            <a:ext cx="4345762" cy="572700"/>
+          </a:xfrm>
+          <a:prstGeom prst="rect">
+            <a:avLst/>
+          </a:prstGeom>
+        </p:spPr>
+        <p:txBody>
+          <a:bodyPr spcFirstLastPara="1" wrap="square" lIns="91425" tIns="91425" rIns="91425" bIns="91425" anchor="t" anchorCtr="0">
+            <a:normAutofit/>
+          </a:bodyPr>
+          <a:lstStyle/>
+          <a:p>
+            <a:pPr marL="0" lvl="0" indent="0" algn="l" rtl="0">
+              <a:spcBef>
+                <a:spcPts val="0"/>
+              </a:spcBef>
+              <a:spcAft>
+                <a:spcPts val="0"/>
+              </a:spcAft>
+              <a:buNone/>
+            </a:pPr>
+            <a:r>
+              <a:rPr lang="pt-BR" sz="1800" dirty="0"/>
+              <a:t>Por fim...</a:t>
+            </a:r>
+          </a:p>
+        </p:txBody>
+      </p:sp>
+    </p:spTree>
+    <p:extLst>
+      <p:ext uri="{BB962C8B-B14F-4D97-AF65-F5344CB8AC3E}">
+        <p14:creationId xmlns:p14="http://schemas.microsoft.com/office/powerpoint/2010/main" val="388479393"/>
+      </p:ext>
+    </p:extLst>
+  </p:cSld>
+  <p:clrMapOvr>
+    <a:masterClrMapping/>
+  </p:clrMapOvr>
+</p:sld>
+</file>
+
+<file path=ppt/slides/slide17.xml><?xml version="1.0" encoding="utf-8"?>
 <p:sld xmlns:a="http://schemas.openxmlformats.org/drawingml/2006/main" xmlns:r="http://schemas.openxmlformats.org/officeDocument/2006/relationships" xmlns:p="http://schemas.openxmlformats.org/presentationml/2006/main">
   <p:cSld>
     <p:spTree>
@@ -10510,7 +10710,7 @@
     </p:spTree>
     <p:extLst>
       <p:ext uri="{BB962C8B-B14F-4D97-AF65-F5344CB8AC3E}">
-        <p14:creationId xmlns:p14="http://schemas.microsoft.com/office/powerpoint/2010/main" val="388479393"/>
+        <p14:creationId xmlns:p14="http://schemas.microsoft.com/office/powerpoint/2010/main" val="2988291854"/>
       </p:ext>
     </p:extLst>
   </p:cSld>
@@ -12872,8 +13072,8 @@
         </p:nvSpPr>
         <p:spPr>
           <a:xfrm>
-            <a:off x="3830194" y="263017"/>
-            <a:ext cx="5002106" cy="307777"/>
+            <a:off x="3528907" y="263017"/>
+            <a:ext cx="5303393" cy="307777"/>
           </a:xfrm>
           <a:prstGeom prst="rect">
             <a:avLst/>
@@ -12904,7 +13104,7 @@
                 <a:effectLst/>
                 <a:latin typeface="Arial" panose="020B0604020202020204" pitchFamily="34" charset="0"/>
               </a:rPr>
-              <a:t>Os ruídos de permutação obtiveram uma variação menor</a:t>
+              <a:t>Os ruídos de permutação obtiveram um desvio em média menor</a:t>
             </a:r>
             <a:endParaRPr lang="pt-BR" b="0" dirty="0">
               <a:solidFill>

--- a/docs/presentations/Apresentação final - 20211209.pptx
+++ b/docs/presentations/Apresentação final - 20211209.pptx
@@ -9602,7 +9602,7 @@
             </a:r>
             <a:r>
               <a:rPr lang="pt-BR" sz="1200" dirty="0"/>
-              <a:t>-dl/mt5-base-en-pt-msmarco (-0.100) e </a:t>
+              <a:t>-dl/mt5-base-en-pt-msmarco (-0.1) e </a:t>
             </a:r>
             <a:r>
               <a:rPr lang="pt-BR" sz="1200" dirty="0" err="1"/>
@@ -10148,7 +10148,7 @@
                 <a:effectLst/>
                 <a:latin typeface="Arial" panose="020B0604020202020204" pitchFamily="34" charset="0"/>
               </a:rPr>
-              <a:t> base de avaliação, sugere-se avaliar o comportamento da métrica proposta DG sobre outras métricas. Por exemplo: DG:MRR (</a:t>
+              <a:t> base de avaliação, sugere-se avaliar o comportamento da métrica proposta DG sobre outras métricas em outros domínios. Por exemplo: DG:MRR (</a:t>
             </a:r>
             <a:r>
               <a:rPr lang="pt-BR" sz="1200" b="0" i="1" u="none" strike="noStrike" dirty="0" err="1">

--- a/docs/presentations/Apresentação final - 20211209.pptx
+++ b/docs/presentations/Apresentação final - 20211209.pptx
@@ -9056,8 +9056,8 @@
         </p:nvSpPr>
         <p:spPr>
           <a:xfrm>
-            <a:off x="5425082" y="4211340"/>
-            <a:ext cx="2926982" cy="523220"/>
+            <a:off x="5425081" y="4211340"/>
+            <a:ext cx="3177051" cy="738664"/>
           </a:xfrm>
           <a:prstGeom prst="rect">
             <a:avLst/>
@@ -9099,7 +9099,29 @@
                 </a:solidFill>
                 <a:latin typeface="Arial" panose="020B0604020202020204" pitchFamily="34" charset="0"/>
               </a:rPr>
-              <a:t>m resultados piores do que o BM25</a:t>
+              <a:t>m resultados maiores quartis de </a:t>
+            </a:r>
+            <a:r>
+              <a:rPr lang="pt-BR" dirty="0" err="1">
+                <a:solidFill>
+                  <a:schemeClr val="accent1">
+                    <a:lumMod val="75000"/>
+                  </a:schemeClr>
+                </a:solidFill>
+                <a:latin typeface="Arial" panose="020B0604020202020204" pitchFamily="34" charset="0"/>
+              </a:rPr>
+              <a:t>descont</a:t>
+            </a:r>
+            <a:r>
+              <a:rPr lang="pt-BR" dirty="0">
+                <a:solidFill>
+                  <a:schemeClr val="accent1">
+                    <a:lumMod val="75000"/>
+                  </a:schemeClr>
+                </a:solidFill>
+                <a:latin typeface="Arial" panose="020B0604020202020204" pitchFamily="34" charset="0"/>
+              </a:rPr>
+              <a:t> do que o BM25</a:t>
             </a:r>
             <a:endParaRPr lang="pt-BR" b="0" dirty="0">
               <a:solidFill>
